--- a/Ctk43/BIỂU ĐỒ TUẦN TỰ.pptx
+++ b/Ctk43/BIỂU ĐỒ TUẦN TỰ.pptx
@@ -124,6 +124,11 @@
       </a:defRPr>
     </a:lvl9pPr>
   </p:defaultTextStyle>
+  <p:extLst>
+    <p:ext uri="{EFAFB233-063F-42B5-8137-9DF3F51BA10A}">
+      <p15:sldGuideLst xmlns:p15="http://schemas.microsoft.com/office/powerpoint/2012/main"/>
+    </p:ext>
+  </p:extLst>
 </p:presentation>
 </file>
 
@@ -7105,7 +7110,7 @@
           <a:p>
             <a:fld id="{C43A76A3-ADC8-4477-8FC1-B9DD55D84908}" type="datetime1">
               <a:rPr lang="en-US" smtClean="0"/>
-              <a:t>8/22/2021</a:t>
+              <a:t>8/27/2021</a:t>
             </a:fld>
             <a:endParaRPr lang="en-US" dirty="0"/>
           </a:p>
@@ -7303,7 +7308,7 @@
           <a:p>
             <a:fld id="{D6762538-DC4D-4667-96E5-B3278DDF8B12}" type="datetime1">
               <a:rPr lang="en-US" smtClean="0"/>
-              <a:t>8/22/2021</a:t>
+              <a:t>8/27/2021</a:t>
             </a:fld>
             <a:endParaRPr lang="en-US"/>
           </a:p>
@@ -7511,7 +7516,7 @@
           <a:p>
             <a:fld id="{05880548-5C08-4BE3-B63E-F2BB63B0B00C}" type="datetime1">
               <a:rPr lang="en-US" smtClean="0"/>
-              <a:t>8/22/2021</a:t>
+              <a:t>8/27/2021</a:t>
             </a:fld>
             <a:endParaRPr lang="en-US"/>
           </a:p>
@@ -7709,7 +7714,7 @@
           <a:p>
             <a:fld id="{DE7F49BE-398D-479A-8A7E-5DDBCA61EDCB}" type="datetime1">
               <a:rPr lang="en-US" smtClean="0"/>
-              <a:t>8/22/2021</a:t>
+              <a:t>8/27/2021</a:t>
             </a:fld>
             <a:endParaRPr lang="en-US"/>
           </a:p>
@@ -7985,7 +7990,7 @@
           <a:p>
             <a:fld id="{CCD0C193-4974-4A1F-9C63-07D595E30D66}" type="datetime1">
               <a:rPr lang="en-US" smtClean="0"/>
-              <a:t>8/22/2021</a:t>
+              <a:t>8/27/2021</a:t>
             </a:fld>
             <a:endParaRPr lang="en-US"/>
           </a:p>
@@ -8252,7 +8257,7 @@
           <a:p>
             <a:fld id="{701AA87F-28D4-4BF0-B81F-877A89DFD5AC}" type="datetime1">
               <a:rPr lang="en-US" smtClean="0"/>
-              <a:t>8/22/2021</a:t>
+              <a:t>8/27/2021</a:t>
             </a:fld>
             <a:endParaRPr lang="en-US"/>
           </a:p>
@@ -8666,7 +8671,7 @@
           <a:p>
             <a:fld id="{A8A9F1F3-208B-49A3-B337-9C8ACEB3E0E1}" type="datetime1">
               <a:rPr lang="en-US" smtClean="0"/>
-              <a:t>8/22/2021</a:t>
+              <a:t>8/27/2021</a:t>
             </a:fld>
             <a:endParaRPr lang="en-US"/>
           </a:p>
@@ -8813,7 +8818,7 @@
           <a:p>
             <a:fld id="{27AF6CA6-7293-4AA2-A0E0-A3BF4416E786}" type="datetime1">
               <a:rPr lang="en-US" smtClean="0"/>
-              <a:t>8/22/2021</a:t>
+              <a:t>8/27/2021</a:t>
             </a:fld>
             <a:endParaRPr lang="en-US"/>
           </a:p>
@@ -8926,7 +8931,7 @@
           <a:p>
             <a:fld id="{98D87016-7BCD-46FB-8EE3-AB6C369108B4}" type="datetime1">
               <a:rPr lang="en-US" smtClean="0"/>
-              <a:t>8/22/2021</a:t>
+              <a:t>8/27/2021</a:t>
             </a:fld>
             <a:endParaRPr lang="en-US"/>
           </a:p>
@@ -9245,7 +9250,7 @@
           <a:p>
             <a:fld id="{A1547011-1FFC-4EF8-9A2E-53B4AD2ADBD4}" type="datetime1">
               <a:rPr lang="en-US" smtClean="0"/>
-              <a:t>8/22/2021</a:t>
+              <a:t>8/27/2021</a:t>
             </a:fld>
             <a:endParaRPr lang="en-US"/>
           </a:p>
@@ -9540,7 +9545,7 @@
           <a:p>
             <a:fld id="{9562EB47-45B4-4EF5-A743-B4885DD2F060}" type="datetime1">
               <a:rPr lang="en-US" smtClean="0"/>
-              <a:t>8/22/2021</a:t>
+              <a:t>8/27/2021</a:t>
             </a:fld>
             <a:endParaRPr lang="en-US"/>
           </a:p>
@@ -10925,7 +10930,7 @@
           <a:p>
             <a:fld id="{4A8D24A4-5FEC-4062-8995-EB21925B3B40}" type="datetime1">
               <a:rPr lang="en-US" smtClean="0"/>
-              <a:t>8/22/2021</a:t>
+              <a:t>8/27/2021</a:t>
             </a:fld>
             <a:endParaRPr lang="en-US" sz="1000" dirty="0"/>
           </a:p>
@@ -13555,13 +13560,13 @@
             <a:spLocks noGrp="1"/>
           </p:cNvSpPr>
           <p:nvPr>
-            <p:ph idx="1"/>
+            <p:ph sz="half" idx="1"/>
           </p:nvPr>
         </p:nvSpPr>
         <p:spPr/>
         <p:txBody>
           <a:bodyPr>
-            <a:normAutofit/>
+            <a:normAutofit fontScale="92500" lnSpcReduction="10000"/>
           </a:bodyPr>
           <a:lstStyle/>
           <a:p>
@@ -13692,7 +13697,7 @@
                 <a:latin typeface="Times New Roman" panose="02020603050405020304" pitchFamily="18" charset="0"/>
                 <a:cs typeface="Times New Roman" panose="02020603050405020304" pitchFamily="18" charset="0"/>
               </a:rPr>
-              <a:t>choỗi</a:t>
+              <a:t>chuỗi</a:t>
             </a:r>
             <a:r>
               <a:rPr lang="en-US" sz="2800" dirty="0">
@@ -14534,6 +14539,35 @@
           </a:p>
         </p:txBody>
       </p:sp>
+      <p:pic>
+        <p:nvPicPr>
+          <p:cNvPr id="6" name="Content Placeholder 5" descr="Diagram&#10;&#10;Description automatically generated">
+            <a:extLst>
+              <a:ext uri="{FF2B5EF4-FFF2-40B4-BE49-F238E27FC236}">
+                <a16:creationId xmlns:a16="http://schemas.microsoft.com/office/drawing/2014/main" id="{79649FE7-2878-4652-A16C-9EB141C09D89}"/>
+              </a:ext>
+            </a:extLst>
+          </p:cNvPr>
+          <p:cNvPicPr>
+            <a:picLocks noGrp="1" noChangeAspect="1"/>
+          </p:cNvPicPr>
+          <p:nvPr>
+            <p:ph sz="half" idx="2"/>
+          </p:nvPr>
+        </p:nvPicPr>
+        <p:blipFill>
+          <a:blip r:embed="rId2"/>
+          <a:stretch>
+            <a:fillRect/>
+          </a:stretch>
+        </p:blipFill>
+        <p:spPr>
+          <a:xfrm>
+            <a:off x="7091129" y="3315398"/>
+            <a:ext cx="3343742" cy="1371791"/>
+          </a:xfrm>
+        </p:spPr>
+      </p:pic>
     </p:spTree>
     <p:extLst>
       <p:ext uri="{BB962C8B-B14F-4D97-AF65-F5344CB8AC3E}">

--- a/Ctk43/BIỂU ĐỒ TUẦN TỰ.pptx
+++ b/Ctk43/BIỂU ĐỒ TUẦN TỰ.pptx
@@ -20,9 +20,9 @@
     <p:sldId id="272" r:id="rId14"/>
     <p:sldId id="273" r:id="rId15"/>
     <p:sldId id="274" r:id="rId16"/>
-    <p:sldId id="275" r:id="rId17"/>
-    <p:sldId id="276" r:id="rId18"/>
-    <p:sldId id="277" r:id="rId19"/>
+    <p:sldId id="276" r:id="rId17"/>
+    <p:sldId id="277" r:id="rId18"/>
+    <p:sldId id="282" r:id="rId19"/>
     <p:sldId id="278" r:id="rId20"/>
     <p:sldId id="279" r:id="rId21"/>
     <p:sldId id="280" r:id="rId22"/>
@@ -2509,133 +2509,6 @@
       <dgm:prSet/>
       <dgm:spPr/>
     </dgm:pt>
-    <dgm:pt modelId="{5039ACFC-E170-4D54-9C32-9611657D3CE2}">
-      <dgm:prSet/>
-      <dgm:spPr/>
-      <dgm:t>
-        <a:bodyPr/>
-        <a:lstStyle/>
-        <a:p>
-          <a:r>
-            <a:rPr lang="en-US" dirty="0" err="1">
-              <a:latin typeface="Times New Roman" panose="02020603050405020304" pitchFamily="18" charset="0"/>
-              <a:cs typeface="Times New Roman" panose="02020603050405020304" pitchFamily="18" charset="0"/>
-            </a:rPr>
-            <a:t>Một</a:t>
-          </a:r>
-          <a:r>
-            <a:rPr lang="en-US" dirty="0">
-              <a:latin typeface="Times New Roman" panose="02020603050405020304" pitchFamily="18" charset="0"/>
-              <a:cs typeface="Times New Roman" panose="02020603050405020304" pitchFamily="18" charset="0"/>
-            </a:rPr>
-            <a:t> </a:t>
-          </a:r>
-          <a:r>
-            <a:rPr lang="en-US" dirty="0" err="1">
-              <a:latin typeface="Times New Roman" panose="02020603050405020304" pitchFamily="18" charset="0"/>
-              <a:cs typeface="Times New Roman" panose="02020603050405020304" pitchFamily="18" charset="0"/>
-            </a:rPr>
-            <a:t>thông</a:t>
-          </a:r>
-          <a:r>
-            <a:rPr lang="en-US" dirty="0">
-              <a:latin typeface="Times New Roman" panose="02020603050405020304" pitchFamily="18" charset="0"/>
-              <a:cs typeface="Times New Roman" panose="02020603050405020304" pitchFamily="18" charset="0"/>
-            </a:rPr>
-            <a:t> </a:t>
-          </a:r>
-          <a:r>
-            <a:rPr lang="en-US" dirty="0" err="1">
-              <a:latin typeface="Times New Roman" panose="02020603050405020304" pitchFamily="18" charset="0"/>
-              <a:cs typeface="Times New Roman" panose="02020603050405020304" pitchFamily="18" charset="0"/>
-            </a:rPr>
-            <a:t>điệp</a:t>
-          </a:r>
-          <a:r>
-            <a:rPr lang="en-US" dirty="0">
-              <a:latin typeface="Times New Roman" panose="02020603050405020304" pitchFamily="18" charset="0"/>
-              <a:cs typeface="Times New Roman" panose="02020603050405020304" pitchFamily="18" charset="0"/>
-            </a:rPr>
-            <a:t> hay </a:t>
-          </a:r>
-          <a:r>
-            <a:rPr lang="en-US" dirty="0" err="1">
-              <a:latin typeface="Times New Roman" panose="02020603050405020304" pitchFamily="18" charset="0"/>
-              <a:cs typeface="Times New Roman" panose="02020603050405020304" pitchFamily="18" charset="0"/>
-            </a:rPr>
-            <a:t>các</a:t>
-          </a:r>
-          <a:r>
-            <a:rPr lang="en-US" dirty="0">
-              <a:latin typeface="Times New Roman" panose="02020603050405020304" pitchFamily="18" charset="0"/>
-              <a:cs typeface="Times New Roman" panose="02020603050405020304" pitchFamily="18" charset="0"/>
-            </a:rPr>
-            <a:t> </a:t>
-          </a:r>
-          <a:r>
-            <a:rPr lang="en-US" dirty="0" err="1">
-              <a:latin typeface="Times New Roman" panose="02020603050405020304" pitchFamily="18" charset="0"/>
-              <a:cs typeface="Times New Roman" panose="02020603050405020304" pitchFamily="18" charset="0"/>
-            </a:rPr>
-            <a:t>tác</a:t>
-          </a:r>
-          <a:r>
-            <a:rPr lang="en-US" dirty="0">
-              <a:latin typeface="Times New Roman" panose="02020603050405020304" pitchFamily="18" charset="0"/>
-              <a:cs typeface="Times New Roman" panose="02020603050405020304" pitchFamily="18" charset="0"/>
-            </a:rPr>
-            <a:t> </a:t>
-          </a:r>
-          <a:r>
-            <a:rPr lang="en-US" dirty="0" err="1">
-              <a:latin typeface="Times New Roman" panose="02020603050405020304" pitchFamily="18" charset="0"/>
-              <a:cs typeface="Times New Roman" panose="02020603050405020304" pitchFamily="18" charset="0"/>
-            </a:rPr>
-            <a:t>nhân</a:t>
-          </a:r>
-          <a:r>
-            <a:rPr lang="en-US" dirty="0">
-              <a:latin typeface="Times New Roman" panose="02020603050405020304" pitchFamily="18" charset="0"/>
-              <a:cs typeface="Times New Roman" panose="02020603050405020304" pitchFamily="18" charset="0"/>
-            </a:rPr>
-            <a:t> </a:t>
-          </a:r>
-          <a:r>
-            <a:rPr lang="en-US" dirty="0" err="1">
-              <a:latin typeface="Times New Roman" panose="02020603050405020304" pitchFamily="18" charset="0"/>
-              <a:cs typeface="Times New Roman" panose="02020603050405020304" pitchFamily="18" charset="0"/>
-            </a:rPr>
-            <a:t>kích</a:t>
-          </a:r>
-          <a:r>
-            <a:rPr lang="en-US" dirty="0">
-              <a:latin typeface="Times New Roman" panose="02020603050405020304" pitchFamily="18" charset="0"/>
-              <a:cs typeface="Times New Roman" panose="02020603050405020304" pitchFamily="18" charset="0"/>
-            </a:rPr>
-            <a:t> </a:t>
-          </a:r>
-          <a:r>
-            <a:rPr lang="en-US" dirty="0" err="1">
-              <a:latin typeface="Times New Roman" panose="02020603050405020304" pitchFamily="18" charset="0"/>
-              <a:cs typeface="Times New Roman" panose="02020603050405020304" pitchFamily="18" charset="0"/>
-            </a:rPr>
-            <a:t>thích</a:t>
-          </a:r>
-          <a:endParaRPr lang="en-US" dirty="0">
-            <a:latin typeface="Times New Roman" panose="02020603050405020304" pitchFamily="18" charset="0"/>
-            <a:cs typeface="Times New Roman" panose="02020603050405020304" pitchFamily="18" charset="0"/>
-          </a:endParaRPr>
-        </a:p>
-      </dgm:t>
-    </dgm:pt>
-    <dgm:pt modelId="{3438B018-E862-4122-9639-C8A6DBD15907}" type="parTrans" cxnId="{3BA2E56C-E04B-4EAA-9649-854728653A26}">
-      <dgm:prSet/>
-      <dgm:spPr/>
-    </dgm:pt>
-    <dgm:pt modelId="{A566053E-E73A-48C7-85EC-F485A6A0D47C}" type="sibTrans" cxnId="{3BA2E56C-E04B-4EAA-9649-854728653A26}">
-      <dgm:prSet/>
-      <dgm:spPr/>
-    </dgm:pt>
     <dgm:pt modelId="{8B3DCA94-3C8C-49DE-AE8E-35077F5848A1}" type="pres">
       <dgm:prSet presAssocID="{D9F6E03B-6928-49A3-8673-0B3DF4E59128}" presName="linear" presStyleCnt="0">
         <dgm:presLayoutVars>
@@ -2646,7 +2519,7 @@
       <dgm:spPr/>
     </dgm:pt>
     <dgm:pt modelId="{8443028E-7BCE-4FD0-8EC9-D2D7EDAF7245}" type="pres">
-      <dgm:prSet presAssocID="{B535F067-BAC9-43E4-8F5C-0B6B44262321}" presName="parentText" presStyleLbl="node1" presStyleIdx="0" presStyleCnt="6">
+      <dgm:prSet presAssocID="{B535F067-BAC9-43E4-8F5C-0B6B44262321}" presName="parentText" presStyleLbl="node1" presStyleIdx="0" presStyleCnt="5">
         <dgm:presLayoutVars>
           <dgm:chMax val="0"/>
           <dgm:bulletEnabled val="1"/>
@@ -2659,7 +2532,7 @@
       <dgm:spPr/>
     </dgm:pt>
     <dgm:pt modelId="{AA8228FD-9A77-4CC8-BFCA-23D2ED537BD7}" type="pres">
-      <dgm:prSet presAssocID="{D80D9CF3-2AD6-431C-B732-C5F26CB32057}" presName="parentText" presStyleLbl="node1" presStyleIdx="1" presStyleCnt="6">
+      <dgm:prSet presAssocID="{D80D9CF3-2AD6-431C-B732-C5F26CB32057}" presName="parentText" presStyleLbl="node1" presStyleIdx="1" presStyleCnt="5">
         <dgm:presLayoutVars>
           <dgm:chMax val="0"/>
           <dgm:bulletEnabled val="1"/>
@@ -2672,7 +2545,7 @@
       <dgm:spPr/>
     </dgm:pt>
     <dgm:pt modelId="{E6D44EA0-40F9-49E4-BAA9-8E963B1F9B88}" type="pres">
-      <dgm:prSet presAssocID="{0A081E8F-54C4-4FED-BC07-535D872364FB}" presName="parentText" presStyleLbl="node1" presStyleIdx="2" presStyleCnt="6">
+      <dgm:prSet presAssocID="{0A081E8F-54C4-4FED-BC07-535D872364FB}" presName="parentText" presStyleLbl="node1" presStyleIdx="2" presStyleCnt="5">
         <dgm:presLayoutVars>
           <dgm:chMax val="0"/>
           <dgm:bulletEnabled val="1"/>
@@ -2685,7 +2558,7 @@
       <dgm:spPr/>
     </dgm:pt>
     <dgm:pt modelId="{96709602-733E-4560-A668-24A262000C6D}" type="pres">
-      <dgm:prSet presAssocID="{6F8FA414-789F-4FEC-AD05-44449520CB14}" presName="parentText" presStyleLbl="node1" presStyleIdx="3" presStyleCnt="6">
+      <dgm:prSet presAssocID="{6F8FA414-789F-4FEC-AD05-44449520CB14}" presName="parentText" presStyleLbl="node1" presStyleIdx="3" presStyleCnt="5">
         <dgm:presLayoutVars>
           <dgm:chMax val="0"/>
           <dgm:bulletEnabled val="1"/>
@@ -2698,20 +2571,7 @@
       <dgm:spPr/>
     </dgm:pt>
     <dgm:pt modelId="{CB409739-3C76-46C0-949F-5275DA67D8B3}" type="pres">
-      <dgm:prSet presAssocID="{9C95B964-F7DF-41AB-885E-88B10C6236AB}" presName="parentText" presStyleLbl="node1" presStyleIdx="4" presStyleCnt="6">
-        <dgm:presLayoutVars>
-          <dgm:chMax val="0"/>
-          <dgm:bulletEnabled val="1"/>
-        </dgm:presLayoutVars>
-      </dgm:prSet>
-      <dgm:spPr/>
-    </dgm:pt>
-    <dgm:pt modelId="{78232D75-E37E-4224-AC06-D64CD2A47A7E}" type="pres">
-      <dgm:prSet presAssocID="{07B0C9B3-ED13-487F-8F0C-8FAE39B5D0AD}" presName="spacer" presStyleCnt="0"/>
-      <dgm:spPr/>
-    </dgm:pt>
-    <dgm:pt modelId="{0D57D625-E46F-46DA-8296-B527C5082D22}" type="pres">
-      <dgm:prSet presAssocID="{5039ACFC-E170-4D54-9C32-9611657D3CE2}" presName="parentText" presStyleLbl="node1" presStyleIdx="5" presStyleCnt="6">
+      <dgm:prSet presAssocID="{9C95B964-F7DF-41AB-885E-88B10C6236AB}" presName="parentText" presStyleLbl="node1" presStyleIdx="4" presStyleCnt="5">
         <dgm:presLayoutVars>
           <dgm:chMax val="0"/>
           <dgm:bulletEnabled val="1"/>
@@ -2723,13 +2583,11 @@
   <dgm:cxnLst>
     <dgm:cxn modelId="{4A631D01-75D4-4168-9E0B-57BFE8773DFB}" srcId="{D9F6E03B-6928-49A3-8673-0B3DF4E59128}" destId="{6F8FA414-789F-4FEC-AD05-44449520CB14}" srcOrd="3" destOrd="0" parTransId="{0ABB1C89-FE82-479A-97EB-B8BCC5978CE5}" sibTransId="{6B06C691-0967-4D19-B2AA-48A495EE2FCA}"/>
     <dgm:cxn modelId="{96F76206-70C3-466F-BD2E-4C922BDA0E19}" type="presOf" srcId="{6F8FA414-789F-4FEC-AD05-44449520CB14}" destId="{96709602-733E-4560-A668-24A262000C6D}" srcOrd="0" destOrd="0" presId="urn:microsoft.com/office/officeart/2005/8/layout/vList2"/>
-    <dgm:cxn modelId="{A136990A-A87C-4B4E-8E8F-ACAB35DEBAD6}" type="presOf" srcId="{5039ACFC-E170-4D54-9C32-9611657D3CE2}" destId="{0D57D625-E46F-46DA-8296-B527C5082D22}" srcOrd="0" destOrd="0" presId="urn:microsoft.com/office/officeart/2005/8/layout/vList2"/>
     <dgm:cxn modelId="{81794225-ADFD-4405-B66A-9DBD144EBBC1}" srcId="{D9F6E03B-6928-49A3-8673-0B3DF4E59128}" destId="{9C95B964-F7DF-41AB-885E-88B10C6236AB}" srcOrd="4" destOrd="0" parTransId="{4B1B755A-5ED1-47BE-97AE-D8E289932DD7}" sibTransId="{07B0C9B3-ED13-487F-8F0C-8FAE39B5D0AD}"/>
     <dgm:cxn modelId="{B300BD2A-DC4B-4BC0-AEAD-16ADB6EB99D7}" srcId="{D9F6E03B-6928-49A3-8673-0B3DF4E59128}" destId="{D80D9CF3-2AD6-431C-B732-C5F26CB32057}" srcOrd="1" destOrd="0" parTransId="{30F5CA2F-C901-4913-BA38-3986FE6E6557}" sibTransId="{032D127F-DC42-4F2C-9EE8-AD34ED602AAB}"/>
     <dgm:cxn modelId="{4782522D-08A5-4369-82D2-7ED6D3196991}" type="presOf" srcId="{9C95B964-F7DF-41AB-885E-88B10C6236AB}" destId="{CB409739-3C76-46C0-949F-5275DA67D8B3}" srcOrd="0" destOrd="0" presId="urn:microsoft.com/office/officeart/2005/8/layout/vList2"/>
     <dgm:cxn modelId="{1CFA1167-9BF1-45A6-A19A-833A6589B971}" type="presOf" srcId="{D9F6E03B-6928-49A3-8673-0B3DF4E59128}" destId="{8B3DCA94-3C8C-49DE-AE8E-35077F5848A1}" srcOrd="0" destOrd="0" presId="urn:microsoft.com/office/officeart/2005/8/layout/vList2"/>
     <dgm:cxn modelId="{AF24A14C-54F3-412F-A5E2-C32952FC0B06}" type="presOf" srcId="{B535F067-BAC9-43E4-8F5C-0B6B44262321}" destId="{8443028E-7BCE-4FD0-8EC9-D2D7EDAF7245}" srcOrd="0" destOrd="0" presId="urn:microsoft.com/office/officeart/2005/8/layout/vList2"/>
-    <dgm:cxn modelId="{3BA2E56C-E04B-4EAA-9649-854728653A26}" srcId="{D9F6E03B-6928-49A3-8673-0B3DF4E59128}" destId="{5039ACFC-E170-4D54-9C32-9611657D3CE2}" srcOrd="5" destOrd="0" parTransId="{3438B018-E862-4122-9639-C8A6DBD15907}" sibTransId="{A566053E-E73A-48C7-85EC-F485A6A0D47C}"/>
     <dgm:cxn modelId="{89D514A6-D335-4618-908B-E29CE789A2D9}" type="presOf" srcId="{D80D9CF3-2AD6-431C-B732-C5F26CB32057}" destId="{AA8228FD-9A77-4CC8-BFCA-23D2ED537BD7}" srcOrd="0" destOrd="0" presId="urn:microsoft.com/office/officeart/2005/8/layout/vList2"/>
     <dgm:cxn modelId="{6B1116B6-461D-432A-9F71-863CB5E3BB65}" srcId="{D9F6E03B-6928-49A3-8673-0B3DF4E59128}" destId="{0A081E8F-54C4-4FED-BC07-535D872364FB}" srcOrd="2" destOrd="0" parTransId="{50ADF344-7528-4307-AEF1-07934683AE3A}" sibTransId="{5082C62B-4DCD-4D89-967B-393197EEFD2B}"/>
     <dgm:cxn modelId="{762CCDB9-9D86-41A4-87D8-555B75B5769C}" srcId="{D9F6E03B-6928-49A3-8673-0B3DF4E59128}" destId="{B535F067-BAC9-43E4-8F5C-0B6B44262321}" srcOrd="0" destOrd="0" parTransId="{D30AE3C2-0965-4F46-947E-8E290C6C9072}" sibTransId="{93DA7A33-623F-427A-9813-4D2C69139E39}"/>
@@ -2743,8 +2601,6 @@
     <dgm:cxn modelId="{2E884ED9-355C-436A-803B-E4BB04FB9152}" type="presParOf" srcId="{8B3DCA94-3C8C-49DE-AE8E-35077F5848A1}" destId="{96709602-733E-4560-A668-24A262000C6D}" srcOrd="6" destOrd="0" presId="urn:microsoft.com/office/officeart/2005/8/layout/vList2"/>
     <dgm:cxn modelId="{83DA3E58-5E59-46FA-8BF1-000E5F335F06}" type="presParOf" srcId="{8B3DCA94-3C8C-49DE-AE8E-35077F5848A1}" destId="{87BCFBBE-D3E7-4288-9C39-6D18C0509C1C}" srcOrd="7" destOrd="0" presId="urn:microsoft.com/office/officeart/2005/8/layout/vList2"/>
     <dgm:cxn modelId="{82FDC9AE-5B7A-46EF-BA4B-824F5C23D00F}" type="presParOf" srcId="{8B3DCA94-3C8C-49DE-AE8E-35077F5848A1}" destId="{CB409739-3C76-46C0-949F-5275DA67D8B3}" srcOrd="8" destOrd="0" presId="urn:microsoft.com/office/officeart/2005/8/layout/vList2"/>
-    <dgm:cxn modelId="{4CC142FA-2130-4CDC-BAB7-D221E08F4107}" type="presParOf" srcId="{8B3DCA94-3C8C-49DE-AE8E-35077F5848A1}" destId="{78232D75-E37E-4224-AC06-D64CD2A47A7E}" srcOrd="9" destOrd="0" presId="urn:microsoft.com/office/officeart/2005/8/layout/vList2"/>
-    <dgm:cxn modelId="{A35B5943-4FC1-4FAD-874B-9DE19F9C4660}" type="presParOf" srcId="{8B3DCA94-3C8C-49DE-AE8E-35077F5848A1}" destId="{0D57D625-E46F-46DA-8296-B527C5082D22}" srcOrd="10" destOrd="0" presId="urn:microsoft.com/office/officeart/2005/8/layout/vList2"/>
   </dgm:cxnLst>
   <dgm:bg/>
   <dgm:whole/>
@@ -3461,8 +3317,8 @@
       </dsp:nvSpPr>
       <dsp:spPr>
         <a:xfrm>
-          <a:off x="0" y="179124"/>
-          <a:ext cx="7117918" cy="725399"/>
+          <a:off x="0" y="8124"/>
+          <a:ext cx="7117918" cy="936000"/>
         </a:xfrm>
         <a:prstGeom prst="roundRect">
           <a:avLst/>
@@ -3504,12 +3360,12 @@
         </a:fontRef>
       </dsp:style>
       <dsp:txBody>
-        <a:bodyPr spcFirstLastPara="0" vert="horz" wrap="square" lIns="118110" tIns="118110" rIns="118110" bIns="118110" numCol="1" spcCol="1270" anchor="ctr" anchorCtr="0">
+        <a:bodyPr spcFirstLastPara="0" vert="horz" wrap="square" lIns="152400" tIns="152400" rIns="152400" bIns="152400" numCol="1" spcCol="1270" anchor="ctr" anchorCtr="0">
           <a:noAutofit/>
         </a:bodyPr>
         <a:lstStyle/>
         <a:p>
-          <a:pPr marL="0" lvl="0" indent="0" algn="l" defTabSz="1377950">
+          <a:pPr marL="0" lvl="0" indent="0" algn="l" defTabSz="1778000">
             <a:lnSpc>
               <a:spcPct val="90000"/>
             </a:lnSpc>
@@ -3522,28 +3378,28 @@
             <a:buNone/>
           </a:pPr>
           <a:r>
-            <a:rPr lang="en-US" sz="3100" kern="1200" dirty="0" err="1">
+            <a:rPr lang="en-US" sz="4000" kern="1200" dirty="0" err="1">
               <a:latin typeface="Times New Roman" panose="02020603050405020304" pitchFamily="18" charset="0"/>
               <a:cs typeface="Times New Roman" panose="02020603050405020304" pitchFamily="18" charset="0"/>
             </a:rPr>
             <a:t>Đổi</a:t>
           </a:r>
           <a:r>
-            <a:rPr lang="en-US" sz="3100" kern="1200" dirty="0">
+            <a:rPr lang="en-US" sz="4000" kern="1200" dirty="0">
               <a:latin typeface="Times New Roman" panose="02020603050405020304" pitchFamily="18" charset="0"/>
               <a:cs typeface="Times New Roman" panose="02020603050405020304" pitchFamily="18" charset="0"/>
             </a:rPr>
             <a:t> </a:t>
           </a:r>
           <a:r>
-            <a:rPr lang="en-US" sz="3100" kern="1200" dirty="0" err="1">
+            <a:rPr lang="en-US" sz="4000" kern="1200" dirty="0" err="1">
               <a:latin typeface="Times New Roman" panose="02020603050405020304" pitchFamily="18" charset="0"/>
               <a:cs typeface="Times New Roman" panose="02020603050405020304" pitchFamily="18" charset="0"/>
             </a:rPr>
             <a:t>tượng</a:t>
           </a:r>
           <a:r>
-            <a:rPr lang="en-US" sz="3100" kern="1200" dirty="0">
+            <a:rPr lang="en-US" sz="4000" kern="1200" dirty="0">
               <a:latin typeface="Times New Roman" panose="02020603050405020304" pitchFamily="18" charset="0"/>
               <a:cs typeface="Times New Roman" panose="02020603050405020304" pitchFamily="18" charset="0"/>
             </a:rPr>
@@ -3552,8 +3408,8 @@
         </a:p>
       </dsp:txBody>
       <dsp:txXfrm>
-        <a:off x="35411" y="214535"/>
-        <a:ext cx="7047096" cy="654577"/>
+        <a:off x="45692" y="53816"/>
+        <a:ext cx="7026534" cy="844616"/>
       </dsp:txXfrm>
     </dsp:sp>
     <dsp:sp modelId="{AA8228FD-9A77-4CC8-BFCA-23D2ED537BD7}">
@@ -3563,17 +3419,17 @@
       </dsp:nvSpPr>
       <dsp:spPr>
         <a:xfrm>
-          <a:off x="0" y="993804"/>
-          <a:ext cx="7117918" cy="725399"/>
+          <a:off x="0" y="1059324"/>
+          <a:ext cx="7117918" cy="936000"/>
         </a:xfrm>
         <a:prstGeom prst="roundRect">
           <a:avLst/>
         </a:prstGeom>
         <a:solidFill>
           <a:schemeClr val="accent2">
-            <a:hueOff val="-291073"/>
-            <a:satOff val="-16786"/>
-            <a:lumOff val="1569"/>
+            <a:hueOff val="-363841"/>
+            <a:satOff val="-20982"/>
+            <a:lumOff val="1961"/>
             <a:alphaOff val="0"/>
           </a:schemeClr>
         </a:solidFill>
@@ -3606,12 +3462,12 @@
         </a:fontRef>
       </dsp:style>
       <dsp:txBody>
-        <a:bodyPr spcFirstLastPara="0" vert="horz" wrap="square" lIns="118110" tIns="118110" rIns="118110" bIns="118110" numCol="1" spcCol="1270" anchor="ctr" anchorCtr="0">
+        <a:bodyPr spcFirstLastPara="0" vert="horz" wrap="square" lIns="152400" tIns="152400" rIns="152400" bIns="152400" numCol="1" spcCol="1270" anchor="ctr" anchorCtr="0">
           <a:noAutofit/>
         </a:bodyPr>
         <a:lstStyle/>
         <a:p>
-          <a:pPr marL="0" lvl="0" indent="0" algn="l" defTabSz="1377950">
+          <a:pPr marL="0" lvl="0" indent="0" algn="l" defTabSz="1778000">
             <a:lnSpc>
               <a:spcPct val="90000"/>
             </a:lnSpc>
@@ -3624,56 +3480,56 @@
             <a:buNone/>
           </a:pPr>
           <a:r>
-            <a:rPr lang="en-US" sz="3100" kern="1200" dirty="0" err="1">
+            <a:rPr lang="en-US" sz="4000" kern="1200" dirty="0" err="1">
               <a:latin typeface="Times New Roman" panose="02020603050405020304" pitchFamily="18" charset="0"/>
               <a:cs typeface="Times New Roman" panose="02020603050405020304" pitchFamily="18" charset="0"/>
             </a:rPr>
             <a:t>Đường</a:t>
           </a:r>
           <a:r>
-            <a:rPr lang="en-US" sz="3100" kern="1200" dirty="0">
+            <a:rPr lang="en-US" sz="4000" kern="1200" dirty="0">
               <a:latin typeface="Times New Roman" panose="02020603050405020304" pitchFamily="18" charset="0"/>
               <a:cs typeface="Times New Roman" panose="02020603050405020304" pitchFamily="18" charset="0"/>
             </a:rPr>
             <a:t> </a:t>
           </a:r>
           <a:r>
-            <a:rPr lang="en-US" sz="3100" kern="1200" dirty="0" err="1">
+            <a:rPr lang="en-US" sz="4000" kern="1200" dirty="0" err="1">
               <a:latin typeface="Times New Roman" panose="02020603050405020304" pitchFamily="18" charset="0"/>
               <a:cs typeface="Times New Roman" panose="02020603050405020304" pitchFamily="18" charset="0"/>
             </a:rPr>
             <a:t>sinh</a:t>
           </a:r>
           <a:r>
-            <a:rPr lang="en-US" sz="3100" kern="1200" dirty="0">
+            <a:rPr lang="en-US" sz="4000" kern="1200" dirty="0">
               <a:latin typeface="Times New Roman" panose="02020603050405020304" pitchFamily="18" charset="0"/>
               <a:cs typeface="Times New Roman" panose="02020603050405020304" pitchFamily="18" charset="0"/>
             </a:rPr>
             <a:t> </a:t>
           </a:r>
           <a:r>
-            <a:rPr lang="en-US" sz="3100" kern="1200" dirty="0" err="1">
+            <a:rPr lang="en-US" sz="4000" kern="1200" dirty="0" err="1">
               <a:latin typeface="Times New Roman" panose="02020603050405020304" pitchFamily="18" charset="0"/>
               <a:cs typeface="Times New Roman" panose="02020603050405020304" pitchFamily="18" charset="0"/>
             </a:rPr>
             <a:t>tồn</a:t>
           </a:r>
           <a:r>
-            <a:rPr lang="en-US" sz="3100" kern="1200" dirty="0">
+            <a:rPr lang="en-US" sz="4000" kern="1200" dirty="0">
               <a:latin typeface="Times New Roman" panose="02020603050405020304" pitchFamily="18" charset="0"/>
               <a:cs typeface="Times New Roman" panose="02020603050405020304" pitchFamily="18" charset="0"/>
             </a:rPr>
             <a:t> (</a:t>
           </a:r>
           <a:r>
-            <a:rPr lang="en-US" sz="3100" kern="1200" dirty="0" err="1">
+            <a:rPr lang="en-US" sz="4000" kern="1200" dirty="0" err="1">
               <a:latin typeface="Times New Roman" panose="02020603050405020304" pitchFamily="18" charset="0"/>
               <a:cs typeface="Times New Roman" panose="02020603050405020304" pitchFamily="18" charset="0"/>
             </a:rPr>
             <a:t>LifeLines</a:t>
           </a:r>
           <a:r>
-            <a:rPr lang="en-US" sz="3100" kern="1200" dirty="0">
+            <a:rPr lang="en-US" sz="4000" kern="1200" dirty="0">
               <a:latin typeface="Times New Roman" panose="02020603050405020304" pitchFamily="18" charset="0"/>
               <a:cs typeface="Times New Roman" panose="02020603050405020304" pitchFamily="18" charset="0"/>
             </a:rPr>
@@ -3682,8 +3538,8 @@
         </a:p>
       </dsp:txBody>
       <dsp:txXfrm>
-        <a:off x="35411" y="1029215"/>
-        <a:ext cx="7047096" cy="654577"/>
+        <a:off x="45692" y="1105016"/>
+        <a:ext cx="7026534" cy="844616"/>
       </dsp:txXfrm>
     </dsp:sp>
     <dsp:sp modelId="{E6D44EA0-40F9-49E4-BAA9-8E963B1F9B88}">
@@ -3693,17 +3549,17 @@
       </dsp:nvSpPr>
       <dsp:spPr>
         <a:xfrm>
-          <a:off x="0" y="1808484"/>
-          <a:ext cx="7117918" cy="725399"/>
+          <a:off x="0" y="2110524"/>
+          <a:ext cx="7117918" cy="936000"/>
         </a:xfrm>
         <a:prstGeom prst="roundRect">
           <a:avLst/>
         </a:prstGeom>
         <a:solidFill>
           <a:schemeClr val="accent2">
-            <a:hueOff val="-582145"/>
-            <a:satOff val="-33571"/>
-            <a:lumOff val="3137"/>
+            <a:hueOff val="-727682"/>
+            <a:satOff val="-41964"/>
+            <a:lumOff val="3921"/>
             <a:alphaOff val="0"/>
           </a:schemeClr>
         </a:solidFill>
@@ -3736,12 +3592,12 @@
         </a:fontRef>
       </dsp:style>
       <dsp:txBody>
-        <a:bodyPr spcFirstLastPara="0" vert="horz" wrap="square" lIns="118110" tIns="118110" rIns="118110" bIns="118110" numCol="1" spcCol="1270" anchor="ctr" anchorCtr="0">
+        <a:bodyPr spcFirstLastPara="0" vert="horz" wrap="square" lIns="152400" tIns="152400" rIns="152400" bIns="152400" numCol="1" spcCol="1270" anchor="ctr" anchorCtr="0">
           <a:noAutofit/>
         </a:bodyPr>
         <a:lstStyle/>
         <a:p>
-          <a:pPr marL="0" lvl="0" indent="0" algn="l" defTabSz="1377950">
+          <a:pPr marL="0" lvl="0" indent="0" algn="l" defTabSz="1778000">
             <a:lnSpc>
               <a:spcPct val="90000"/>
             </a:lnSpc>
@@ -3754,28 +3610,28 @@
             <a:buNone/>
           </a:pPr>
           <a:r>
-            <a:rPr lang="en-US" sz="3100" kern="1200" dirty="0" err="1">
+            <a:rPr lang="en-US" sz="4000" kern="1200" dirty="0" err="1">
               <a:latin typeface="Times New Roman" panose="02020603050405020304" pitchFamily="18" charset="0"/>
               <a:cs typeface="Times New Roman" panose="02020603050405020304" pitchFamily="18" charset="0"/>
             </a:rPr>
             <a:t>Thông</a:t>
           </a:r>
           <a:r>
-            <a:rPr lang="en-US" sz="3100" kern="1200" dirty="0">
+            <a:rPr lang="en-US" sz="4000" kern="1200" dirty="0">
               <a:latin typeface="Times New Roman" panose="02020603050405020304" pitchFamily="18" charset="0"/>
               <a:cs typeface="Times New Roman" panose="02020603050405020304" pitchFamily="18" charset="0"/>
             </a:rPr>
             <a:t> </a:t>
           </a:r>
           <a:r>
-            <a:rPr lang="en-US" sz="3100" kern="1200" dirty="0" err="1">
+            <a:rPr lang="en-US" sz="4000" kern="1200" dirty="0" err="1">
               <a:latin typeface="Times New Roman" panose="02020603050405020304" pitchFamily="18" charset="0"/>
               <a:cs typeface="Times New Roman" panose="02020603050405020304" pitchFamily="18" charset="0"/>
             </a:rPr>
             <a:t>điệp</a:t>
           </a:r>
           <a:r>
-            <a:rPr lang="en-US" sz="3100" kern="1200" dirty="0">
+            <a:rPr lang="en-US" sz="4000" kern="1200" dirty="0">
               <a:latin typeface="Times New Roman" panose="02020603050405020304" pitchFamily="18" charset="0"/>
               <a:cs typeface="Times New Roman" panose="02020603050405020304" pitchFamily="18" charset="0"/>
             </a:rPr>
@@ -3784,8 +3640,8 @@
         </a:p>
       </dsp:txBody>
       <dsp:txXfrm>
-        <a:off x="35411" y="1843895"/>
-        <a:ext cx="7047096" cy="654577"/>
+        <a:off x="45692" y="2156216"/>
+        <a:ext cx="7026534" cy="844616"/>
       </dsp:txXfrm>
     </dsp:sp>
     <dsp:sp modelId="{96709602-733E-4560-A668-24A262000C6D}">
@@ -3795,17 +3651,17 @@
       </dsp:nvSpPr>
       <dsp:spPr>
         <a:xfrm>
-          <a:off x="0" y="2623164"/>
-          <a:ext cx="7117918" cy="725399"/>
+          <a:off x="0" y="3161724"/>
+          <a:ext cx="7117918" cy="936000"/>
         </a:xfrm>
         <a:prstGeom prst="roundRect">
           <a:avLst/>
         </a:prstGeom>
         <a:solidFill>
           <a:schemeClr val="accent2">
-            <a:hueOff val="-873218"/>
-            <a:satOff val="-50357"/>
-            <a:lumOff val="4706"/>
+            <a:hueOff val="-1091522"/>
+            <a:satOff val="-62946"/>
+            <a:lumOff val="5882"/>
             <a:alphaOff val="0"/>
           </a:schemeClr>
         </a:solidFill>
@@ -3838,12 +3694,12 @@
         </a:fontRef>
       </dsp:style>
       <dsp:txBody>
-        <a:bodyPr spcFirstLastPara="0" vert="horz" wrap="square" lIns="118110" tIns="118110" rIns="118110" bIns="118110" numCol="1" spcCol="1270" anchor="ctr" anchorCtr="0">
+        <a:bodyPr spcFirstLastPara="0" vert="horz" wrap="square" lIns="152400" tIns="152400" rIns="152400" bIns="152400" numCol="1" spcCol="1270" anchor="ctr" anchorCtr="0">
           <a:noAutofit/>
         </a:bodyPr>
         <a:lstStyle/>
         <a:p>
-          <a:pPr marL="0" lvl="0" indent="0" algn="l" defTabSz="1377950">
+          <a:pPr marL="0" lvl="0" indent="0" algn="l" defTabSz="1778000">
             <a:lnSpc>
               <a:spcPct val="90000"/>
             </a:lnSpc>
@@ -3856,84 +3712,84 @@
             <a:buNone/>
           </a:pPr>
           <a:r>
-            <a:rPr lang="en-US" sz="3100" kern="1200" dirty="0" err="1">
+            <a:rPr lang="en-US" sz="4000" kern="1200" dirty="0" err="1">
               <a:latin typeface="Times New Roman" panose="02020603050405020304" pitchFamily="18" charset="0"/>
               <a:cs typeface="Times New Roman" panose="02020603050405020304" pitchFamily="18" charset="0"/>
             </a:rPr>
             <a:t>Xử</a:t>
           </a:r>
           <a:r>
-            <a:rPr lang="en-US" sz="3100" kern="1200" dirty="0">
+            <a:rPr lang="en-US" sz="4000" kern="1200" dirty="0">
               <a:latin typeface="Times New Roman" panose="02020603050405020304" pitchFamily="18" charset="0"/>
               <a:cs typeface="Times New Roman" panose="02020603050405020304" pitchFamily="18" charset="0"/>
             </a:rPr>
             <a:t> </a:t>
           </a:r>
           <a:r>
-            <a:rPr lang="en-US" sz="3100" kern="1200" dirty="0" err="1">
+            <a:rPr lang="en-US" sz="4000" kern="1200" dirty="0" err="1">
               <a:latin typeface="Times New Roman" panose="02020603050405020304" pitchFamily="18" charset="0"/>
               <a:cs typeface="Times New Roman" panose="02020603050405020304" pitchFamily="18" charset="0"/>
             </a:rPr>
             <a:t>lý</a:t>
           </a:r>
           <a:r>
-            <a:rPr lang="en-US" sz="3100" kern="1200" dirty="0">
+            <a:rPr lang="en-US" sz="4000" kern="1200" dirty="0">
               <a:latin typeface="Times New Roman" panose="02020603050405020304" pitchFamily="18" charset="0"/>
               <a:cs typeface="Times New Roman" panose="02020603050405020304" pitchFamily="18" charset="0"/>
             </a:rPr>
             <a:t> </a:t>
           </a:r>
           <a:r>
-            <a:rPr lang="en-US" sz="3100" kern="1200" dirty="0" err="1">
+            <a:rPr lang="en-US" sz="4000" kern="1200" dirty="0" err="1">
               <a:latin typeface="Times New Roman" panose="02020603050405020304" pitchFamily="18" charset="0"/>
               <a:cs typeface="Times New Roman" panose="02020603050405020304" pitchFamily="18" charset="0"/>
             </a:rPr>
             <a:t>bên</a:t>
           </a:r>
           <a:r>
-            <a:rPr lang="en-US" sz="3100" kern="1200" dirty="0">
+            <a:rPr lang="en-US" sz="4000" kern="1200" dirty="0">
               <a:latin typeface="Times New Roman" panose="02020603050405020304" pitchFamily="18" charset="0"/>
               <a:cs typeface="Times New Roman" panose="02020603050405020304" pitchFamily="18" charset="0"/>
             </a:rPr>
             <a:t> </a:t>
           </a:r>
           <a:r>
-            <a:rPr lang="en-US" sz="3100" kern="1200" dirty="0" err="1">
+            <a:rPr lang="en-US" sz="4000" kern="1200" dirty="0" err="1">
               <a:latin typeface="Times New Roman" panose="02020603050405020304" pitchFamily="18" charset="0"/>
               <a:cs typeface="Times New Roman" panose="02020603050405020304" pitchFamily="18" charset="0"/>
             </a:rPr>
             <a:t>trong</a:t>
           </a:r>
           <a:r>
-            <a:rPr lang="en-US" sz="3100" kern="1200" dirty="0">
+            <a:rPr lang="en-US" sz="4000" kern="1200" dirty="0">
               <a:latin typeface="Times New Roman" panose="02020603050405020304" pitchFamily="18" charset="0"/>
               <a:cs typeface="Times New Roman" panose="02020603050405020304" pitchFamily="18" charset="0"/>
             </a:rPr>
             <a:t> </a:t>
           </a:r>
           <a:r>
-            <a:rPr lang="en-US" sz="3100" kern="1200" dirty="0" err="1">
+            <a:rPr lang="en-US" sz="4000" kern="1200" dirty="0" err="1">
               <a:latin typeface="Times New Roman" panose="02020603050405020304" pitchFamily="18" charset="0"/>
               <a:cs typeface="Times New Roman" panose="02020603050405020304" pitchFamily="18" charset="0"/>
             </a:rPr>
             <a:t>đối</a:t>
           </a:r>
           <a:r>
-            <a:rPr lang="en-US" sz="3100" kern="1200" dirty="0">
+            <a:rPr lang="en-US" sz="4000" kern="1200" dirty="0">
               <a:latin typeface="Times New Roman" panose="02020603050405020304" pitchFamily="18" charset="0"/>
               <a:cs typeface="Times New Roman" panose="02020603050405020304" pitchFamily="18" charset="0"/>
             </a:rPr>
             <a:t> </a:t>
           </a:r>
           <a:r>
-            <a:rPr lang="en-US" sz="3100" kern="1200" dirty="0" err="1">
+            <a:rPr lang="en-US" sz="4000" kern="1200" dirty="0" err="1">
               <a:latin typeface="Times New Roman" panose="02020603050405020304" pitchFamily="18" charset="0"/>
               <a:cs typeface="Times New Roman" panose="02020603050405020304" pitchFamily="18" charset="0"/>
             </a:rPr>
             <a:t>tượng</a:t>
           </a:r>
           <a:r>
-            <a:rPr lang="en-US" sz="3100" kern="1200" dirty="0">
+            <a:rPr lang="en-US" sz="4000" kern="1200" dirty="0">
               <a:latin typeface="Times New Roman" panose="02020603050405020304" pitchFamily="18" charset="0"/>
               <a:cs typeface="Times New Roman" panose="02020603050405020304" pitchFamily="18" charset="0"/>
             </a:rPr>
@@ -3942,8 +3798,8 @@
         </a:p>
       </dsp:txBody>
       <dsp:txXfrm>
-        <a:off x="35411" y="2658575"/>
-        <a:ext cx="7047096" cy="654577"/>
+        <a:off x="45692" y="3207416"/>
+        <a:ext cx="7026534" cy="844616"/>
       </dsp:txXfrm>
     </dsp:sp>
     <dsp:sp modelId="{CB409739-3C76-46C0-949F-5275DA67D8B3}">
@@ -3953,135 +3809,8 @@
       </dsp:nvSpPr>
       <dsp:spPr>
         <a:xfrm>
-          <a:off x="0" y="3437844"/>
-          <a:ext cx="7117918" cy="725399"/>
-        </a:xfrm>
-        <a:prstGeom prst="roundRect">
-          <a:avLst/>
-        </a:prstGeom>
-        <a:solidFill>
-          <a:schemeClr val="accent2">
-            <a:hueOff val="-1164290"/>
-            <a:satOff val="-67142"/>
-            <a:lumOff val="6274"/>
-            <a:alphaOff val="0"/>
-          </a:schemeClr>
-        </a:solidFill>
-        <a:ln w="12700" cap="flat" cmpd="sng" algn="ctr">
-          <a:solidFill>
-            <a:schemeClr val="lt1">
-              <a:hueOff val="0"/>
-              <a:satOff val="0"/>
-              <a:lumOff val="0"/>
-              <a:alphaOff val="0"/>
-            </a:schemeClr>
-          </a:solidFill>
-          <a:prstDash val="solid"/>
-          <a:miter lim="800000"/>
-        </a:ln>
-        <a:effectLst/>
-      </dsp:spPr>
-      <dsp:style>
-        <a:lnRef idx="2">
-          <a:scrgbClr r="0" g="0" b="0"/>
-        </a:lnRef>
-        <a:fillRef idx="1">
-          <a:scrgbClr r="0" g="0" b="0"/>
-        </a:fillRef>
-        <a:effectRef idx="0">
-          <a:scrgbClr r="0" g="0" b="0"/>
-        </a:effectRef>
-        <a:fontRef idx="minor">
-          <a:schemeClr val="lt1"/>
-        </a:fontRef>
-      </dsp:style>
-      <dsp:txBody>
-        <a:bodyPr spcFirstLastPara="0" vert="horz" wrap="square" lIns="118110" tIns="118110" rIns="118110" bIns="118110" numCol="1" spcCol="1270" anchor="ctr" anchorCtr="0">
-          <a:noAutofit/>
-        </a:bodyPr>
-        <a:lstStyle/>
-        <a:p>
-          <a:pPr marL="0" lvl="0" indent="0" algn="l" defTabSz="1377950">
-            <a:lnSpc>
-              <a:spcPct val="90000"/>
-            </a:lnSpc>
-            <a:spcBef>
-              <a:spcPct val="0"/>
-            </a:spcBef>
-            <a:spcAft>
-              <a:spcPct val="35000"/>
-            </a:spcAft>
-            <a:buNone/>
-          </a:pPr>
-          <a:r>
-            <a:rPr lang="en-US" sz="3100" kern="1200" dirty="0" err="1">
-              <a:latin typeface="Times New Roman" panose="02020603050405020304" pitchFamily="18" charset="0"/>
-              <a:cs typeface="Times New Roman" panose="02020603050405020304" pitchFamily="18" charset="0"/>
-            </a:rPr>
-            <a:t>Thời</a:t>
-          </a:r>
-          <a:r>
-            <a:rPr lang="en-US" sz="3100" kern="1200" dirty="0">
-              <a:latin typeface="Times New Roman" panose="02020603050405020304" pitchFamily="18" charset="0"/>
-              <a:cs typeface="Times New Roman" panose="02020603050405020304" pitchFamily="18" charset="0"/>
-            </a:rPr>
-            <a:t> </a:t>
-          </a:r>
-          <a:r>
-            <a:rPr lang="en-US" sz="3100" kern="1200" dirty="0" err="1">
-              <a:latin typeface="Times New Roman" panose="02020603050405020304" pitchFamily="18" charset="0"/>
-              <a:cs typeface="Times New Roman" panose="02020603050405020304" pitchFamily="18" charset="0"/>
-            </a:rPr>
-            <a:t>gian</a:t>
-          </a:r>
-          <a:r>
-            <a:rPr lang="en-US" sz="3100" kern="1200" dirty="0">
-              <a:latin typeface="Times New Roman" panose="02020603050405020304" pitchFamily="18" charset="0"/>
-              <a:cs typeface="Times New Roman" panose="02020603050405020304" pitchFamily="18" charset="0"/>
-            </a:rPr>
-            <a:t> </a:t>
-          </a:r>
-          <a:r>
-            <a:rPr lang="en-US" sz="3100" kern="1200" dirty="0" err="1">
-              <a:latin typeface="Times New Roman" panose="02020603050405020304" pitchFamily="18" charset="0"/>
-              <a:cs typeface="Times New Roman" panose="02020603050405020304" pitchFamily="18" charset="0"/>
-            </a:rPr>
-            <a:t>hoạt</a:t>
-          </a:r>
-          <a:r>
-            <a:rPr lang="en-US" sz="3100" kern="1200" dirty="0">
-              <a:latin typeface="Times New Roman" panose="02020603050405020304" pitchFamily="18" charset="0"/>
-              <a:cs typeface="Times New Roman" panose="02020603050405020304" pitchFamily="18" charset="0"/>
-            </a:rPr>
-            <a:t> </a:t>
-          </a:r>
-          <a:r>
-            <a:rPr lang="en-US" sz="3100" kern="1200" dirty="0" err="1">
-              <a:latin typeface="Times New Roman" panose="02020603050405020304" pitchFamily="18" charset="0"/>
-              <a:cs typeface="Times New Roman" panose="02020603050405020304" pitchFamily="18" charset="0"/>
-            </a:rPr>
-            <a:t>động</a:t>
-          </a:r>
-          <a:endParaRPr lang="en-US" sz="3100" kern="1200" dirty="0">
-            <a:latin typeface="Times New Roman" panose="02020603050405020304" pitchFamily="18" charset="0"/>
-            <a:cs typeface="Times New Roman" panose="02020603050405020304" pitchFamily="18" charset="0"/>
-          </a:endParaRPr>
-        </a:p>
-      </dsp:txBody>
-      <dsp:txXfrm>
-        <a:off x="35411" y="3473255"/>
-        <a:ext cx="7047096" cy="654577"/>
-      </dsp:txXfrm>
-    </dsp:sp>
-    <dsp:sp modelId="{0D57D625-E46F-46DA-8296-B527C5082D22}">
-      <dsp:nvSpPr>
-        <dsp:cNvPr id="0" name=""/>
-        <dsp:cNvSpPr/>
-      </dsp:nvSpPr>
-      <dsp:spPr>
-        <a:xfrm>
-          <a:off x="0" y="4252524"/>
-          <a:ext cx="7117918" cy="725399"/>
+          <a:off x="0" y="4212924"/>
+          <a:ext cx="7117918" cy="936000"/>
         </a:xfrm>
         <a:prstGeom prst="roundRect">
           <a:avLst/>
@@ -4123,12 +3852,12 @@
         </a:fontRef>
       </dsp:style>
       <dsp:txBody>
-        <a:bodyPr spcFirstLastPara="0" vert="horz" wrap="square" lIns="118110" tIns="118110" rIns="118110" bIns="118110" numCol="1" spcCol="1270" anchor="ctr" anchorCtr="0">
+        <a:bodyPr spcFirstLastPara="0" vert="horz" wrap="square" lIns="152400" tIns="152400" rIns="152400" bIns="152400" numCol="1" spcCol="1270" anchor="ctr" anchorCtr="0">
           <a:noAutofit/>
         </a:bodyPr>
         <a:lstStyle/>
         <a:p>
-          <a:pPr marL="0" lvl="0" indent="0" algn="l" defTabSz="1377950">
+          <a:pPr marL="0" lvl="0" indent="0" algn="l" defTabSz="1778000">
             <a:lnSpc>
               <a:spcPct val="90000"/>
             </a:lnSpc>
@@ -4141,119 +3870,63 @@
             <a:buNone/>
           </a:pPr>
           <a:r>
-            <a:rPr lang="en-US" sz="3100" kern="1200" dirty="0" err="1">
+            <a:rPr lang="en-US" sz="4000" kern="1200" dirty="0" err="1">
               <a:latin typeface="Times New Roman" panose="02020603050405020304" pitchFamily="18" charset="0"/>
               <a:cs typeface="Times New Roman" panose="02020603050405020304" pitchFamily="18" charset="0"/>
             </a:rPr>
-            <a:t>Một</a:t>
+            <a:t>Thời</a:t>
           </a:r>
           <a:r>
-            <a:rPr lang="en-US" sz="3100" kern="1200" dirty="0">
+            <a:rPr lang="en-US" sz="4000" kern="1200" dirty="0">
               <a:latin typeface="Times New Roman" panose="02020603050405020304" pitchFamily="18" charset="0"/>
               <a:cs typeface="Times New Roman" panose="02020603050405020304" pitchFamily="18" charset="0"/>
             </a:rPr>
             <a:t> </a:t>
           </a:r>
           <a:r>
-            <a:rPr lang="en-US" sz="3100" kern="1200" dirty="0" err="1">
+            <a:rPr lang="en-US" sz="4000" kern="1200" dirty="0" err="1">
               <a:latin typeface="Times New Roman" panose="02020603050405020304" pitchFamily="18" charset="0"/>
               <a:cs typeface="Times New Roman" panose="02020603050405020304" pitchFamily="18" charset="0"/>
             </a:rPr>
-            <a:t>thông</a:t>
+            <a:t>gian</a:t>
           </a:r>
           <a:r>
-            <a:rPr lang="en-US" sz="3100" kern="1200" dirty="0">
+            <a:rPr lang="en-US" sz="4000" kern="1200" dirty="0">
               <a:latin typeface="Times New Roman" panose="02020603050405020304" pitchFamily="18" charset="0"/>
               <a:cs typeface="Times New Roman" panose="02020603050405020304" pitchFamily="18" charset="0"/>
             </a:rPr>
             <a:t> </a:t>
           </a:r>
           <a:r>
-            <a:rPr lang="en-US" sz="3100" kern="1200" dirty="0" err="1">
+            <a:rPr lang="en-US" sz="4000" kern="1200" dirty="0" err="1">
               <a:latin typeface="Times New Roman" panose="02020603050405020304" pitchFamily="18" charset="0"/>
               <a:cs typeface="Times New Roman" panose="02020603050405020304" pitchFamily="18" charset="0"/>
             </a:rPr>
-            <a:t>điệp</a:t>
+            <a:t>hoạt</a:t>
           </a:r>
           <a:r>
-            <a:rPr lang="en-US" sz="3100" kern="1200" dirty="0">
-              <a:latin typeface="Times New Roman" panose="02020603050405020304" pitchFamily="18" charset="0"/>
-              <a:cs typeface="Times New Roman" panose="02020603050405020304" pitchFamily="18" charset="0"/>
-            </a:rPr>
-            <a:t> hay </a:t>
-          </a:r>
-          <a:r>
-            <a:rPr lang="en-US" sz="3100" kern="1200" dirty="0" err="1">
-              <a:latin typeface="Times New Roman" panose="02020603050405020304" pitchFamily="18" charset="0"/>
-              <a:cs typeface="Times New Roman" panose="02020603050405020304" pitchFamily="18" charset="0"/>
-            </a:rPr>
-            <a:t>các</a:t>
-          </a:r>
-          <a:r>
-            <a:rPr lang="en-US" sz="3100" kern="1200" dirty="0">
+            <a:rPr lang="en-US" sz="4000" kern="1200" dirty="0">
               <a:latin typeface="Times New Roman" panose="02020603050405020304" pitchFamily="18" charset="0"/>
               <a:cs typeface="Times New Roman" panose="02020603050405020304" pitchFamily="18" charset="0"/>
             </a:rPr>
             <a:t> </a:t>
           </a:r>
           <a:r>
-            <a:rPr lang="en-US" sz="3100" kern="1200" dirty="0" err="1">
+            <a:rPr lang="en-US" sz="4000" kern="1200" dirty="0" err="1">
               <a:latin typeface="Times New Roman" panose="02020603050405020304" pitchFamily="18" charset="0"/>
               <a:cs typeface="Times New Roman" panose="02020603050405020304" pitchFamily="18" charset="0"/>
             </a:rPr>
-            <a:t>tác</a:t>
+            <a:t>động</a:t>
           </a:r>
-          <a:r>
-            <a:rPr lang="en-US" sz="3100" kern="1200" dirty="0">
-              <a:latin typeface="Times New Roman" panose="02020603050405020304" pitchFamily="18" charset="0"/>
-              <a:cs typeface="Times New Roman" panose="02020603050405020304" pitchFamily="18" charset="0"/>
-            </a:rPr>
-            <a:t> </a:t>
-          </a:r>
-          <a:r>
-            <a:rPr lang="en-US" sz="3100" kern="1200" dirty="0" err="1">
-              <a:latin typeface="Times New Roman" panose="02020603050405020304" pitchFamily="18" charset="0"/>
-              <a:cs typeface="Times New Roman" panose="02020603050405020304" pitchFamily="18" charset="0"/>
-            </a:rPr>
-            <a:t>nhân</a:t>
-          </a:r>
-          <a:r>
-            <a:rPr lang="en-US" sz="3100" kern="1200" dirty="0">
-              <a:latin typeface="Times New Roman" panose="02020603050405020304" pitchFamily="18" charset="0"/>
-              <a:cs typeface="Times New Roman" panose="02020603050405020304" pitchFamily="18" charset="0"/>
-            </a:rPr>
-            <a:t> </a:t>
-          </a:r>
-          <a:r>
-            <a:rPr lang="en-US" sz="3100" kern="1200" dirty="0" err="1">
-              <a:latin typeface="Times New Roman" panose="02020603050405020304" pitchFamily="18" charset="0"/>
-              <a:cs typeface="Times New Roman" panose="02020603050405020304" pitchFamily="18" charset="0"/>
-            </a:rPr>
-            <a:t>kích</a:t>
-          </a:r>
-          <a:r>
-            <a:rPr lang="en-US" sz="3100" kern="1200" dirty="0">
-              <a:latin typeface="Times New Roman" panose="02020603050405020304" pitchFamily="18" charset="0"/>
-              <a:cs typeface="Times New Roman" panose="02020603050405020304" pitchFamily="18" charset="0"/>
-            </a:rPr>
-            <a:t> </a:t>
-          </a:r>
-          <a:r>
-            <a:rPr lang="en-US" sz="3100" kern="1200" dirty="0" err="1">
-              <a:latin typeface="Times New Roman" panose="02020603050405020304" pitchFamily="18" charset="0"/>
-              <a:cs typeface="Times New Roman" panose="02020603050405020304" pitchFamily="18" charset="0"/>
-            </a:rPr>
-            <a:t>thích</a:t>
-          </a:r>
-          <a:endParaRPr lang="en-US" sz="3100" kern="1200" dirty="0">
+          <a:endParaRPr lang="en-US" sz="4000" kern="1200" dirty="0">
             <a:latin typeface="Times New Roman" panose="02020603050405020304" pitchFamily="18" charset="0"/>
             <a:cs typeface="Times New Roman" panose="02020603050405020304" pitchFamily="18" charset="0"/>
           </a:endParaRPr>
         </a:p>
       </dsp:txBody>
       <dsp:txXfrm>
-        <a:off x="35411" y="4287935"/>
-        <a:ext cx="7047096" cy="654577"/>
+        <a:off x="45692" y="4258616"/>
+        <a:ext cx="7026534" cy="844616"/>
       </dsp:txXfrm>
     </dsp:sp>
   </dsp:spTree>
@@ -7110,7 +6783,7 @@
           <a:p>
             <a:fld id="{C43A76A3-ADC8-4477-8FC1-B9DD55D84908}" type="datetime1">
               <a:rPr lang="en-US" smtClean="0"/>
-              <a:t>8/27/2021</a:t>
+              <a:t>9/21/2021</a:t>
             </a:fld>
             <a:endParaRPr lang="en-US" dirty="0"/>
           </a:p>
@@ -7308,7 +6981,7 @@
           <a:p>
             <a:fld id="{D6762538-DC4D-4667-96E5-B3278DDF8B12}" type="datetime1">
               <a:rPr lang="en-US" smtClean="0"/>
-              <a:t>8/27/2021</a:t>
+              <a:t>9/21/2021</a:t>
             </a:fld>
             <a:endParaRPr lang="en-US"/>
           </a:p>
@@ -7516,7 +7189,7 @@
           <a:p>
             <a:fld id="{05880548-5C08-4BE3-B63E-F2BB63B0B00C}" type="datetime1">
               <a:rPr lang="en-US" smtClean="0"/>
-              <a:t>8/27/2021</a:t>
+              <a:t>9/21/2021</a:t>
             </a:fld>
             <a:endParaRPr lang="en-US"/>
           </a:p>
@@ -7714,7 +7387,7 @@
           <a:p>
             <a:fld id="{DE7F49BE-398D-479A-8A7E-5DDBCA61EDCB}" type="datetime1">
               <a:rPr lang="en-US" smtClean="0"/>
-              <a:t>8/27/2021</a:t>
+              <a:t>9/21/2021</a:t>
             </a:fld>
             <a:endParaRPr lang="en-US"/>
           </a:p>
@@ -7990,7 +7663,7 @@
           <a:p>
             <a:fld id="{CCD0C193-4974-4A1F-9C63-07D595E30D66}" type="datetime1">
               <a:rPr lang="en-US" smtClean="0"/>
-              <a:t>8/27/2021</a:t>
+              <a:t>9/21/2021</a:t>
             </a:fld>
             <a:endParaRPr lang="en-US"/>
           </a:p>
@@ -8257,7 +7930,7 @@
           <a:p>
             <a:fld id="{701AA87F-28D4-4BF0-B81F-877A89DFD5AC}" type="datetime1">
               <a:rPr lang="en-US" smtClean="0"/>
-              <a:t>8/27/2021</a:t>
+              <a:t>9/21/2021</a:t>
             </a:fld>
             <a:endParaRPr lang="en-US"/>
           </a:p>
@@ -8671,7 +8344,7 @@
           <a:p>
             <a:fld id="{A8A9F1F3-208B-49A3-B337-9C8ACEB3E0E1}" type="datetime1">
               <a:rPr lang="en-US" smtClean="0"/>
-              <a:t>8/27/2021</a:t>
+              <a:t>9/21/2021</a:t>
             </a:fld>
             <a:endParaRPr lang="en-US"/>
           </a:p>
@@ -8818,7 +8491,7 @@
           <a:p>
             <a:fld id="{27AF6CA6-7293-4AA2-A0E0-A3BF4416E786}" type="datetime1">
               <a:rPr lang="en-US" smtClean="0"/>
-              <a:t>8/27/2021</a:t>
+              <a:t>9/21/2021</a:t>
             </a:fld>
             <a:endParaRPr lang="en-US"/>
           </a:p>
@@ -8931,7 +8604,7 @@
           <a:p>
             <a:fld id="{98D87016-7BCD-46FB-8EE3-AB6C369108B4}" type="datetime1">
               <a:rPr lang="en-US" smtClean="0"/>
-              <a:t>8/27/2021</a:t>
+              <a:t>9/21/2021</a:t>
             </a:fld>
             <a:endParaRPr lang="en-US"/>
           </a:p>
@@ -9250,7 +8923,7 @@
           <a:p>
             <a:fld id="{A1547011-1FFC-4EF8-9A2E-53B4AD2ADBD4}" type="datetime1">
               <a:rPr lang="en-US" smtClean="0"/>
-              <a:t>8/27/2021</a:t>
+              <a:t>9/21/2021</a:t>
             </a:fld>
             <a:endParaRPr lang="en-US"/>
           </a:p>
@@ -9545,7 +9218,7 @@
           <a:p>
             <a:fld id="{9562EB47-45B4-4EF5-A743-B4885DD2F060}" type="datetime1">
               <a:rPr lang="en-US" smtClean="0"/>
-              <a:t>8/27/2021</a:t>
+              <a:t>9/21/2021</a:t>
             </a:fld>
             <a:endParaRPr lang="en-US"/>
           </a:p>
@@ -10930,7 +10603,7 @@
           <a:p>
             <a:fld id="{4A8D24A4-5FEC-4062-8995-EB21925B3B40}" type="datetime1">
               <a:rPr lang="en-US" smtClean="0"/>
-              <a:t>8/27/2021</a:t>
+              <a:t>9/21/2021</a:t>
             </a:fld>
             <a:endParaRPr lang="en-US" sz="1000" dirty="0"/>
           </a:p>
@@ -12481,6 +12154,276 @@
   <p:clrMapOvr>
     <a:masterClrMapping/>
   </p:clrMapOvr>
+  <p:timing>
+    <p:tnLst>
+      <p:par>
+        <p:cTn id="1" dur="indefinite" restart="never" nodeType="tmRoot">
+          <p:childTnLst>
+            <p:seq concurrent="1" nextAc="seek">
+              <p:cTn id="2" dur="indefinite" nodeType="mainSeq">
+                <p:childTnLst>
+                  <p:par>
+                    <p:cTn id="3" fill="hold">
+                      <p:stCondLst>
+                        <p:cond delay="indefinite"/>
+                      </p:stCondLst>
+                      <p:childTnLst>
+                        <p:par>
+                          <p:cTn id="4" fill="hold">
+                            <p:stCondLst>
+                              <p:cond delay="0"/>
+                            </p:stCondLst>
+                            <p:childTnLst>
+                              <p:par>
+                                <p:cTn id="5" presetID="21" presetClass="entr" presetSubtype="1" fill="hold" grpId="0" nodeType="clickEffect">
+                                  <p:stCondLst>
+                                    <p:cond delay="0"/>
+                                  </p:stCondLst>
+                                  <p:childTnLst>
+                                    <p:set>
+                                      <p:cBhvr>
+                                        <p:cTn id="6" dur="1" fill="hold">
+                                          <p:stCondLst>
+                                            <p:cond delay="0"/>
+                                          </p:stCondLst>
+                                        </p:cTn>
+                                        <p:tgtEl>
+                                          <p:spTgt spid="2"/>
+                                        </p:tgtEl>
+                                        <p:attrNameLst>
+                                          <p:attrName>style.visibility</p:attrName>
+                                        </p:attrNameLst>
+                                      </p:cBhvr>
+                                      <p:to>
+                                        <p:strVal val="visible"/>
+                                      </p:to>
+                                    </p:set>
+                                    <p:animEffect transition="in" filter="wheel(1)">
+                                      <p:cBhvr>
+                                        <p:cTn id="7" dur="2000"/>
+                                        <p:tgtEl>
+                                          <p:spTgt spid="2"/>
+                                        </p:tgtEl>
+                                      </p:cBhvr>
+                                    </p:animEffect>
+                                  </p:childTnLst>
+                                </p:cTn>
+                              </p:par>
+                            </p:childTnLst>
+                          </p:cTn>
+                        </p:par>
+                      </p:childTnLst>
+                    </p:cTn>
+                  </p:par>
+                  <p:par>
+                    <p:cTn id="8" fill="hold">
+                      <p:stCondLst>
+                        <p:cond delay="indefinite"/>
+                      </p:stCondLst>
+                      <p:childTnLst>
+                        <p:par>
+                          <p:cTn id="9" fill="hold">
+                            <p:stCondLst>
+                              <p:cond delay="0"/>
+                            </p:stCondLst>
+                            <p:childTnLst>
+                              <p:par>
+                                <p:cTn id="10" presetID="14" presetClass="entr" presetSubtype="10" fill="hold" grpId="0" nodeType="clickEffect">
+                                  <p:stCondLst>
+                                    <p:cond delay="0"/>
+                                  </p:stCondLst>
+                                  <p:childTnLst>
+                                    <p:set>
+                                      <p:cBhvr>
+                                        <p:cTn id="11" dur="1" fill="hold">
+                                          <p:stCondLst>
+                                            <p:cond delay="0"/>
+                                          </p:stCondLst>
+                                        </p:cTn>
+                                        <p:tgtEl>
+                                          <p:spTgt spid="3">
+                                            <p:txEl>
+                                              <p:pRg st="0" end="0"/>
+                                            </p:txEl>
+                                          </p:spTgt>
+                                        </p:tgtEl>
+                                        <p:attrNameLst>
+                                          <p:attrName>style.visibility</p:attrName>
+                                        </p:attrNameLst>
+                                      </p:cBhvr>
+                                      <p:to>
+                                        <p:strVal val="visible"/>
+                                      </p:to>
+                                    </p:set>
+                                    <p:animEffect transition="in" filter="randombar(horizontal)">
+                                      <p:cBhvr>
+                                        <p:cTn id="12" dur="500"/>
+                                        <p:tgtEl>
+                                          <p:spTgt spid="3">
+                                            <p:txEl>
+                                              <p:pRg st="0" end="0"/>
+                                            </p:txEl>
+                                          </p:spTgt>
+                                        </p:tgtEl>
+                                      </p:cBhvr>
+                                    </p:animEffect>
+                                  </p:childTnLst>
+                                </p:cTn>
+                              </p:par>
+                            </p:childTnLst>
+                          </p:cTn>
+                        </p:par>
+                      </p:childTnLst>
+                    </p:cTn>
+                  </p:par>
+                  <p:par>
+                    <p:cTn id="13" fill="hold">
+                      <p:stCondLst>
+                        <p:cond delay="indefinite"/>
+                      </p:stCondLst>
+                      <p:childTnLst>
+                        <p:par>
+                          <p:cTn id="14" fill="hold">
+                            <p:stCondLst>
+                              <p:cond delay="0"/>
+                            </p:stCondLst>
+                            <p:childTnLst>
+                              <p:par>
+                                <p:cTn id="15" presetID="14" presetClass="entr" presetSubtype="10" fill="hold" grpId="0" nodeType="clickEffect">
+                                  <p:stCondLst>
+                                    <p:cond delay="0"/>
+                                  </p:stCondLst>
+                                  <p:childTnLst>
+                                    <p:set>
+                                      <p:cBhvr>
+                                        <p:cTn id="16" dur="1" fill="hold">
+                                          <p:stCondLst>
+                                            <p:cond delay="0"/>
+                                          </p:stCondLst>
+                                        </p:cTn>
+                                        <p:tgtEl>
+                                          <p:spTgt spid="3">
+                                            <p:txEl>
+                                              <p:pRg st="1" end="1"/>
+                                            </p:txEl>
+                                          </p:spTgt>
+                                        </p:tgtEl>
+                                        <p:attrNameLst>
+                                          <p:attrName>style.visibility</p:attrName>
+                                        </p:attrNameLst>
+                                      </p:cBhvr>
+                                      <p:to>
+                                        <p:strVal val="visible"/>
+                                      </p:to>
+                                    </p:set>
+                                    <p:animEffect transition="in" filter="randombar(horizontal)">
+                                      <p:cBhvr>
+                                        <p:cTn id="17" dur="500"/>
+                                        <p:tgtEl>
+                                          <p:spTgt spid="3">
+                                            <p:txEl>
+                                              <p:pRg st="1" end="1"/>
+                                            </p:txEl>
+                                          </p:spTgt>
+                                        </p:tgtEl>
+                                      </p:cBhvr>
+                                    </p:animEffect>
+                                  </p:childTnLst>
+                                </p:cTn>
+                              </p:par>
+                            </p:childTnLst>
+                          </p:cTn>
+                        </p:par>
+                      </p:childTnLst>
+                    </p:cTn>
+                  </p:par>
+                  <p:par>
+                    <p:cTn id="18" fill="hold">
+                      <p:stCondLst>
+                        <p:cond delay="indefinite"/>
+                      </p:stCondLst>
+                      <p:childTnLst>
+                        <p:par>
+                          <p:cTn id="19" fill="hold">
+                            <p:stCondLst>
+                              <p:cond delay="0"/>
+                            </p:stCondLst>
+                            <p:childTnLst>
+                              <p:par>
+                                <p:cTn id="20" presetID="14" presetClass="entr" presetSubtype="10" fill="hold" grpId="0" nodeType="clickEffect">
+                                  <p:stCondLst>
+                                    <p:cond delay="0"/>
+                                  </p:stCondLst>
+                                  <p:childTnLst>
+                                    <p:set>
+                                      <p:cBhvr>
+                                        <p:cTn id="21" dur="1" fill="hold">
+                                          <p:stCondLst>
+                                            <p:cond delay="0"/>
+                                          </p:stCondLst>
+                                        </p:cTn>
+                                        <p:tgtEl>
+                                          <p:spTgt spid="3">
+                                            <p:txEl>
+                                              <p:pRg st="2" end="2"/>
+                                            </p:txEl>
+                                          </p:spTgt>
+                                        </p:tgtEl>
+                                        <p:attrNameLst>
+                                          <p:attrName>style.visibility</p:attrName>
+                                        </p:attrNameLst>
+                                      </p:cBhvr>
+                                      <p:to>
+                                        <p:strVal val="visible"/>
+                                      </p:to>
+                                    </p:set>
+                                    <p:animEffect transition="in" filter="randombar(horizontal)">
+                                      <p:cBhvr>
+                                        <p:cTn id="22" dur="500"/>
+                                        <p:tgtEl>
+                                          <p:spTgt spid="3">
+                                            <p:txEl>
+                                              <p:pRg st="2" end="2"/>
+                                            </p:txEl>
+                                          </p:spTgt>
+                                        </p:tgtEl>
+                                      </p:cBhvr>
+                                    </p:animEffect>
+                                  </p:childTnLst>
+                                </p:cTn>
+                              </p:par>
+                            </p:childTnLst>
+                          </p:cTn>
+                        </p:par>
+                      </p:childTnLst>
+                    </p:cTn>
+                  </p:par>
+                </p:childTnLst>
+              </p:cTn>
+              <p:prevCondLst>
+                <p:cond evt="onPrev" delay="0">
+                  <p:tgtEl>
+                    <p:sldTgt/>
+                  </p:tgtEl>
+                </p:cond>
+              </p:prevCondLst>
+              <p:nextCondLst>
+                <p:cond evt="onNext" delay="0">
+                  <p:tgtEl>
+                    <p:sldTgt/>
+                  </p:tgtEl>
+                </p:cond>
+              </p:nextCondLst>
+            </p:seq>
+          </p:childTnLst>
+        </p:cTn>
+      </p:par>
+    </p:tnLst>
+    <p:bldLst>
+      <p:bldP spid="2" grpId="0"/>
+      <p:bldP spid="3" grpId="0" build="p"/>
+    </p:bldLst>
+  </p:timing>
 </p:sld>
 </file>
 
@@ -12850,6 +12793,199 @@
   <p:clrMapOvr>
     <a:masterClrMapping/>
   </p:clrMapOvr>
+  <p:timing>
+    <p:tnLst>
+      <p:par>
+        <p:cTn id="1" dur="indefinite" restart="never" nodeType="tmRoot">
+          <p:childTnLst>
+            <p:seq concurrent="1" nextAc="seek">
+              <p:cTn id="2" dur="indefinite" nodeType="mainSeq">
+                <p:childTnLst>
+                  <p:par>
+                    <p:cTn id="3" fill="hold">
+                      <p:stCondLst>
+                        <p:cond delay="indefinite"/>
+                      </p:stCondLst>
+                      <p:childTnLst>
+                        <p:par>
+                          <p:cTn id="4" fill="hold">
+                            <p:stCondLst>
+                              <p:cond delay="0"/>
+                            </p:stCondLst>
+                            <p:childTnLst>
+                              <p:par>
+                                <p:cTn id="5" presetID="14" presetClass="entr" presetSubtype="10" fill="hold" grpId="0" nodeType="clickEffect">
+                                  <p:stCondLst>
+                                    <p:cond delay="0"/>
+                                  </p:stCondLst>
+                                  <p:childTnLst>
+                                    <p:set>
+                                      <p:cBhvr>
+                                        <p:cTn id="6" dur="1" fill="hold">
+                                          <p:stCondLst>
+                                            <p:cond delay="0"/>
+                                          </p:stCondLst>
+                                        </p:cTn>
+                                        <p:tgtEl>
+                                          <p:spTgt spid="3">
+                                            <p:txEl>
+                                              <p:pRg st="0" end="0"/>
+                                            </p:txEl>
+                                          </p:spTgt>
+                                        </p:tgtEl>
+                                        <p:attrNameLst>
+                                          <p:attrName>style.visibility</p:attrName>
+                                        </p:attrNameLst>
+                                      </p:cBhvr>
+                                      <p:to>
+                                        <p:strVal val="visible"/>
+                                      </p:to>
+                                    </p:set>
+                                    <p:animEffect transition="in" filter="randombar(horizontal)">
+                                      <p:cBhvr>
+                                        <p:cTn id="7" dur="500"/>
+                                        <p:tgtEl>
+                                          <p:spTgt spid="3">
+                                            <p:txEl>
+                                              <p:pRg st="0" end="0"/>
+                                            </p:txEl>
+                                          </p:spTgt>
+                                        </p:tgtEl>
+                                      </p:cBhvr>
+                                    </p:animEffect>
+                                  </p:childTnLst>
+                                </p:cTn>
+                              </p:par>
+                            </p:childTnLst>
+                          </p:cTn>
+                        </p:par>
+                      </p:childTnLst>
+                    </p:cTn>
+                  </p:par>
+                  <p:par>
+                    <p:cTn id="8" fill="hold">
+                      <p:stCondLst>
+                        <p:cond delay="indefinite"/>
+                      </p:stCondLst>
+                      <p:childTnLst>
+                        <p:par>
+                          <p:cTn id="9" fill="hold">
+                            <p:stCondLst>
+                              <p:cond delay="0"/>
+                            </p:stCondLst>
+                            <p:childTnLst>
+                              <p:par>
+                                <p:cTn id="10" presetID="53" presetClass="entr" presetSubtype="16" fill="hold" nodeType="clickEffect">
+                                  <p:stCondLst>
+                                    <p:cond delay="0"/>
+                                  </p:stCondLst>
+                                  <p:childTnLst>
+                                    <p:set>
+                                      <p:cBhvr>
+                                        <p:cTn id="11" dur="1" fill="hold">
+                                          <p:stCondLst>
+                                            <p:cond delay="0"/>
+                                          </p:stCondLst>
+                                        </p:cTn>
+                                        <p:tgtEl>
+                                          <p:spTgt spid="6"/>
+                                        </p:tgtEl>
+                                        <p:attrNameLst>
+                                          <p:attrName>style.visibility</p:attrName>
+                                        </p:attrNameLst>
+                                      </p:cBhvr>
+                                      <p:to>
+                                        <p:strVal val="visible"/>
+                                      </p:to>
+                                    </p:set>
+                                    <p:anim calcmode="lin" valueType="num">
+                                      <p:cBhvr>
+                                        <p:cTn id="12" dur="500" fill="hold"/>
+                                        <p:tgtEl>
+                                          <p:spTgt spid="6"/>
+                                        </p:tgtEl>
+                                        <p:attrNameLst>
+                                          <p:attrName>ppt_w</p:attrName>
+                                        </p:attrNameLst>
+                                      </p:cBhvr>
+                                      <p:tavLst>
+                                        <p:tav tm="0">
+                                          <p:val>
+                                            <p:fltVal val="0"/>
+                                          </p:val>
+                                        </p:tav>
+                                        <p:tav tm="100000">
+                                          <p:val>
+                                            <p:strVal val="#ppt_w"/>
+                                          </p:val>
+                                        </p:tav>
+                                      </p:tavLst>
+                                    </p:anim>
+                                    <p:anim calcmode="lin" valueType="num">
+                                      <p:cBhvr>
+                                        <p:cTn id="13" dur="500" fill="hold"/>
+                                        <p:tgtEl>
+                                          <p:spTgt spid="6"/>
+                                        </p:tgtEl>
+                                        <p:attrNameLst>
+                                          <p:attrName>ppt_h</p:attrName>
+                                        </p:attrNameLst>
+                                      </p:cBhvr>
+                                      <p:tavLst>
+                                        <p:tav tm="0">
+                                          <p:val>
+                                            <p:fltVal val="0"/>
+                                          </p:val>
+                                        </p:tav>
+                                        <p:tav tm="100000">
+                                          <p:val>
+                                            <p:strVal val="#ppt_h"/>
+                                          </p:val>
+                                        </p:tav>
+                                      </p:tavLst>
+                                    </p:anim>
+                                    <p:animEffect transition="in" filter="fade">
+                                      <p:cBhvr>
+                                        <p:cTn id="14" dur="500"/>
+                                        <p:tgtEl>
+                                          <p:spTgt spid="6"/>
+                                        </p:tgtEl>
+                                      </p:cBhvr>
+                                    </p:animEffect>
+                                  </p:childTnLst>
+                                </p:cTn>
+                              </p:par>
+                            </p:childTnLst>
+                          </p:cTn>
+                        </p:par>
+                      </p:childTnLst>
+                    </p:cTn>
+                  </p:par>
+                </p:childTnLst>
+              </p:cTn>
+              <p:prevCondLst>
+                <p:cond evt="onPrev" delay="0">
+                  <p:tgtEl>
+                    <p:sldTgt/>
+                  </p:tgtEl>
+                </p:cond>
+              </p:prevCondLst>
+              <p:nextCondLst>
+                <p:cond evt="onNext" delay="0">
+                  <p:tgtEl>
+                    <p:sldTgt/>
+                  </p:tgtEl>
+                </p:cond>
+              </p:nextCondLst>
+            </p:seq>
+          </p:childTnLst>
+        </p:cTn>
+      </p:par>
+    </p:tnLst>
+    <p:bldLst>
+      <p:bldP spid="3" grpId="0" build="p"/>
+    </p:bldLst>
+  </p:timing>
 </p:sld>
 </file>
 
@@ -13496,6 +13632,285 @@
   <p:clrMapOvr>
     <a:masterClrMapping/>
   </p:clrMapOvr>
+  <p:timing>
+    <p:tnLst>
+      <p:par>
+        <p:cTn id="1" dur="indefinite" restart="never" nodeType="tmRoot">
+          <p:childTnLst>
+            <p:seq concurrent="1" nextAc="seek">
+              <p:cTn id="2" dur="indefinite" nodeType="mainSeq">
+                <p:childTnLst>
+                  <p:par>
+                    <p:cTn id="3" fill="hold">
+                      <p:stCondLst>
+                        <p:cond delay="indefinite"/>
+                      </p:stCondLst>
+                      <p:childTnLst>
+                        <p:par>
+                          <p:cTn id="4" fill="hold">
+                            <p:stCondLst>
+                              <p:cond delay="0"/>
+                            </p:stCondLst>
+                            <p:childTnLst>
+                              <p:par>
+                                <p:cTn id="5" presetID="14" presetClass="entr" presetSubtype="10" fill="hold" grpId="0" nodeType="clickEffect">
+                                  <p:stCondLst>
+                                    <p:cond delay="0"/>
+                                  </p:stCondLst>
+                                  <p:childTnLst>
+                                    <p:set>
+                                      <p:cBhvr>
+                                        <p:cTn id="6" dur="1" fill="hold">
+                                          <p:stCondLst>
+                                            <p:cond delay="0"/>
+                                          </p:stCondLst>
+                                        </p:cTn>
+                                        <p:tgtEl>
+                                          <p:spTgt spid="3">
+                                            <p:txEl>
+                                              <p:pRg st="0" end="0"/>
+                                            </p:txEl>
+                                          </p:spTgt>
+                                        </p:tgtEl>
+                                        <p:attrNameLst>
+                                          <p:attrName>style.visibility</p:attrName>
+                                        </p:attrNameLst>
+                                      </p:cBhvr>
+                                      <p:to>
+                                        <p:strVal val="visible"/>
+                                      </p:to>
+                                    </p:set>
+                                    <p:animEffect transition="in" filter="randombar(horizontal)">
+                                      <p:cBhvr>
+                                        <p:cTn id="7" dur="500"/>
+                                        <p:tgtEl>
+                                          <p:spTgt spid="3">
+                                            <p:txEl>
+                                              <p:pRg st="0" end="0"/>
+                                            </p:txEl>
+                                          </p:spTgt>
+                                        </p:tgtEl>
+                                      </p:cBhvr>
+                                    </p:animEffect>
+                                  </p:childTnLst>
+                                </p:cTn>
+                              </p:par>
+                              <p:par>
+                                <p:cTn id="8" presetID="14" presetClass="entr" presetSubtype="10" fill="hold" grpId="0" nodeType="withEffect">
+                                  <p:stCondLst>
+                                    <p:cond delay="0"/>
+                                  </p:stCondLst>
+                                  <p:childTnLst>
+                                    <p:set>
+                                      <p:cBhvr>
+                                        <p:cTn id="9" dur="1" fill="hold">
+                                          <p:stCondLst>
+                                            <p:cond delay="0"/>
+                                          </p:stCondLst>
+                                        </p:cTn>
+                                        <p:tgtEl>
+                                          <p:spTgt spid="3">
+                                            <p:txEl>
+                                              <p:pRg st="1" end="1"/>
+                                            </p:txEl>
+                                          </p:spTgt>
+                                        </p:tgtEl>
+                                        <p:attrNameLst>
+                                          <p:attrName>style.visibility</p:attrName>
+                                        </p:attrNameLst>
+                                      </p:cBhvr>
+                                      <p:to>
+                                        <p:strVal val="visible"/>
+                                      </p:to>
+                                    </p:set>
+                                    <p:animEffect transition="in" filter="randombar(horizontal)">
+                                      <p:cBhvr>
+                                        <p:cTn id="10" dur="500"/>
+                                        <p:tgtEl>
+                                          <p:spTgt spid="3">
+                                            <p:txEl>
+                                              <p:pRg st="1" end="1"/>
+                                            </p:txEl>
+                                          </p:spTgt>
+                                        </p:tgtEl>
+                                      </p:cBhvr>
+                                    </p:animEffect>
+                                  </p:childTnLst>
+                                </p:cTn>
+                              </p:par>
+                              <p:par>
+                                <p:cTn id="11" presetID="14" presetClass="entr" presetSubtype="10" fill="hold" grpId="0" nodeType="withEffect">
+                                  <p:stCondLst>
+                                    <p:cond delay="0"/>
+                                  </p:stCondLst>
+                                  <p:childTnLst>
+                                    <p:set>
+                                      <p:cBhvr>
+                                        <p:cTn id="12" dur="1" fill="hold">
+                                          <p:stCondLst>
+                                            <p:cond delay="0"/>
+                                          </p:stCondLst>
+                                        </p:cTn>
+                                        <p:tgtEl>
+                                          <p:spTgt spid="3">
+                                            <p:txEl>
+                                              <p:pRg st="2" end="2"/>
+                                            </p:txEl>
+                                          </p:spTgt>
+                                        </p:tgtEl>
+                                        <p:attrNameLst>
+                                          <p:attrName>style.visibility</p:attrName>
+                                        </p:attrNameLst>
+                                      </p:cBhvr>
+                                      <p:to>
+                                        <p:strVal val="visible"/>
+                                      </p:to>
+                                    </p:set>
+                                    <p:animEffect transition="in" filter="randombar(horizontal)">
+                                      <p:cBhvr>
+                                        <p:cTn id="13" dur="500"/>
+                                        <p:tgtEl>
+                                          <p:spTgt spid="3">
+                                            <p:txEl>
+                                              <p:pRg st="2" end="2"/>
+                                            </p:txEl>
+                                          </p:spTgt>
+                                        </p:tgtEl>
+                                      </p:cBhvr>
+                                    </p:animEffect>
+                                  </p:childTnLst>
+                                </p:cTn>
+                              </p:par>
+                            </p:childTnLst>
+                          </p:cTn>
+                        </p:par>
+                      </p:childTnLst>
+                    </p:cTn>
+                  </p:par>
+                  <p:par>
+                    <p:cTn id="14" fill="hold">
+                      <p:stCondLst>
+                        <p:cond delay="indefinite"/>
+                      </p:stCondLst>
+                      <p:childTnLst>
+                        <p:par>
+                          <p:cTn id="15" fill="hold">
+                            <p:stCondLst>
+                              <p:cond delay="0"/>
+                            </p:stCondLst>
+                            <p:childTnLst>
+                              <p:par>
+                                <p:cTn id="16" presetID="53" presetClass="entr" presetSubtype="16" fill="hold" nodeType="clickEffect">
+                                  <p:stCondLst>
+                                    <p:cond delay="0"/>
+                                  </p:stCondLst>
+                                  <p:childTnLst>
+                                    <p:set>
+                                      <p:cBhvr>
+                                        <p:cTn id="17" dur="1" fill="hold">
+                                          <p:stCondLst>
+                                            <p:cond delay="0"/>
+                                          </p:stCondLst>
+                                        </p:cTn>
+                                        <p:tgtEl>
+                                          <p:spTgt spid="6"/>
+                                        </p:tgtEl>
+                                        <p:attrNameLst>
+                                          <p:attrName>style.visibility</p:attrName>
+                                        </p:attrNameLst>
+                                      </p:cBhvr>
+                                      <p:to>
+                                        <p:strVal val="visible"/>
+                                      </p:to>
+                                    </p:set>
+                                    <p:anim calcmode="lin" valueType="num">
+                                      <p:cBhvr>
+                                        <p:cTn id="18" dur="500" fill="hold"/>
+                                        <p:tgtEl>
+                                          <p:spTgt spid="6"/>
+                                        </p:tgtEl>
+                                        <p:attrNameLst>
+                                          <p:attrName>ppt_w</p:attrName>
+                                        </p:attrNameLst>
+                                      </p:cBhvr>
+                                      <p:tavLst>
+                                        <p:tav tm="0">
+                                          <p:val>
+                                            <p:fltVal val="0"/>
+                                          </p:val>
+                                        </p:tav>
+                                        <p:tav tm="100000">
+                                          <p:val>
+                                            <p:strVal val="#ppt_w"/>
+                                          </p:val>
+                                        </p:tav>
+                                      </p:tavLst>
+                                    </p:anim>
+                                    <p:anim calcmode="lin" valueType="num">
+                                      <p:cBhvr>
+                                        <p:cTn id="19" dur="500" fill="hold"/>
+                                        <p:tgtEl>
+                                          <p:spTgt spid="6"/>
+                                        </p:tgtEl>
+                                        <p:attrNameLst>
+                                          <p:attrName>ppt_h</p:attrName>
+                                        </p:attrNameLst>
+                                      </p:cBhvr>
+                                      <p:tavLst>
+                                        <p:tav tm="0">
+                                          <p:val>
+                                            <p:fltVal val="0"/>
+                                          </p:val>
+                                        </p:tav>
+                                        <p:tav tm="100000">
+                                          <p:val>
+                                            <p:strVal val="#ppt_h"/>
+                                          </p:val>
+                                        </p:tav>
+                                      </p:tavLst>
+                                    </p:anim>
+                                    <p:animEffect transition="in" filter="fade">
+                                      <p:cBhvr>
+                                        <p:cTn id="20" dur="500"/>
+                                        <p:tgtEl>
+                                          <p:spTgt spid="6"/>
+                                        </p:tgtEl>
+                                      </p:cBhvr>
+                                    </p:animEffect>
+                                  </p:childTnLst>
+                                </p:cTn>
+                              </p:par>
+                            </p:childTnLst>
+                          </p:cTn>
+                        </p:par>
+                      </p:childTnLst>
+                    </p:cTn>
+                  </p:par>
+                </p:childTnLst>
+              </p:cTn>
+              <p:prevCondLst>
+                <p:cond evt="onPrev" delay="0">
+                  <p:tgtEl>
+                    <p:sldTgt/>
+                  </p:tgtEl>
+                </p:cond>
+              </p:prevCondLst>
+              <p:nextCondLst>
+                <p:cond evt="onNext" delay="0">
+                  <p:tgtEl>
+                    <p:sldTgt/>
+                  </p:tgtEl>
+                </p:cond>
+              </p:nextCondLst>
+            </p:seq>
+          </p:childTnLst>
+        </p:cTn>
+      </p:par>
+    </p:tnLst>
+    <p:bldLst>
+      <p:bldP spid="3" grpId="0" build="p"/>
+    </p:bldLst>
+  </p:timing>
 </p:sld>
 </file>
 
@@ -14578,6 +14993,371 @@
   <p:clrMapOvr>
     <a:masterClrMapping/>
   </p:clrMapOvr>
+  <p:timing>
+    <p:tnLst>
+      <p:par>
+        <p:cTn id="1" dur="indefinite" restart="never" nodeType="tmRoot">
+          <p:childTnLst>
+            <p:seq concurrent="1" nextAc="seek">
+              <p:cTn id="2" dur="indefinite" nodeType="mainSeq">
+                <p:childTnLst>
+                  <p:par>
+                    <p:cTn id="3" fill="hold">
+                      <p:stCondLst>
+                        <p:cond delay="indefinite"/>
+                      </p:stCondLst>
+                      <p:childTnLst>
+                        <p:par>
+                          <p:cTn id="4" fill="hold">
+                            <p:stCondLst>
+                              <p:cond delay="0"/>
+                            </p:stCondLst>
+                            <p:childTnLst>
+                              <p:par>
+                                <p:cTn id="5" presetID="14" presetClass="entr" presetSubtype="10" fill="hold" grpId="0" nodeType="clickEffect">
+                                  <p:stCondLst>
+                                    <p:cond delay="0"/>
+                                  </p:stCondLst>
+                                  <p:childTnLst>
+                                    <p:set>
+                                      <p:cBhvr>
+                                        <p:cTn id="6" dur="1" fill="hold">
+                                          <p:stCondLst>
+                                            <p:cond delay="0"/>
+                                          </p:stCondLst>
+                                        </p:cTn>
+                                        <p:tgtEl>
+                                          <p:spTgt spid="3">
+                                            <p:txEl>
+                                              <p:pRg st="0" end="0"/>
+                                            </p:txEl>
+                                          </p:spTgt>
+                                        </p:tgtEl>
+                                        <p:attrNameLst>
+                                          <p:attrName>style.visibility</p:attrName>
+                                        </p:attrNameLst>
+                                      </p:cBhvr>
+                                      <p:to>
+                                        <p:strVal val="visible"/>
+                                      </p:to>
+                                    </p:set>
+                                    <p:animEffect transition="in" filter="randombar(horizontal)">
+                                      <p:cBhvr>
+                                        <p:cTn id="7" dur="500"/>
+                                        <p:tgtEl>
+                                          <p:spTgt spid="3">
+                                            <p:txEl>
+                                              <p:pRg st="0" end="0"/>
+                                            </p:txEl>
+                                          </p:spTgt>
+                                        </p:tgtEl>
+                                      </p:cBhvr>
+                                    </p:animEffect>
+                                  </p:childTnLst>
+                                </p:cTn>
+                              </p:par>
+                              <p:par>
+                                <p:cTn id="8" presetID="14" presetClass="entr" presetSubtype="10" fill="hold" grpId="0" nodeType="withEffect">
+                                  <p:stCondLst>
+                                    <p:cond delay="0"/>
+                                  </p:stCondLst>
+                                  <p:childTnLst>
+                                    <p:set>
+                                      <p:cBhvr>
+                                        <p:cTn id="9" dur="1" fill="hold">
+                                          <p:stCondLst>
+                                            <p:cond delay="0"/>
+                                          </p:stCondLst>
+                                        </p:cTn>
+                                        <p:tgtEl>
+                                          <p:spTgt spid="3">
+                                            <p:txEl>
+                                              <p:pRg st="1" end="1"/>
+                                            </p:txEl>
+                                          </p:spTgt>
+                                        </p:tgtEl>
+                                        <p:attrNameLst>
+                                          <p:attrName>style.visibility</p:attrName>
+                                        </p:attrNameLst>
+                                      </p:cBhvr>
+                                      <p:to>
+                                        <p:strVal val="visible"/>
+                                      </p:to>
+                                    </p:set>
+                                    <p:animEffect transition="in" filter="randombar(horizontal)">
+                                      <p:cBhvr>
+                                        <p:cTn id="10" dur="500"/>
+                                        <p:tgtEl>
+                                          <p:spTgt spid="3">
+                                            <p:txEl>
+                                              <p:pRg st="1" end="1"/>
+                                            </p:txEl>
+                                          </p:spTgt>
+                                        </p:tgtEl>
+                                      </p:cBhvr>
+                                    </p:animEffect>
+                                  </p:childTnLst>
+                                </p:cTn>
+                              </p:par>
+                              <p:par>
+                                <p:cTn id="11" presetID="14" presetClass="entr" presetSubtype="10" fill="hold" grpId="0" nodeType="withEffect">
+                                  <p:stCondLst>
+                                    <p:cond delay="0"/>
+                                  </p:stCondLst>
+                                  <p:childTnLst>
+                                    <p:set>
+                                      <p:cBhvr>
+                                        <p:cTn id="12" dur="1" fill="hold">
+                                          <p:stCondLst>
+                                            <p:cond delay="0"/>
+                                          </p:stCondLst>
+                                        </p:cTn>
+                                        <p:tgtEl>
+                                          <p:spTgt spid="3">
+                                            <p:txEl>
+                                              <p:pRg st="2" end="2"/>
+                                            </p:txEl>
+                                          </p:spTgt>
+                                        </p:tgtEl>
+                                        <p:attrNameLst>
+                                          <p:attrName>style.visibility</p:attrName>
+                                        </p:attrNameLst>
+                                      </p:cBhvr>
+                                      <p:to>
+                                        <p:strVal val="visible"/>
+                                      </p:to>
+                                    </p:set>
+                                    <p:animEffect transition="in" filter="randombar(horizontal)">
+                                      <p:cBhvr>
+                                        <p:cTn id="13" dur="500"/>
+                                        <p:tgtEl>
+                                          <p:spTgt spid="3">
+                                            <p:txEl>
+                                              <p:pRg st="2" end="2"/>
+                                            </p:txEl>
+                                          </p:spTgt>
+                                        </p:tgtEl>
+                                      </p:cBhvr>
+                                    </p:animEffect>
+                                  </p:childTnLst>
+                                </p:cTn>
+                              </p:par>
+                              <p:par>
+                                <p:cTn id="14" presetID="14" presetClass="entr" presetSubtype="10" fill="hold" grpId="0" nodeType="withEffect">
+                                  <p:stCondLst>
+                                    <p:cond delay="0"/>
+                                  </p:stCondLst>
+                                  <p:childTnLst>
+                                    <p:set>
+                                      <p:cBhvr>
+                                        <p:cTn id="15" dur="1" fill="hold">
+                                          <p:stCondLst>
+                                            <p:cond delay="0"/>
+                                          </p:stCondLst>
+                                        </p:cTn>
+                                        <p:tgtEl>
+                                          <p:spTgt spid="3">
+                                            <p:txEl>
+                                              <p:pRg st="3" end="3"/>
+                                            </p:txEl>
+                                          </p:spTgt>
+                                        </p:tgtEl>
+                                        <p:attrNameLst>
+                                          <p:attrName>style.visibility</p:attrName>
+                                        </p:attrNameLst>
+                                      </p:cBhvr>
+                                      <p:to>
+                                        <p:strVal val="visible"/>
+                                      </p:to>
+                                    </p:set>
+                                    <p:animEffect transition="in" filter="randombar(horizontal)">
+                                      <p:cBhvr>
+                                        <p:cTn id="16" dur="500"/>
+                                        <p:tgtEl>
+                                          <p:spTgt spid="3">
+                                            <p:txEl>
+                                              <p:pRg st="3" end="3"/>
+                                            </p:txEl>
+                                          </p:spTgt>
+                                        </p:tgtEl>
+                                      </p:cBhvr>
+                                    </p:animEffect>
+                                  </p:childTnLst>
+                                </p:cTn>
+                              </p:par>
+                              <p:par>
+                                <p:cTn id="17" presetID="14" presetClass="entr" presetSubtype="10" fill="hold" grpId="0" nodeType="withEffect">
+                                  <p:stCondLst>
+                                    <p:cond delay="0"/>
+                                  </p:stCondLst>
+                                  <p:childTnLst>
+                                    <p:set>
+                                      <p:cBhvr>
+                                        <p:cTn id="18" dur="1" fill="hold">
+                                          <p:stCondLst>
+                                            <p:cond delay="0"/>
+                                          </p:stCondLst>
+                                        </p:cTn>
+                                        <p:tgtEl>
+                                          <p:spTgt spid="3">
+                                            <p:txEl>
+                                              <p:pRg st="4" end="4"/>
+                                            </p:txEl>
+                                          </p:spTgt>
+                                        </p:tgtEl>
+                                        <p:attrNameLst>
+                                          <p:attrName>style.visibility</p:attrName>
+                                        </p:attrNameLst>
+                                      </p:cBhvr>
+                                      <p:to>
+                                        <p:strVal val="visible"/>
+                                      </p:to>
+                                    </p:set>
+                                    <p:animEffect transition="in" filter="randombar(horizontal)">
+                                      <p:cBhvr>
+                                        <p:cTn id="19" dur="500"/>
+                                        <p:tgtEl>
+                                          <p:spTgt spid="3">
+                                            <p:txEl>
+                                              <p:pRg st="4" end="4"/>
+                                            </p:txEl>
+                                          </p:spTgt>
+                                        </p:tgtEl>
+                                      </p:cBhvr>
+                                    </p:animEffect>
+                                  </p:childTnLst>
+                                </p:cTn>
+                              </p:par>
+                            </p:childTnLst>
+                          </p:cTn>
+                        </p:par>
+                      </p:childTnLst>
+                    </p:cTn>
+                  </p:par>
+                  <p:par>
+                    <p:cTn id="20" fill="hold">
+                      <p:stCondLst>
+                        <p:cond delay="indefinite"/>
+                      </p:stCondLst>
+                      <p:childTnLst>
+                        <p:par>
+                          <p:cTn id="21" fill="hold">
+                            <p:stCondLst>
+                              <p:cond delay="0"/>
+                            </p:stCondLst>
+                            <p:childTnLst>
+                              <p:par>
+                                <p:cTn id="22" presetID="53" presetClass="entr" presetSubtype="16" fill="hold" nodeType="clickEffect">
+                                  <p:stCondLst>
+                                    <p:cond delay="0"/>
+                                  </p:stCondLst>
+                                  <p:childTnLst>
+                                    <p:set>
+                                      <p:cBhvr>
+                                        <p:cTn id="23" dur="1" fill="hold">
+                                          <p:stCondLst>
+                                            <p:cond delay="0"/>
+                                          </p:stCondLst>
+                                        </p:cTn>
+                                        <p:tgtEl>
+                                          <p:spTgt spid="6"/>
+                                        </p:tgtEl>
+                                        <p:attrNameLst>
+                                          <p:attrName>style.visibility</p:attrName>
+                                        </p:attrNameLst>
+                                      </p:cBhvr>
+                                      <p:to>
+                                        <p:strVal val="visible"/>
+                                      </p:to>
+                                    </p:set>
+                                    <p:anim calcmode="lin" valueType="num">
+                                      <p:cBhvr>
+                                        <p:cTn id="24" dur="500" fill="hold"/>
+                                        <p:tgtEl>
+                                          <p:spTgt spid="6"/>
+                                        </p:tgtEl>
+                                        <p:attrNameLst>
+                                          <p:attrName>ppt_w</p:attrName>
+                                        </p:attrNameLst>
+                                      </p:cBhvr>
+                                      <p:tavLst>
+                                        <p:tav tm="0">
+                                          <p:val>
+                                            <p:fltVal val="0"/>
+                                          </p:val>
+                                        </p:tav>
+                                        <p:tav tm="100000">
+                                          <p:val>
+                                            <p:strVal val="#ppt_w"/>
+                                          </p:val>
+                                        </p:tav>
+                                      </p:tavLst>
+                                    </p:anim>
+                                    <p:anim calcmode="lin" valueType="num">
+                                      <p:cBhvr>
+                                        <p:cTn id="25" dur="500" fill="hold"/>
+                                        <p:tgtEl>
+                                          <p:spTgt spid="6"/>
+                                        </p:tgtEl>
+                                        <p:attrNameLst>
+                                          <p:attrName>ppt_h</p:attrName>
+                                        </p:attrNameLst>
+                                      </p:cBhvr>
+                                      <p:tavLst>
+                                        <p:tav tm="0">
+                                          <p:val>
+                                            <p:fltVal val="0"/>
+                                          </p:val>
+                                        </p:tav>
+                                        <p:tav tm="100000">
+                                          <p:val>
+                                            <p:strVal val="#ppt_h"/>
+                                          </p:val>
+                                        </p:tav>
+                                      </p:tavLst>
+                                    </p:anim>
+                                    <p:animEffect transition="in" filter="fade">
+                                      <p:cBhvr>
+                                        <p:cTn id="26" dur="500"/>
+                                        <p:tgtEl>
+                                          <p:spTgt spid="6"/>
+                                        </p:tgtEl>
+                                      </p:cBhvr>
+                                    </p:animEffect>
+                                  </p:childTnLst>
+                                </p:cTn>
+                              </p:par>
+                            </p:childTnLst>
+                          </p:cTn>
+                        </p:par>
+                      </p:childTnLst>
+                    </p:cTn>
+                  </p:par>
+                </p:childTnLst>
+              </p:cTn>
+              <p:prevCondLst>
+                <p:cond evt="onPrev" delay="0">
+                  <p:tgtEl>
+                    <p:sldTgt/>
+                  </p:tgtEl>
+                </p:cond>
+              </p:prevCondLst>
+              <p:nextCondLst>
+                <p:cond evt="onNext" delay="0">
+                  <p:tgtEl>
+                    <p:sldTgt/>
+                  </p:tgtEl>
+                </p:cond>
+              </p:nextCondLst>
+            </p:seq>
+          </p:childTnLst>
+        </p:cTn>
+      </p:par>
+    </p:tnLst>
+    <p:bldLst>
+      <p:bldP spid="3" grpId="0" build="p"/>
+    </p:bldLst>
+  </p:timing>
 </p:sld>
 </file>
 
@@ -14828,6 +15608,457 @@
   <p:clrMapOvr>
     <a:masterClrMapping/>
   </p:clrMapOvr>
+  <p:timing>
+    <p:tnLst>
+      <p:par>
+        <p:cTn id="1" dur="indefinite" restart="never" nodeType="tmRoot">
+          <p:childTnLst>
+            <p:seq concurrent="1" nextAc="seek">
+              <p:cTn id="2" dur="indefinite" nodeType="mainSeq">
+                <p:childTnLst>
+                  <p:par>
+                    <p:cTn id="3" fill="hold">
+                      <p:stCondLst>
+                        <p:cond delay="indefinite"/>
+                      </p:stCondLst>
+                      <p:childTnLst>
+                        <p:par>
+                          <p:cTn id="4" fill="hold">
+                            <p:stCondLst>
+                              <p:cond delay="0"/>
+                            </p:stCondLst>
+                            <p:childTnLst>
+                              <p:par>
+                                <p:cTn id="5" presetID="14" presetClass="entr" presetSubtype="10" fill="hold" grpId="0" nodeType="clickEffect">
+                                  <p:stCondLst>
+                                    <p:cond delay="0"/>
+                                  </p:stCondLst>
+                                  <p:childTnLst>
+                                    <p:set>
+                                      <p:cBhvr>
+                                        <p:cTn id="6" dur="1" fill="hold">
+                                          <p:stCondLst>
+                                            <p:cond delay="0"/>
+                                          </p:stCondLst>
+                                        </p:cTn>
+                                        <p:tgtEl>
+                                          <p:spTgt spid="4">
+                                            <p:txEl>
+                                              <p:pRg st="0" end="0"/>
+                                            </p:txEl>
+                                          </p:spTgt>
+                                        </p:tgtEl>
+                                        <p:attrNameLst>
+                                          <p:attrName>style.visibility</p:attrName>
+                                        </p:attrNameLst>
+                                      </p:cBhvr>
+                                      <p:to>
+                                        <p:strVal val="visible"/>
+                                      </p:to>
+                                    </p:set>
+                                    <p:animEffect transition="in" filter="randombar(horizontal)">
+                                      <p:cBhvr>
+                                        <p:cTn id="7" dur="500"/>
+                                        <p:tgtEl>
+                                          <p:spTgt spid="4">
+                                            <p:txEl>
+                                              <p:pRg st="0" end="0"/>
+                                            </p:txEl>
+                                          </p:spTgt>
+                                        </p:tgtEl>
+                                      </p:cBhvr>
+                                    </p:animEffect>
+                                  </p:childTnLst>
+                                </p:cTn>
+                              </p:par>
+                              <p:par>
+                                <p:cTn id="8" presetID="14" presetClass="entr" presetSubtype="10" fill="hold" grpId="0" nodeType="withEffect">
+                                  <p:stCondLst>
+                                    <p:cond delay="0"/>
+                                  </p:stCondLst>
+                                  <p:childTnLst>
+                                    <p:set>
+                                      <p:cBhvr>
+                                        <p:cTn id="9" dur="1" fill="hold">
+                                          <p:stCondLst>
+                                            <p:cond delay="0"/>
+                                          </p:stCondLst>
+                                        </p:cTn>
+                                        <p:tgtEl>
+                                          <p:spTgt spid="4">
+                                            <p:txEl>
+                                              <p:pRg st="1" end="1"/>
+                                            </p:txEl>
+                                          </p:spTgt>
+                                        </p:tgtEl>
+                                        <p:attrNameLst>
+                                          <p:attrName>style.visibility</p:attrName>
+                                        </p:attrNameLst>
+                                      </p:cBhvr>
+                                      <p:to>
+                                        <p:strVal val="visible"/>
+                                      </p:to>
+                                    </p:set>
+                                    <p:animEffect transition="in" filter="randombar(horizontal)">
+                                      <p:cBhvr>
+                                        <p:cTn id="10" dur="500"/>
+                                        <p:tgtEl>
+                                          <p:spTgt spid="4">
+                                            <p:txEl>
+                                              <p:pRg st="1" end="1"/>
+                                            </p:txEl>
+                                          </p:spTgt>
+                                        </p:tgtEl>
+                                      </p:cBhvr>
+                                    </p:animEffect>
+                                  </p:childTnLst>
+                                </p:cTn>
+                              </p:par>
+                              <p:par>
+                                <p:cTn id="11" presetID="14" presetClass="entr" presetSubtype="10" fill="hold" grpId="0" nodeType="withEffect">
+                                  <p:stCondLst>
+                                    <p:cond delay="0"/>
+                                  </p:stCondLst>
+                                  <p:childTnLst>
+                                    <p:set>
+                                      <p:cBhvr>
+                                        <p:cTn id="12" dur="1" fill="hold">
+                                          <p:stCondLst>
+                                            <p:cond delay="0"/>
+                                          </p:stCondLst>
+                                        </p:cTn>
+                                        <p:tgtEl>
+                                          <p:spTgt spid="4">
+                                            <p:txEl>
+                                              <p:pRg st="2" end="2"/>
+                                            </p:txEl>
+                                          </p:spTgt>
+                                        </p:tgtEl>
+                                        <p:attrNameLst>
+                                          <p:attrName>style.visibility</p:attrName>
+                                        </p:attrNameLst>
+                                      </p:cBhvr>
+                                      <p:to>
+                                        <p:strVal val="visible"/>
+                                      </p:to>
+                                    </p:set>
+                                    <p:animEffect transition="in" filter="randombar(horizontal)">
+                                      <p:cBhvr>
+                                        <p:cTn id="13" dur="500"/>
+                                        <p:tgtEl>
+                                          <p:spTgt spid="4">
+                                            <p:txEl>
+                                              <p:pRg st="2" end="2"/>
+                                            </p:txEl>
+                                          </p:spTgt>
+                                        </p:tgtEl>
+                                      </p:cBhvr>
+                                    </p:animEffect>
+                                  </p:childTnLst>
+                                </p:cTn>
+                              </p:par>
+                              <p:par>
+                                <p:cTn id="14" presetID="14" presetClass="entr" presetSubtype="10" fill="hold" grpId="0" nodeType="withEffect">
+                                  <p:stCondLst>
+                                    <p:cond delay="0"/>
+                                  </p:stCondLst>
+                                  <p:childTnLst>
+                                    <p:set>
+                                      <p:cBhvr>
+                                        <p:cTn id="15" dur="1" fill="hold">
+                                          <p:stCondLst>
+                                            <p:cond delay="0"/>
+                                          </p:stCondLst>
+                                        </p:cTn>
+                                        <p:tgtEl>
+                                          <p:spTgt spid="4">
+                                            <p:txEl>
+                                              <p:pRg st="3" end="3"/>
+                                            </p:txEl>
+                                          </p:spTgt>
+                                        </p:tgtEl>
+                                        <p:attrNameLst>
+                                          <p:attrName>style.visibility</p:attrName>
+                                        </p:attrNameLst>
+                                      </p:cBhvr>
+                                      <p:to>
+                                        <p:strVal val="visible"/>
+                                      </p:to>
+                                    </p:set>
+                                    <p:animEffect transition="in" filter="randombar(horizontal)">
+                                      <p:cBhvr>
+                                        <p:cTn id="16" dur="500"/>
+                                        <p:tgtEl>
+                                          <p:spTgt spid="4">
+                                            <p:txEl>
+                                              <p:pRg st="3" end="3"/>
+                                            </p:txEl>
+                                          </p:spTgt>
+                                        </p:tgtEl>
+                                      </p:cBhvr>
+                                    </p:animEffect>
+                                  </p:childTnLst>
+                                </p:cTn>
+                              </p:par>
+                              <p:par>
+                                <p:cTn id="17" presetID="14" presetClass="entr" presetSubtype="10" fill="hold" grpId="0" nodeType="withEffect">
+                                  <p:stCondLst>
+                                    <p:cond delay="0"/>
+                                  </p:stCondLst>
+                                  <p:childTnLst>
+                                    <p:set>
+                                      <p:cBhvr>
+                                        <p:cTn id="18" dur="1" fill="hold">
+                                          <p:stCondLst>
+                                            <p:cond delay="0"/>
+                                          </p:stCondLst>
+                                        </p:cTn>
+                                        <p:tgtEl>
+                                          <p:spTgt spid="4">
+                                            <p:txEl>
+                                              <p:pRg st="4" end="4"/>
+                                            </p:txEl>
+                                          </p:spTgt>
+                                        </p:tgtEl>
+                                        <p:attrNameLst>
+                                          <p:attrName>style.visibility</p:attrName>
+                                        </p:attrNameLst>
+                                      </p:cBhvr>
+                                      <p:to>
+                                        <p:strVal val="visible"/>
+                                      </p:to>
+                                    </p:set>
+                                    <p:animEffect transition="in" filter="randombar(horizontal)">
+                                      <p:cBhvr>
+                                        <p:cTn id="19" dur="500"/>
+                                        <p:tgtEl>
+                                          <p:spTgt spid="4">
+                                            <p:txEl>
+                                              <p:pRg st="4" end="4"/>
+                                            </p:txEl>
+                                          </p:spTgt>
+                                        </p:tgtEl>
+                                      </p:cBhvr>
+                                    </p:animEffect>
+                                  </p:childTnLst>
+                                </p:cTn>
+                              </p:par>
+                              <p:par>
+                                <p:cTn id="20" presetID="14" presetClass="entr" presetSubtype="10" fill="hold" grpId="0" nodeType="withEffect">
+                                  <p:stCondLst>
+                                    <p:cond delay="0"/>
+                                  </p:stCondLst>
+                                  <p:childTnLst>
+                                    <p:set>
+                                      <p:cBhvr>
+                                        <p:cTn id="21" dur="1" fill="hold">
+                                          <p:stCondLst>
+                                            <p:cond delay="0"/>
+                                          </p:stCondLst>
+                                        </p:cTn>
+                                        <p:tgtEl>
+                                          <p:spTgt spid="4">
+                                            <p:txEl>
+                                              <p:pRg st="5" end="5"/>
+                                            </p:txEl>
+                                          </p:spTgt>
+                                        </p:tgtEl>
+                                        <p:attrNameLst>
+                                          <p:attrName>style.visibility</p:attrName>
+                                        </p:attrNameLst>
+                                      </p:cBhvr>
+                                      <p:to>
+                                        <p:strVal val="visible"/>
+                                      </p:to>
+                                    </p:set>
+                                    <p:animEffect transition="in" filter="randombar(horizontal)">
+                                      <p:cBhvr>
+                                        <p:cTn id="22" dur="500"/>
+                                        <p:tgtEl>
+                                          <p:spTgt spid="4">
+                                            <p:txEl>
+                                              <p:pRg st="5" end="5"/>
+                                            </p:txEl>
+                                          </p:spTgt>
+                                        </p:tgtEl>
+                                      </p:cBhvr>
+                                    </p:animEffect>
+                                  </p:childTnLst>
+                                </p:cTn>
+                              </p:par>
+                              <p:par>
+                                <p:cTn id="23" presetID="14" presetClass="entr" presetSubtype="10" fill="hold" grpId="0" nodeType="withEffect">
+                                  <p:stCondLst>
+                                    <p:cond delay="0"/>
+                                  </p:stCondLst>
+                                  <p:childTnLst>
+                                    <p:set>
+                                      <p:cBhvr>
+                                        <p:cTn id="24" dur="1" fill="hold">
+                                          <p:stCondLst>
+                                            <p:cond delay="0"/>
+                                          </p:stCondLst>
+                                        </p:cTn>
+                                        <p:tgtEl>
+                                          <p:spTgt spid="4">
+                                            <p:txEl>
+                                              <p:pRg st="6" end="6"/>
+                                            </p:txEl>
+                                          </p:spTgt>
+                                        </p:tgtEl>
+                                        <p:attrNameLst>
+                                          <p:attrName>style.visibility</p:attrName>
+                                        </p:attrNameLst>
+                                      </p:cBhvr>
+                                      <p:to>
+                                        <p:strVal val="visible"/>
+                                      </p:to>
+                                    </p:set>
+                                    <p:animEffect transition="in" filter="randombar(horizontal)">
+                                      <p:cBhvr>
+                                        <p:cTn id="25" dur="500"/>
+                                        <p:tgtEl>
+                                          <p:spTgt spid="4">
+                                            <p:txEl>
+                                              <p:pRg st="6" end="6"/>
+                                            </p:txEl>
+                                          </p:spTgt>
+                                        </p:tgtEl>
+                                      </p:cBhvr>
+                                    </p:animEffect>
+                                  </p:childTnLst>
+                                </p:cTn>
+                              </p:par>
+                            </p:childTnLst>
+                          </p:cTn>
+                        </p:par>
+                      </p:childTnLst>
+                    </p:cTn>
+                  </p:par>
+                  <p:par>
+                    <p:cTn id="26" fill="hold">
+                      <p:stCondLst>
+                        <p:cond delay="indefinite"/>
+                      </p:stCondLst>
+                      <p:childTnLst>
+                        <p:par>
+                          <p:cTn id="27" fill="hold">
+                            <p:stCondLst>
+                              <p:cond delay="0"/>
+                            </p:stCondLst>
+                            <p:childTnLst>
+                              <p:par>
+                                <p:cTn id="28" presetID="53" presetClass="entr" presetSubtype="16" fill="hold" nodeType="clickEffect">
+                                  <p:stCondLst>
+                                    <p:cond delay="0"/>
+                                  </p:stCondLst>
+                                  <p:childTnLst>
+                                    <p:set>
+                                      <p:cBhvr>
+                                        <p:cTn id="29" dur="1" fill="hold">
+                                          <p:stCondLst>
+                                            <p:cond delay="0"/>
+                                          </p:stCondLst>
+                                        </p:cTn>
+                                        <p:tgtEl>
+                                          <p:spTgt spid="7"/>
+                                        </p:tgtEl>
+                                        <p:attrNameLst>
+                                          <p:attrName>style.visibility</p:attrName>
+                                        </p:attrNameLst>
+                                      </p:cBhvr>
+                                      <p:to>
+                                        <p:strVal val="visible"/>
+                                      </p:to>
+                                    </p:set>
+                                    <p:anim calcmode="lin" valueType="num">
+                                      <p:cBhvr>
+                                        <p:cTn id="30" dur="500" fill="hold"/>
+                                        <p:tgtEl>
+                                          <p:spTgt spid="7"/>
+                                        </p:tgtEl>
+                                        <p:attrNameLst>
+                                          <p:attrName>ppt_w</p:attrName>
+                                        </p:attrNameLst>
+                                      </p:cBhvr>
+                                      <p:tavLst>
+                                        <p:tav tm="0">
+                                          <p:val>
+                                            <p:fltVal val="0"/>
+                                          </p:val>
+                                        </p:tav>
+                                        <p:tav tm="100000">
+                                          <p:val>
+                                            <p:strVal val="#ppt_w"/>
+                                          </p:val>
+                                        </p:tav>
+                                      </p:tavLst>
+                                    </p:anim>
+                                    <p:anim calcmode="lin" valueType="num">
+                                      <p:cBhvr>
+                                        <p:cTn id="31" dur="500" fill="hold"/>
+                                        <p:tgtEl>
+                                          <p:spTgt spid="7"/>
+                                        </p:tgtEl>
+                                        <p:attrNameLst>
+                                          <p:attrName>ppt_h</p:attrName>
+                                        </p:attrNameLst>
+                                      </p:cBhvr>
+                                      <p:tavLst>
+                                        <p:tav tm="0">
+                                          <p:val>
+                                            <p:fltVal val="0"/>
+                                          </p:val>
+                                        </p:tav>
+                                        <p:tav tm="100000">
+                                          <p:val>
+                                            <p:strVal val="#ppt_h"/>
+                                          </p:val>
+                                        </p:tav>
+                                      </p:tavLst>
+                                    </p:anim>
+                                    <p:animEffect transition="in" filter="fade">
+                                      <p:cBhvr>
+                                        <p:cTn id="32" dur="500"/>
+                                        <p:tgtEl>
+                                          <p:spTgt spid="7"/>
+                                        </p:tgtEl>
+                                      </p:cBhvr>
+                                    </p:animEffect>
+                                  </p:childTnLst>
+                                </p:cTn>
+                              </p:par>
+                            </p:childTnLst>
+                          </p:cTn>
+                        </p:par>
+                      </p:childTnLst>
+                    </p:cTn>
+                  </p:par>
+                </p:childTnLst>
+              </p:cTn>
+              <p:prevCondLst>
+                <p:cond evt="onPrev" delay="0">
+                  <p:tgtEl>
+                    <p:sldTgt/>
+                  </p:tgtEl>
+                </p:cond>
+              </p:prevCondLst>
+              <p:nextCondLst>
+                <p:cond evt="onNext" delay="0">
+                  <p:tgtEl>
+                    <p:sldTgt/>
+                  </p:tgtEl>
+                </p:cond>
+              </p:nextCondLst>
+            </p:seq>
+          </p:childTnLst>
+        </p:cTn>
+      </p:par>
+    </p:tnLst>
+    <p:bldLst>
+      <p:bldP spid="4" grpId="0" build="p"/>
+    </p:bldLst>
+  </p:timing>
 </p:sld>
 </file>
 
@@ -15345,6 +16576,199 @@
   <p:clrMapOvr>
     <a:masterClrMapping/>
   </p:clrMapOvr>
+  <p:timing>
+    <p:tnLst>
+      <p:par>
+        <p:cTn id="1" dur="indefinite" restart="never" nodeType="tmRoot">
+          <p:childTnLst>
+            <p:seq concurrent="1" nextAc="seek">
+              <p:cTn id="2" dur="indefinite" nodeType="mainSeq">
+                <p:childTnLst>
+                  <p:par>
+                    <p:cTn id="3" fill="hold">
+                      <p:stCondLst>
+                        <p:cond delay="indefinite"/>
+                      </p:stCondLst>
+                      <p:childTnLst>
+                        <p:par>
+                          <p:cTn id="4" fill="hold">
+                            <p:stCondLst>
+                              <p:cond delay="0"/>
+                            </p:stCondLst>
+                            <p:childTnLst>
+                              <p:par>
+                                <p:cTn id="5" presetID="14" presetClass="entr" presetSubtype="10" fill="hold" grpId="0" nodeType="clickEffect">
+                                  <p:stCondLst>
+                                    <p:cond delay="0"/>
+                                  </p:stCondLst>
+                                  <p:childTnLst>
+                                    <p:set>
+                                      <p:cBhvr>
+                                        <p:cTn id="6" dur="1" fill="hold">
+                                          <p:stCondLst>
+                                            <p:cond delay="0"/>
+                                          </p:stCondLst>
+                                        </p:cTn>
+                                        <p:tgtEl>
+                                          <p:spTgt spid="3">
+                                            <p:txEl>
+                                              <p:pRg st="0" end="0"/>
+                                            </p:txEl>
+                                          </p:spTgt>
+                                        </p:tgtEl>
+                                        <p:attrNameLst>
+                                          <p:attrName>style.visibility</p:attrName>
+                                        </p:attrNameLst>
+                                      </p:cBhvr>
+                                      <p:to>
+                                        <p:strVal val="visible"/>
+                                      </p:to>
+                                    </p:set>
+                                    <p:animEffect transition="in" filter="randombar(horizontal)">
+                                      <p:cBhvr>
+                                        <p:cTn id="7" dur="500"/>
+                                        <p:tgtEl>
+                                          <p:spTgt spid="3">
+                                            <p:txEl>
+                                              <p:pRg st="0" end="0"/>
+                                            </p:txEl>
+                                          </p:spTgt>
+                                        </p:tgtEl>
+                                      </p:cBhvr>
+                                    </p:animEffect>
+                                  </p:childTnLst>
+                                </p:cTn>
+                              </p:par>
+                            </p:childTnLst>
+                          </p:cTn>
+                        </p:par>
+                      </p:childTnLst>
+                    </p:cTn>
+                  </p:par>
+                  <p:par>
+                    <p:cTn id="8" fill="hold">
+                      <p:stCondLst>
+                        <p:cond delay="indefinite"/>
+                      </p:stCondLst>
+                      <p:childTnLst>
+                        <p:par>
+                          <p:cTn id="9" fill="hold">
+                            <p:stCondLst>
+                              <p:cond delay="0"/>
+                            </p:stCondLst>
+                            <p:childTnLst>
+                              <p:par>
+                                <p:cTn id="10" presetID="53" presetClass="entr" presetSubtype="16" fill="hold" nodeType="clickEffect">
+                                  <p:stCondLst>
+                                    <p:cond delay="0"/>
+                                  </p:stCondLst>
+                                  <p:childTnLst>
+                                    <p:set>
+                                      <p:cBhvr>
+                                        <p:cTn id="11" dur="1" fill="hold">
+                                          <p:stCondLst>
+                                            <p:cond delay="0"/>
+                                          </p:stCondLst>
+                                        </p:cTn>
+                                        <p:tgtEl>
+                                          <p:spTgt spid="6"/>
+                                        </p:tgtEl>
+                                        <p:attrNameLst>
+                                          <p:attrName>style.visibility</p:attrName>
+                                        </p:attrNameLst>
+                                      </p:cBhvr>
+                                      <p:to>
+                                        <p:strVal val="visible"/>
+                                      </p:to>
+                                    </p:set>
+                                    <p:anim calcmode="lin" valueType="num">
+                                      <p:cBhvr>
+                                        <p:cTn id="12" dur="500" fill="hold"/>
+                                        <p:tgtEl>
+                                          <p:spTgt spid="6"/>
+                                        </p:tgtEl>
+                                        <p:attrNameLst>
+                                          <p:attrName>ppt_w</p:attrName>
+                                        </p:attrNameLst>
+                                      </p:cBhvr>
+                                      <p:tavLst>
+                                        <p:tav tm="0">
+                                          <p:val>
+                                            <p:fltVal val="0"/>
+                                          </p:val>
+                                        </p:tav>
+                                        <p:tav tm="100000">
+                                          <p:val>
+                                            <p:strVal val="#ppt_w"/>
+                                          </p:val>
+                                        </p:tav>
+                                      </p:tavLst>
+                                    </p:anim>
+                                    <p:anim calcmode="lin" valueType="num">
+                                      <p:cBhvr>
+                                        <p:cTn id="13" dur="500" fill="hold"/>
+                                        <p:tgtEl>
+                                          <p:spTgt spid="6"/>
+                                        </p:tgtEl>
+                                        <p:attrNameLst>
+                                          <p:attrName>ppt_h</p:attrName>
+                                        </p:attrNameLst>
+                                      </p:cBhvr>
+                                      <p:tavLst>
+                                        <p:tav tm="0">
+                                          <p:val>
+                                            <p:fltVal val="0"/>
+                                          </p:val>
+                                        </p:tav>
+                                        <p:tav tm="100000">
+                                          <p:val>
+                                            <p:strVal val="#ppt_h"/>
+                                          </p:val>
+                                        </p:tav>
+                                      </p:tavLst>
+                                    </p:anim>
+                                    <p:animEffect transition="in" filter="fade">
+                                      <p:cBhvr>
+                                        <p:cTn id="14" dur="500"/>
+                                        <p:tgtEl>
+                                          <p:spTgt spid="6"/>
+                                        </p:tgtEl>
+                                      </p:cBhvr>
+                                    </p:animEffect>
+                                  </p:childTnLst>
+                                </p:cTn>
+                              </p:par>
+                            </p:childTnLst>
+                          </p:cTn>
+                        </p:par>
+                      </p:childTnLst>
+                    </p:cTn>
+                  </p:par>
+                </p:childTnLst>
+              </p:cTn>
+              <p:prevCondLst>
+                <p:cond evt="onPrev" delay="0">
+                  <p:tgtEl>
+                    <p:sldTgt/>
+                  </p:tgtEl>
+                </p:cond>
+              </p:prevCondLst>
+              <p:nextCondLst>
+                <p:cond evt="onNext" delay="0">
+                  <p:tgtEl>
+                    <p:sldTgt/>
+                  </p:tgtEl>
+                </p:cond>
+              </p:nextCondLst>
+            </p:seq>
+          </p:childTnLst>
+        </p:cTn>
+      </p:par>
+    </p:tnLst>
+    <p:bldLst>
+      <p:bldP spid="3" grpId="0" build="p"/>
+    </p:bldLst>
+  </p:timing>
 </p:sld>
 </file>
 
@@ -15420,56 +16844,56 @@
           <a:lstStyle/>
           <a:p>
             <a:r>
-              <a:rPr lang="en-US" sz="2800" dirty="0" err="1">
+              <a:rPr lang="en-US" sz="2800" b="1" dirty="0" err="1">
                 <a:latin typeface="Times New Roman" panose="02020603050405020304" pitchFamily="18" charset="0"/>
                 <a:cs typeface="Times New Roman" panose="02020603050405020304" pitchFamily="18" charset="0"/>
               </a:rPr>
               <a:t>Thời</a:t>
             </a:r>
             <a:r>
-              <a:rPr lang="en-US" sz="2800" dirty="0">
-                <a:latin typeface="Times New Roman" panose="02020603050405020304" pitchFamily="18" charset="0"/>
-                <a:cs typeface="Times New Roman" panose="02020603050405020304" pitchFamily="18" charset="0"/>
-              </a:rPr>
-              <a:t> </a:t>
-            </a:r>
-            <a:r>
-              <a:rPr lang="en-US" sz="2800" dirty="0" err="1">
+              <a:rPr lang="en-US" sz="2800" b="1" dirty="0">
+                <a:latin typeface="Times New Roman" panose="02020603050405020304" pitchFamily="18" charset="0"/>
+                <a:cs typeface="Times New Roman" panose="02020603050405020304" pitchFamily="18" charset="0"/>
+              </a:rPr>
+              <a:t> </a:t>
+            </a:r>
+            <a:r>
+              <a:rPr lang="en-US" sz="2800" b="1" dirty="0" err="1">
                 <a:latin typeface="Times New Roman" panose="02020603050405020304" pitchFamily="18" charset="0"/>
                 <a:cs typeface="Times New Roman" panose="02020603050405020304" pitchFamily="18" charset="0"/>
               </a:rPr>
               <a:t>gian</a:t>
             </a:r>
             <a:r>
-              <a:rPr lang="en-US" sz="2800" dirty="0">
-                <a:latin typeface="Times New Roman" panose="02020603050405020304" pitchFamily="18" charset="0"/>
-                <a:cs typeface="Times New Roman" panose="02020603050405020304" pitchFamily="18" charset="0"/>
-              </a:rPr>
-              <a:t> </a:t>
-            </a:r>
-            <a:r>
-              <a:rPr lang="en-US" sz="2800" dirty="0" err="1">
+              <a:rPr lang="en-US" sz="2800" b="1" dirty="0">
+                <a:latin typeface="Times New Roman" panose="02020603050405020304" pitchFamily="18" charset="0"/>
+                <a:cs typeface="Times New Roman" panose="02020603050405020304" pitchFamily="18" charset="0"/>
+              </a:rPr>
+              <a:t> </a:t>
+            </a:r>
+            <a:r>
+              <a:rPr lang="en-US" sz="2800" b="1" dirty="0" err="1">
                 <a:latin typeface="Times New Roman" panose="02020603050405020304" pitchFamily="18" charset="0"/>
                 <a:cs typeface="Times New Roman" panose="02020603050405020304" pitchFamily="18" charset="0"/>
               </a:rPr>
               <a:t>hoạt</a:t>
             </a:r>
             <a:r>
-              <a:rPr lang="en-US" sz="2800" dirty="0">
-                <a:latin typeface="Times New Roman" panose="02020603050405020304" pitchFamily="18" charset="0"/>
-                <a:cs typeface="Times New Roman" panose="02020603050405020304" pitchFamily="18" charset="0"/>
-              </a:rPr>
-              <a:t> </a:t>
-            </a:r>
-            <a:r>
-              <a:rPr lang="en-US" sz="2800" dirty="0" err="1">
+              <a:rPr lang="en-US" sz="2800" b="1" dirty="0">
+                <a:latin typeface="Times New Roman" panose="02020603050405020304" pitchFamily="18" charset="0"/>
+                <a:cs typeface="Times New Roman" panose="02020603050405020304" pitchFamily="18" charset="0"/>
+              </a:rPr>
+              <a:t> </a:t>
+            </a:r>
+            <a:r>
+              <a:rPr lang="en-US" sz="2800" b="1" dirty="0" err="1">
                 <a:latin typeface="Times New Roman" panose="02020603050405020304" pitchFamily="18" charset="0"/>
                 <a:cs typeface="Times New Roman" panose="02020603050405020304" pitchFamily="18" charset="0"/>
               </a:rPr>
               <a:t>động</a:t>
             </a:r>
             <a:r>
-              <a:rPr lang="en-US" sz="2800" dirty="0">
+              <a:rPr lang="en-US" sz="2800" b="1" dirty="0">
                 <a:latin typeface="Times New Roman" panose="02020603050405020304" pitchFamily="18" charset="0"/>
                 <a:cs typeface="Times New Roman" panose="02020603050405020304" pitchFamily="18" charset="0"/>
               </a:rPr>
@@ -16103,636 +17527,289 @@
   <p:clrMapOvr>
     <a:masterClrMapping/>
   </p:clrMapOvr>
+  <p:timing>
+    <p:tnLst>
+      <p:par>
+        <p:cTn id="1" dur="indefinite" restart="never" nodeType="tmRoot">
+          <p:childTnLst>
+            <p:seq concurrent="1" nextAc="seek">
+              <p:cTn id="2" dur="indefinite" nodeType="mainSeq">
+                <p:childTnLst>
+                  <p:par>
+                    <p:cTn id="3" fill="hold">
+                      <p:stCondLst>
+                        <p:cond delay="indefinite"/>
+                      </p:stCondLst>
+                      <p:childTnLst>
+                        <p:par>
+                          <p:cTn id="4" fill="hold">
+                            <p:stCondLst>
+                              <p:cond delay="0"/>
+                            </p:stCondLst>
+                            <p:childTnLst>
+                              <p:par>
+                                <p:cTn id="5" presetID="14" presetClass="entr" presetSubtype="10" fill="hold" grpId="0" nodeType="clickEffect">
+                                  <p:stCondLst>
+                                    <p:cond delay="0"/>
+                                  </p:stCondLst>
+                                  <p:childTnLst>
+                                    <p:set>
+                                      <p:cBhvr>
+                                        <p:cTn id="6" dur="1" fill="hold">
+                                          <p:stCondLst>
+                                            <p:cond delay="0"/>
+                                          </p:stCondLst>
+                                        </p:cTn>
+                                        <p:tgtEl>
+                                          <p:spTgt spid="3">
+                                            <p:txEl>
+                                              <p:pRg st="0" end="0"/>
+                                            </p:txEl>
+                                          </p:spTgt>
+                                        </p:tgtEl>
+                                        <p:attrNameLst>
+                                          <p:attrName>style.visibility</p:attrName>
+                                        </p:attrNameLst>
+                                      </p:cBhvr>
+                                      <p:to>
+                                        <p:strVal val="visible"/>
+                                      </p:to>
+                                    </p:set>
+                                    <p:animEffect transition="in" filter="randombar(horizontal)">
+                                      <p:cBhvr>
+                                        <p:cTn id="7" dur="500"/>
+                                        <p:tgtEl>
+                                          <p:spTgt spid="3">
+                                            <p:txEl>
+                                              <p:pRg st="0" end="0"/>
+                                            </p:txEl>
+                                          </p:spTgt>
+                                        </p:tgtEl>
+                                      </p:cBhvr>
+                                    </p:animEffect>
+                                  </p:childTnLst>
+                                </p:cTn>
+                              </p:par>
+                              <p:par>
+                                <p:cTn id="8" presetID="14" presetClass="entr" presetSubtype="10" fill="hold" grpId="0" nodeType="withEffect">
+                                  <p:stCondLst>
+                                    <p:cond delay="0"/>
+                                  </p:stCondLst>
+                                  <p:childTnLst>
+                                    <p:set>
+                                      <p:cBhvr>
+                                        <p:cTn id="9" dur="1" fill="hold">
+                                          <p:stCondLst>
+                                            <p:cond delay="0"/>
+                                          </p:stCondLst>
+                                        </p:cTn>
+                                        <p:tgtEl>
+                                          <p:spTgt spid="3">
+                                            <p:txEl>
+                                              <p:pRg st="1" end="1"/>
+                                            </p:txEl>
+                                          </p:spTgt>
+                                        </p:tgtEl>
+                                        <p:attrNameLst>
+                                          <p:attrName>style.visibility</p:attrName>
+                                        </p:attrNameLst>
+                                      </p:cBhvr>
+                                      <p:to>
+                                        <p:strVal val="visible"/>
+                                      </p:to>
+                                    </p:set>
+                                    <p:animEffect transition="in" filter="randombar(horizontal)">
+                                      <p:cBhvr>
+                                        <p:cTn id="10" dur="500"/>
+                                        <p:tgtEl>
+                                          <p:spTgt spid="3">
+                                            <p:txEl>
+                                              <p:pRg st="1" end="1"/>
+                                            </p:txEl>
+                                          </p:spTgt>
+                                        </p:tgtEl>
+                                      </p:cBhvr>
+                                    </p:animEffect>
+                                  </p:childTnLst>
+                                </p:cTn>
+                              </p:par>
+                              <p:par>
+                                <p:cTn id="11" presetID="14" presetClass="entr" presetSubtype="10" fill="hold" grpId="0" nodeType="withEffect">
+                                  <p:stCondLst>
+                                    <p:cond delay="0"/>
+                                  </p:stCondLst>
+                                  <p:childTnLst>
+                                    <p:set>
+                                      <p:cBhvr>
+                                        <p:cTn id="12" dur="1" fill="hold">
+                                          <p:stCondLst>
+                                            <p:cond delay="0"/>
+                                          </p:stCondLst>
+                                        </p:cTn>
+                                        <p:tgtEl>
+                                          <p:spTgt spid="3">
+                                            <p:txEl>
+                                              <p:pRg st="2" end="2"/>
+                                            </p:txEl>
+                                          </p:spTgt>
+                                        </p:tgtEl>
+                                        <p:attrNameLst>
+                                          <p:attrName>style.visibility</p:attrName>
+                                        </p:attrNameLst>
+                                      </p:cBhvr>
+                                      <p:to>
+                                        <p:strVal val="visible"/>
+                                      </p:to>
+                                    </p:set>
+                                    <p:animEffect transition="in" filter="randombar(horizontal)">
+                                      <p:cBhvr>
+                                        <p:cTn id="13" dur="500"/>
+                                        <p:tgtEl>
+                                          <p:spTgt spid="3">
+                                            <p:txEl>
+                                              <p:pRg st="2" end="2"/>
+                                            </p:txEl>
+                                          </p:spTgt>
+                                        </p:tgtEl>
+                                      </p:cBhvr>
+                                    </p:animEffect>
+                                  </p:childTnLst>
+                                </p:cTn>
+                              </p:par>
+                            </p:childTnLst>
+                          </p:cTn>
+                        </p:par>
+                      </p:childTnLst>
+                    </p:cTn>
+                  </p:par>
+                  <p:par>
+                    <p:cTn id="14" fill="hold">
+                      <p:stCondLst>
+                        <p:cond delay="indefinite"/>
+                      </p:stCondLst>
+                      <p:childTnLst>
+                        <p:par>
+                          <p:cTn id="15" fill="hold">
+                            <p:stCondLst>
+                              <p:cond delay="0"/>
+                            </p:stCondLst>
+                            <p:childTnLst>
+                              <p:par>
+                                <p:cTn id="16" presetID="53" presetClass="entr" presetSubtype="16" fill="hold" nodeType="clickEffect">
+                                  <p:stCondLst>
+                                    <p:cond delay="0"/>
+                                  </p:stCondLst>
+                                  <p:childTnLst>
+                                    <p:set>
+                                      <p:cBhvr>
+                                        <p:cTn id="17" dur="1" fill="hold">
+                                          <p:stCondLst>
+                                            <p:cond delay="0"/>
+                                          </p:stCondLst>
+                                        </p:cTn>
+                                        <p:tgtEl>
+                                          <p:spTgt spid="6"/>
+                                        </p:tgtEl>
+                                        <p:attrNameLst>
+                                          <p:attrName>style.visibility</p:attrName>
+                                        </p:attrNameLst>
+                                      </p:cBhvr>
+                                      <p:to>
+                                        <p:strVal val="visible"/>
+                                      </p:to>
+                                    </p:set>
+                                    <p:anim calcmode="lin" valueType="num">
+                                      <p:cBhvr>
+                                        <p:cTn id="18" dur="500" fill="hold"/>
+                                        <p:tgtEl>
+                                          <p:spTgt spid="6"/>
+                                        </p:tgtEl>
+                                        <p:attrNameLst>
+                                          <p:attrName>ppt_w</p:attrName>
+                                        </p:attrNameLst>
+                                      </p:cBhvr>
+                                      <p:tavLst>
+                                        <p:tav tm="0">
+                                          <p:val>
+                                            <p:fltVal val="0"/>
+                                          </p:val>
+                                        </p:tav>
+                                        <p:tav tm="100000">
+                                          <p:val>
+                                            <p:strVal val="#ppt_w"/>
+                                          </p:val>
+                                        </p:tav>
+                                      </p:tavLst>
+                                    </p:anim>
+                                    <p:anim calcmode="lin" valueType="num">
+                                      <p:cBhvr>
+                                        <p:cTn id="19" dur="500" fill="hold"/>
+                                        <p:tgtEl>
+                                          <p:spTgt spid="6"/>
+                                        </p:tgtEl>
+                                        <p:attrNameLst>
+                                          <p:attrName>ppt_h</p:attrName>
+                                        </p:attrNameLst>
+                                      </p:cBhvr>
+                                      <p:tavLst>
+                                        <p:tav tm="0">
+                                          <p:val>
+                                            <p:fltVal val="0"/>
+                                          </p:val>
+                                        </p:tav>
+                                        <p:tav tm="100000">
+                                          <p:val>
+                                            <p:strVal val="#ppt_h"/>
+                                          </p:val>
+                                        </p:tav>
+                                      </p:tavLst>
+                                    </p:anim>
+                                    <p:animEffect transition="in" filter="fade">
+                                      <p:cBhvr>
+                                        <p:cTn id="20" dur="500"/>
+                                        <p:tgtEl>
+                                          <p:spTgt spid="6"/>
+                                        </p:tgtEl>
+                                      </p:cBhvr>
+                                    </p:animEffect>
+                                  </p:childTnLst>
+                                </p:cTn>
+                              </p:par>
+                            </p:childTnLst>
+                          </p:cTn>
+                        </p:par>
+                      </p:childTnLst>
+                    </p:cTn>
+                  </p:par>
+                </p:childTnLst>
+              </p:cTn>
+              <p:prevCondLst>
+                <p:cond evt="onPrev" delay="0">
+                  <p:tgtEl>
+                    <p:sldTgt/>
+                  </p:tgtEl>
+                </p:cond>
+              </p:prevCondLst>
+              <p:nextCondLst>
+                <p:cond evt="onNext" delay="0">
+                  <p:tgtEl>
+                    <p:sldTgt/>
+                  </p:tgtEl>
+                </p:cond>
+              </p:nextCondLst>
+            </p:seq>
+          </p:childTnLst>
+        </p:cTn>
+      </p:par>
+    </p:tnLst>
+    <p:bldLst>
+      <p:bldP spid="3" grpId="0" build="p"/>
+    </p:bldLst>
+  </p:timing>
 </p:sld>
 </file>
 
 <file path=ppt/slides/slide16.xml><?xml version="1.0" encoding="utf-8"?>
-<p:sld xmlns:a="http://schemas.openxmlformats.org/drawingml/2006/main" xmlns:r="http://schemas.openxmlformats.org/officeDocument/2006/relationships" xmlns:p="http://schemas.openxmlformats.org/presentationml/2006/main">
-  <p:cSld>
-    <p:spTree>
-      <p:nvGrpSpPr>
-        <p:cNvPr id="1" name=""/>
-        <p:cNvGrpSpPr/>
-        <p:nvPr/>
-      </p:nvGrpSpPr>
-      <p:grpSpPr>
-        <a:xfrm>
-          <a:off x="0" y="0"/>
-          <a:ext cx="0" cy="0"/>
-          <a:chOff x="0" y="0"/>
-          <a:chExt cx="0" cy="0"/>
-        </a:xfrm>
-      </p:grpSpPr>
-      <p:sp>
-        <p:nvSpPr>
-          <p:cNvPr id="2" name="Title 1">
-            <a:extLst>
-              <a:ext uri="{FF2B5EF4-FFF2-40B4-BE49-F238E27FC236}">
-                <a16:creationId xmlns:a16="http://schemas.microsoft.com/office/drawing/2014/main" id="{E5E589F2-740D-4F64-A0B4-61126290CC64}"/>
-              </a:ext>
-            </a:extLst>
-          </p:cNvPr>
-          <p:cNvSpPr>
-            <a:spLocks noGrp="1"/>
-          </p:cNvSpPr>
-          <p:nvPr>
-            <p:ph type="title"/>
-          </p:nvPr>
-        </p:nvSpPr>
-        <p:spPr/>
-        <p:txBody>
-          <a:bodyPr/>
-          <a:lstStyle/>
-          <a:p>
-            <a:r>
-              <a:rPr lang="en-US" dirty="0">
-                <a:latin typeface="Times New Roman" panose="02020603050405020304" pitchFamily="18" charset="0"/>
-                <a:cs typeface="Times New Roman" panose="02020603050405020304" pitchFamily="18" charset="0"/>
-              </a:rPr>
-              <a:t>CÁC KÝ HIỆU BIỂU DIỄN</a:t>
-            </a:r>
-          </a:p>
-        </p:txBody>
-      </p:sp>
-      <p:sp>
-        <p:nvSpPr>
-          <p:cNvPr id="3" name="Content Placeholder 2">
-            <a:extLst>
-              <a:ext uri="{FF2B5EF4-FFF2-40B4-BE49-F238E27FC236}">
-                <a16:creationId xmlns:a16="http://schemas.microsoft.com/office/drawing/2014/main" id="{113C3973-760C-4814-8E7B-A4991A97E7B6}"/>
-              </a:ext>
-            </a:extLst>
-          </p:cNvPr>
-          <p:cNvSpPr>
-            <a:spLocks noGrp="1"/>
-          </p:cNvSpPr>
-          <p:nvPr>
-            <p:ph sz="half" idx="1"/>
-          </p:nvPr>
-        </p:nvSpPr>
-        <p:spPr/>
-        <p:txBody>
-          <a:bodyPr/>
-          <a:lstStyle/>
-          <a:p>
-            <a:r>
-              <a:rPr lang="en-US" sz="2800" dirty="0" err="1">
-                <a:latin typeface="Times New Roman" panose="02020603050405020304" pitchFamily="18" charset="0"/>
-                <a:cs typeface="Times New Roman" panose="02020603050405020304" pitchFamily="18" charset="0"/>
-              </a:rPr>
-              <a:t>Một</a:t>
-            </a:r>
-            <a:r>
-              <a:rPr lang="en-US" sz="2800" dirty="0">
-                <a:latin typeface="Times New Roman" panose="02020603050405020304" pitchFamily="18" charset="0"/>
-                <a:cs typeface="Times New Roman" panose="02020603050405020304" pitchFamily="18" charset="0"/>
-              </a:rPr>
-              <a:t> </a:t>
-            </a:r>
-            <a:r>
-              <a:rPr lang="en-US" sz="2800" dirty="0" err="1">
-                <a:latin typeface="Times New Roman" panose="02020603050405020304" pitchFamily="18" charset="0"/>
-                <a:cs typeface="Times New Roman" panose="02020603050405020304" pitchFamily="18" charset="0"/>
-              </a:rPr>
-              <a:t>thông</a:t>
-            </a:r>
-            <a:r>
-              <a:rPr lang="en-US" sz="2800" dirty="0">
-                <a:latin typeface="Times New Roman" panose="02020603050405020304" pitchFamily="18" charset="0"/>
-                <a:cs typeface="Times New Roman" panose="02020603050405020304" pitchFamily="18" charset="0"/>
-              </a:rPr>
-              <a:t> </a:t>
-            </a:r>
-            <a:r>
-              <a:rPr lang="en-US" sz="2800" dirty="0" err="1">
-                <a:latin typeface="Times New Roman" panose="02020603050405020304" pitchFamily="18" charset="0"/>
-                <a:cs typeface="Times New Roman" panose="02020603050405020304" pitchFamily="18" charset="0"/>
-              </a:rPr>
-              <a:t>điệp</a:t>
-            </a:r>
-            <a:r>
-              <a:rPr lang="en-US" sz="2800" dirty="0">
-                <a:latin typeface="Times New Roman" panose="02020603050405020304" pitchFamily="18" charset="0"/>
-                <a:cs typeface="Times New Roman" panose="02020603050405020304" pitchFamily="18" charset="0"/>
-              </a:rPr>
-              <a:t> hay </a:t>
-            </a:r>
-            <a:r>
-              <a:rPr lang="en-US" sz="2800" dirty="0" err="1">
-                <a:latin typeface="Times New Roman" panose="02020603050405020304" pitchFamily="18" charset="0"/>
-                <a:cs typeface="Times New Roman" panose="02020603050405020304" pitchFamily="18" charset="0"/>
-              </a:rPr>
-              <a:t>tác</a:t>
-            </a:r>
-            <a:r>
-              <a:rPr lang="en-US" sz="2800" dirty="0">
-                <a:latin typeface="Times New Roman" panose="02020603050405020304" pitchFamily="18" charset="0"/>
-                <a:cs typeface="Times New Roman" panose="02020603050405020304" pitchFamily="18" charset="0"/>
-              </a:rPr>
-              <a:t> </a:t>
-            </a:r>
-            <a:r>
-              <a:rPr lang="en-US" sz="2800" dirty="0" err="1">
-                <a:latin typeface="Times New Roman" panose="02020603050405020304" pitchFamily="18" charset="0"/>
-                <a:cs typeface="Times New Roman" panose="02020603050405020304" pitchFamily="18" charset="0"/>
-              </a:rPr>
-              <a:t>nhân</a:t>
-            </a:r>
-            <a:r>
-              <a:rPr lang="en-US" sz="2800" dirty="0">
-                <a:latin typeface="Times New Roman" panose="02020603050405020304" pitchFamily="18" charset="0"/>
-                <a:cs typeface="Times New Roman" panose="02020603050405020304" pitchFamily="18" charset="0"/>
-              </a:rPr>
-              <a:t> </a:t>
-            </a:r>
-            <a:r>
-              <a:rPr lang="en-US" sz="2800" dirty="0" err="1">
-                <a:latin typeface="Times New Roman" panose="02020603050405020304" pitchFamily="18" charset="0"/>
-                <a:cs typeface="Times New Roman" panose="02020603050405020304" pitchFamily="18" charset="0"/>
-              </a:rPr>
-              <a:t>kích</a:t>
-            </a:r>
-            <a:r>
-              <a:rPr lang="en-US" sz="2800" dirty="0">
-                <a:latin typeface="Times New Roman" panose="02020603050405020304" pitchFamily="18" charset="0"/>
-                <a:cs typeface="Times New Roman" panose="02020603050405020304" pitchFamily="18" charset="0"/>
-              </a:rPr>
-              <a:t> </a:t>
-            </a:r>
-            <a:r>
-              <a:rPr lang="en-US" sz="2800" dirty="0" err="1">
-                <a:latin typeface="Times New Roman" panose="02020603050405020304" pitchFamily="18" charset="0"/>
-                <a:cs typeface="Times New Roman" panose="02020603050405020304" pitchFamily="18" charset="0"/>
-              </a:rPr>
-              <a:t>thích</a:t>
-            </a:r>
-            <a:r>
-              <a:rPr lang="en-US" sz="2800" dirty="0">
-                <a:latin typeface="Times New Roman" panose="02020603050405020304" pitchFamily="18" charset="0"/>
-                <a:cs typeface="Times New Roman" panose="02020603050405020304" pitchFamily="18" charset="0"/>
-              </a:rPr>
-              <a:t>: </a:t>
-            </a:r>
-          </a:p>
-          <a:p>
-            <a:pPr lvl="1">
-              <a:buFont typeface="Wingdings" panose="05000000000000000000" pitchFamily="2" charset="2"/>
-              <a:buChar char="ü"/>
-            </a:pPr>
-            <a:r>
-              <a:rPr lang="en-US" sz="2800" dirty="0" err="1">
-                <a:latin typeface="Times New Roman" panose="02020603050405020304" pitchFamily="18" charset="0"/>
-                <a:cs typeface="Times New Roman" panose="02020603050405020304" pitchFamily="18" charset="0"/>
-              </a:rPr>
-              <a:t>Được</a:t>
-            </a:r>
-            <a:r>
-              <a:rPr lang="en-US" sz="2800" dirty="0">
-                <a:latin typeface="Times New Roman" panose="02020603050405020304" pitchFamily="18" charset="0"/>
-                <a:cs typeface="Times New Roman" panose="02020603050405020304" pitchFamily="18" charset="0"/>
-              </a:rPr>
-              <a:t> </a:t>
-            </a:r>
-            <a:r>
-              <a:rPr lang="en-US" sz="2800" dirty="0" err="1">
-                <a:latin typeface="Times New Roman" panose="02020603050405020304" pitchFamily="18" charset="0"/>
-                <a:cs typeface="Times New Roman" panose="02020603050405020304" pitchFamily="18" charset="0"/>
-              </a:rPr>
-              <a:t>mô</a:t>
-            </a:r>
-            <a:r>
-              <a:rPr lang="en-US" sz="2800" dirty="0">
-                <a:latin typeface="Times New Roman" panose="02020603050405020304" pitchFamily="18" charset="0"/>
-                <a:cs typeface="Times New Roman" panose="02020603050405020304" pitchFamily="18" charset="0"/>
-              </a:rPr>
-              <a:t> </a:t>
-            </a:r>
-            <a:r>
-              <a:rPr lang="en-US" sz="2800" dirty="0" err="1">
-                <a:latin typeface="Times New Roman" panose="02020603050405020304" pitchFamily="18" charset="0"/>
-                <a:cs typeface="Times New Roman" panose="02020603050405020304" pitchFamily="18" charset="0"/>
-              </a:rPr>
-              <a:t>tả</a:t>
-            </a:r>
-            <a:r>
-              <a:rPr lang="en-US" sz="2800" dirty="0">
-                <a:latin typeface="Times New Roman" panose="02020603050405020304" pitchFamily="18" charset="0"/>
-                <a:cs typeface="Times New Roman" panose="02020603050405020304" pitchFamily="18" charset="0"/>
-              </a:rPr>
-              <a:t> </a:t>
-            </a:r>
-            <a:r>
-              <a:rPr lang="en-US" sz="2800" dirty="0" err="1">
-                <a:latin typeface="Times New Roman" panose="02020603050405020304" pitchFamily="18" charset="0"/>
-                <a:cs typeface="Times New Roman" panose="02020603050405020304" pitchFamily="18" charset="0"/>
-              </a:rPr>
-              <a:t>bằng</a:t>
-            </a:r>
-            <a:r>
-              <a:rPr lang="en-US" sz="2800" dirty="0">
-                <a:latin typeface="Times New Roman" panose="02020603050405020304" pitchFamily="18" charset="0"/>
-                <a:cs typeface="Times New Roman" panose="02020603050405020304" pitchFamily="18" charset="0"/>
-              </a:rPr>
-              <a:t> </a:t>
-            </a:r>
-            <a:r>
-              <a:rPr lang="en-US" sz="2800" dirty="0" err="1">
-                <a:latin typeface="Times New Roman" panose="02020603050405020304" pitchFamily="18" charset="0"/>
-                <a:cs typeface="Times New Roman" panose="02020603050405020304" pitchFamily="18" charset="0"/>
-              </a:rPr>
-              <a:t>cách</a:t>
-            </a:r>
-            <a:r>
-              <a:rPr lang="en-US" sz="2800" dirty="0">
-                <a:latin typeface="Times New Roman" panose="02020603050405020304" pitchFamily="18" charset="0"/>
-                <a:cs typeface="Times New Roman" panose="02020603050405020304" pitchFamily="18" charset="0"/>
-              </a:rPr>
-              <a:t> </a:t>
-            </a:r>
-            <a:r>
-              <a:rPr lang="en-US" sz="2800" dirty="0" err="1">
-                <a:latin typeface="Times New Roman" panose="02020603050405020304" pitchFamily="18" charset="0"/>
-                <a:cs typeface="Times New Roman" panose="02020603050405020304" pitchFamily="18" charset="0"/>
-              </a:rPr>
-              <a:t>tô</a:t>
-            </a:r>
-            <a:r>
-              <a:rPr lang="en-US" sz="2800" dirty="0">
-                <a:latin typeface="Times New Roman" panose="02020603050405020304" pitchFamily="18" charset="0"/>
-                <a:cs typeface="Times New Roman" panose="02020603050405020304" pitchFamily="18" charset="0"/>
-              </a:rPr>
-              <a:t> </a:t>
-            </a:r>
-            <a:r>
-              <a:rPr lang="en-US" sz="2800" dirty="0" err="1">
-                <a:latin typeface="Times New Roman" panose="02020603050405020304" pitchFamily="18" charset="0"/>
-                <a:cs typeface="Times New Roman" panose="02020603050405020304" pitchFamily="18" charset="0"/>
-              </a:rPr>
-              <a:t>đen</a:t>
-            </a:r>
-            <a:r>
-              <a:rPr lang="en-US" sz="2800" dirty="0">
-                <a:latin typeface="Times New Roman" panose="02020603050405020304" pitchFamily="18" charset="0"/>
-                <a:cs typeface="Times New Roman" panose="02020603050405020304" pitchFamily="18" charset="0"/>
-              </a:rPr>
-              <a:t> </a:t>
-            </a:r>
-            <a:r>
-              <a:rPr lang="en-US" sz="2800" dirty="0" err="1">
-                <a:latin typeface="Times New Roman" panose="02020603050405020304" pitchFamily="18" charset="0"/>
-                <a:cs typeface="Times New Roman" panose="02020603050405020304" pitchFamily="18" charset="0"/>
-              </a:rPr>
-              <a:t>lên</a:t>
-            </a:r>
-            <a:r>
-              <a:rPr lang="en-US" sz="2800" dirty="0">
-                <a:latin typeface="Times New Roman" panose="02020603050405020304" pitchFamily="18" charset="0"/>
-                <a:cs typeface="Times New Roman" panose="02020603050405020304" pitchFamily="18" charset="0"/>
-              </a:rPr>
-              <a:t> </a:t>
-            </a:r>
-            <a:r>
-              <a:rPr lang="en-US" sz="2800" dirty="0" err="1">
-                <a:latin typeface="Times New Roman" panose="02020603050405020304" pitchFamily="18" charset="0"/>
-                <a:cs typeface="Times New Roman" panose="02020603050405020304" pitchFamily="18" charset="0"/>
-              </a:rPr>
-              <a:t>vùng</a:t>
-            </a:r>
-            <a:r>
-              <a:rPr lang="en-US" sz="2800" dirty="0">
-                <a:latin typeface="Times New Roman" panose="02020603050405020304" pitchFamily="18" charset="0"/>
-                <a:cs typeface="Times New Roman" panose="02020603050405020304" pitchFamily="18" charset="0"/>
-              </a:rPr>
-              <a:t> </a:t>
-            </a:r>
-            <a:r>
-              <a:rPr lang="en-US" sz="2800" dirty="0" err="1">
-                <a:latin typeface="Times New Roman" panose="02020603050405020304" pitchFamily="18" charset="0"/>
-                <a:cs typeface="Times New Roman" panose="02020603050405020304" pitchFamily="18" charset="0"/>
-              </a:rPr>
-              <a:t>tiêu</a:t>
-            </a:r>
-            <a:r>
-              <a:rPr lang="en-US" sz="2800" dirty="0">
-                <a:latin typeface="Times New Roman" panose="02020603050405020304" pitchFamily="18" charset="0"/>
-                <a:cs typeface="Times New Roman" panose="02020603050405020304" pitchFamily="18" charset="0"/>
-              </a:rPr>
-              <a:t> </a:t>
-            </a:r>
-            <a:r>
-              <a:rPr lang="en-US" sz="2800" dirty="0" err="1">
-                <a:latin typeface="Times New Roman" panose="02020603050405020304" pitchFamily="18" charset="0"/>
-                <a:cs typeface="Times New Roman" panose="02020603050405020304" pitchFamily="18" charset="0"/>
-              </a:rPr>
-              <a:t>điểm</a:t>
-            </a:r>
-            <a:r>
-              <a:rPr lang="en-US" sz="2800" dirty="0">
-                <a:latin typeface="Times New Roman" panose="02020603050405020304" pitchFamily="18" charset="0"/>
-                <a:cs typeface="Times New Roman" panose="02020603050405020304" pitchFamily="18" charset="0"/>
-              </a:rPr>
-              <a:t> </a:t>
-            </a:r>
-            <a:r>
-              <a:rPr lang="en-US" sz="2800" dirty="0" err="1">
-                <a:latin typeface="Times New Roman" panose="02020603050405020304" pitchFamily="18" charset="0"/>
-                <a:cs typeface="Times New Roman" panose="02020603050405020304" pitchFamily="18" charset="0"/>
-              </a:rPr>
-              <a:t>kiểm</a:t>
-            </a:r>
-            <a:r>
-              <a:rPr lang="en-US" sz="2800" dirty="0">
-                <a:latin typeface="Times New Roman" panose="02020603050405020304" pitchFamily="18" charset="0"/>
-                <a:cs typeface="Times New Roman" panose="02020603050405020304" pitchFamily="18" charset="0"/>
-              </a:rPr>
-              <a:t> </a:t>
-            </a:r>
-            <a:r>
-              <a:rPr lang="en-US" sz="2800" dirty="0" err="1">
-                <a:latin typeface="Times New Roman" panose="02020603050405020304" pitchFamily="18" charset="0"/>
-                <a:cs typeface="Times New Roman" panose="02020603050405020304" pitchFamily="18" charset="0"/>
-              </a:rPr>
-              <a:t>soát</a:t>
-            </a:r>
-            <a:r>
-              <a:rPr lang="en-US" sz="2800" dirty="0">
-                <a:latin typeface="Times New Roman" panose="02020603050405020304" pitchFamily="18" charset="0"/>
-                <a:cs typeface="Times New Roman" panose="02020603050405020304" pitchFamily="18" charset="0"/>
-              </a:rPr>
-              <a:t>.</a:t>
-            </a:r>
-          </a:p>
-          <a:p>
-            <a:pPr lvl="1">
-              <a:buFont typeface="Wingdings" panose="05000000000000000000" pitchFamily="2" charset="2"/>
-              <a:buChar char="ü"/>
-            </a:pPr>
-            <a:r>
-              <a:rPr lang="en-US" sz="2800" dirty="0" err="1">
-                <a:latin typeface="Times New Roman" panose="02020603050405020304" pitchFamily="18" charset="0"/>
-                <a:cs typeface="Times New Roman" panose="02020603050405020304" pitchFamily="18" charset="0"/>
-              </a:rPr>
-              <a:t>Được</a:t>
-            </a:r>
-            <a:r>
-              <a:rPr lang="en-US" sz="2800" dirty="0">
-                <a:latin typeface="Times New Roman" panose="02020603050405020304" pitchFamily="18" charset="0"/>
-                <a:cs typeface="Times New Roman" panose="02020603050405020304" pitchFamily="18" charset="0"/>
-              </a:rPr>
-              <a:t> </a:t>
-            </a:r>
-            <a:r>
-              <a:rPr lang="en-US" sz="2800" dirty="0" err="1">
-                <a:latin typeface="Times New Roman" panose="02020603050405020304" pitchFamily="18" charset="0"/>
-                <a:cs typeface="Times New Roman" panose="02020603050405020304" pitchFamily="18" charset="0"/>
-              </a:rPr>
-              <a:t>mô</a:t>
-            </a:r>
-            <a:r>
-              <a:rPr lang="en-US" sz="2800" dirty="0">
-                <a:latin typeface="Times New Roman" panose="02020603050405020304" pitchFamily="18" charset="0"/>
-                <a:cs typeface="Times New Roman" panose="02020603050405020304" pitchFamily="18" charset="0"/>
-              </a:rPr>
-              <a:t> </a:t>
-            </a:r>
-            <a:r>
-              <a:rPr lang="en-US" sz="2800" dirty="0" err="1">
-                <a:latin typeface="Times New Roman" panose="02020603050405020304" pitchFamily="18" charset="0"/>
-                <a:cs typeface="Times New Roman" panose="02020603050405020304" pitchFamily="18" charset="0"/>
-              </a:rPr>
-              <a:t>tả</a:t>
-            </a:r>
-            <a:r>
-              <a:rPr lang="en-US" sz="2800" dirty="0">
-                <a:latin typeface="Times New Roman" panose="02020603050405020304" pitchFamily="18" charset="0"/>
-                <a:cs typeface="Times New Roman" panose="02020603050405020304" pitchFamily="18" charset="0"/>
-              </a:rPr>
-              <a:t> </a:t>
-            </a:r>
-            <a:r>
-              <a:rPr lang="en-US" sz="2800" dirty="0" err="1">
-                <a:latin typeface="Times New Roman" panose="02020603050405020304" pitchFamily="18" charset="0"/>
-                <a:cs typeface="Times New Roman" panose="02020603050405020304" pitchFamily="18" charset="0"/>
-              </a:rPr>
-              <a:t>bằng</a:t>
-            </a:r>
-            <a:r>
-              <a:rPr lang="en-US" sz="2800" dirty="0">
-                <a:latin typeface="Times New Roman" panose="02020603050405020304" pitchFamily="18" charset="0"/>
-                <a:cs typeface="Times New Roman" panose="02020603050405020304" pitchFamily="18" charset="0"/>
-              </a:rPr>
-              <a:t> </a:t>
-            </a:r>
-            <a:r>
-              <a:rPr lang="en-US" sz="2800" dirty="0" err="1">
-                <a:latin typeface="Times New Roman" panose="02020603050405020304" pitchFamily="18" charset="0"/>
-                <a:cs typeface="Times New Roman" panose="02020603050405020304" pitchFamily="18" charset="0"/>
-              </a:rPr>
-              <a:t>một</a:t>
-            </a:r>
-            <a:r>
-              <a:rPr lang="en-US" sz="2800" dirty="0">
-                <a:latin typeface="Times New Roman" panose="02020603050405020304" pitchFamily="18" charset="0"/>
-                <a:cs typeface="Times New Roman" panose="02020603050405020304" pitchFamily="18" charset="0"/>
-              </a:rPr>
-              <a:t> </a:t>
-            </a:r>
-            <a:r>
-              <a:rPr lang="en-US" sz="2800" dirty="0" err="1">
-                <a:latin typeface="Times New Roman" panose="02020603050405020304" pitchFamily="18" charset="0"/>
-                <a:cs typeface="Times New Roman" panose="02020603050405020304" pitchFamily="18" charset="0"/>
-              </a:rPr>
-              <a:t>mũi</a:t>
-            </a:r>
-            <a:r>
-              <a:rPr lang="en-US" sz="2800" dirty="0">
-                <a:latin typeface="Times New Roman" panose="02020603050405020304" pitchFamily="18" charset="0"/>
-                <a:cs typeface="Times New Roman" panose="02020603050405020304" pitchFamily="18" charset="0"/>
-              </a:rPr>
-              <a:t> </a:t>
-            </a:r>
-            <a:r>
-              <a:rPr lang="en-US" sz="2800" dirty="0" err="1">
-                <a:latin typeface="Times New Roman" panose="02020603050405020304" pitchFamily="18" charset="0"/>
-                <a:cs typeface="Times New Roman" panose="02020603050405020304" pitchFamily="18" charset="0"/>
-              </a:rPr>
-              <a:t>tên</a:t>
-            </a:r>
-            <a:r>
-              <a:rPr lang="en-US" sz="2800" dirty="0">
-                <a:latin typeface="Times New Roman" panose="02020603050405020304" pitchFamily="18" charset="0"/>
-                <a:cs typeface="Times New Roman" panose="02020603050405020304" pitchFamily="18" charset="0"/>
-              </a:rPr>
-              <a:t> </a:t>
-            </a:r>
-            <a:r>
-              <a:rPr lang="en-US" sz="2800" dirty="0" err="1">
-                <a:latin typeface="Times New Roman" panose="02020603050405020304" pitchFamily="18" charset="0"/>
-                <a:cs typeface="Times New Roman" panose="02020603050405020304" pitchFamily="18" charset="0"/>
-              </a:rPr>
-              <a:t>từ</a:t>
-            </a:r>
-            <a:r>
-              <a:rPr lang="en-US" sz="2800" dirty="0">
-                <a:latin typeface="Times New Roman" panose="02020603050405020304" pitchFamily="18" charset="0"/>
-                <a:cs typeface="Times New Roman" panose="02020603050405020304" pitchFamily="18" charset="0"/>
-              </a:rPr>
-              <a:t> </a:t>
-            </a:r>
-            <a:r>
-              <a:rPr lang="en-US" sz="2800" dirty="0" err="1">
-                <a:latin typeface="Times New Roman" panose="02020603050405020304" pitchFamily="18" charset="0"/>
-                <a:cs typeface="Times New Roman" panose="02020603050405020304" pitchFamily="18" charset="0"/>
-              </a:rPr>
-              <a:t>đối</a:t>
-            </a:r>
-            <a:r>
-              <a:rPr lang="en-US" sz="2800" dirty="0">
-                <a:latin typeface="Times New Roman" panose="02020603050405020304" pitchFamily="18" charset="0"/>
-                <a:cs typeface="Times New Roman" panose="02020603050405020304" pitchFamily="18" charset="0"/>
-              </a:rPr>
-              <a:t> </a:t>
-            </a:r>
-            <a:r>
-              <a:rPr lang="en-US" sz="2800" dirty="0" err="1">
-                <a:latin typeface="Times New Roman" panose="02020603050405020304" pitchFamily="18" charset="0"/>
-                <a:cs typeface="Times New Roman" panose="02020603050405020304" pitchFamily="18" charset="0"/>
-              </a:rPr>
-              <a:t>tượng</a:t>
-            </a:r>
-            <a:r>
-              <a:rPr lang="en-US" sz="2800" dirty="0">
-                <a:latin typeface="Times New Roman" panose="02020603050405020304" pitchFamily="18" charset="0"/>
-                <a:cs typeface="Times New Roman" panose="02020603050405020304" pitchFamily="18" charset="0"/>
-              </a:rPr>
-              <a:t> </a:t>
-            </a:r>
-            <a:r>
-              <a:rPr lang="en-US" sz="2800" dirty="0" err="1">
-                <a:latin typeface="Times New Roman" panose="02020603050405020304" pitchFamily="18" charset="0"/>
-                <a:cs typeface="Times New Roman" panose="02020603050405020304" pitchFamily="18" charset="0"/>
-              </a:rPr>
-              <a:t>gửi</a:t>
-            </a:r>
-            <a:r>
-              <a:rPr lang="en-US" sz="2800" dirty="0">
-                <a:latin typeface="Times New Roman" panose="02020603050405020304" pitchFamily="18" charset="0"/>
-                <a:cs typeface="Times New Roman" panose="02020603050405020304" pitchFamily="18" charset="0"/>
-              </a:rPr>
-              <a:t> </a:t>
-            </a:r>
-            <a:r>
-              <a:rPr lang="en-US" sz="2800" dirty="0" err="1">
-                <a:latin typeface="Times New Roman" panose="02020603050405020304" pitchFamily="18" charset="0"/>
-                <a:cs typeface="Times New Roman" panose="02020603050405020304" pitchFamily="18" charset="0"/>
-              </a:rPr>
-              <a:t>đến</a:t>
-            </a:r>
-            <a:r>
-              <a:rPr lang="en-US" sz="2800" dirty="0">
-                <a:latin typeface="Times New Roman" panose="02020603050405020304" pitchFamily="18" charset="0"/>
-                <a:cs typeface="Times New Roman" panose="02020603050405020304" pitchFamily="18" charset="0"/>
-              </a:rPr>
-              <a:t> </a:t>
-            </a:r>
-            <a:r>
-              <a:rPr lang="en-US" sz="2800" dirty="0" err="1">
-                <a:latin typeface="Times New Roman" panose="02020603050405020304" pitchFamily="18" charset="0"/>
-                <a:cs typeface="Times New Roman" panose="02020603050405020304" pitchFamily="18" charset="0"/>
-              </a:rPr>
-              <a:t>đối</a:t>
-            </a:r>
-            <a:r>
-              <a:rPr lang="en-US" sz="2800" dirty="0">
-                <a:latin typeface="Times New Roman" panose="02020603050405020304" pitchFamily="18" charset="0"/>
-                <a:cs typeface="Times New Roman" panose="02020603050405020304" pitchFamily="18" charset="0"/>
-              </a:rPr>
-              <a:t> </a:t>
-            </a:r>
-            <a:r>
-              <a:rPr lang="en-US" sz="2800" dirty="0" err="1">
-                <a:latin typeface="Times New Roman" panose="02020603050405020304" pitchFamily="18" charset="0"/>
-                <a:cs typeface="Times New Roman" panose="02020603050405020304" pitchFamily="18" charset="0"/>
-              </a:rPr>
-              <a:t>tượng</a:t>
-            </a:r>
-            <a:r>
-              <a:rPr lang="en-US" sz="2800" dirty="0">
-                <a:latin typeface="Times New Roman" panose="02020603050405020304" pitchFamily="18" charset="0"/>
-                <a:cs typeface="Times New Roman" panose="02020603050405020304" pitchFamily="18" charset="0"/>
-              </a:rPr>
-              <a:t> </a:t>
-            </a:r>
-            <a:r>
-              <a:rPr lang="en-US" sz="2800" dirty="0" err="1">
-                <a:latin typeface="Times New Roman" panose="02020603050405020304" pitchFamily="18" charset="0"/>
-                <a:cs typeface="Times New Roman" panose="02020603050405020304" pitchFamily="18" charset="0"/>
-              </a:rPr>
-              <a:t>nhận</a:t>
-            </a:r>
-            <a:r>
-              <a:rPr lang="en-US" sz="2800" dirty="0">
-                <a:latin typeface="Times New Roman" panose="02020603050405020304" pitchFamily="18" charset="0"/>
-                <a:cs typeface="Times New Roman" panose="02020603050405020304" pitchFamily="18" charset="0"/>
-              </a:rPr>
-              <a:t>.</a:t>
-            </a:r>
-          </a:p>
-          <a:p>
-            <a:pPr lvl="1">
-              <a:buFont typeface="Wingdings" panose="05000000000000000000" pitchFamily="2" charset="2"/>
-              <a:buChar char="ü"/>
-            </a:pPr>
-            <a:endParaRPr lang="en-US" dirty="0">
-              <a:latin typeface="Times New Roman" panose="02020603050405020304" pitchFamily="18" charset="0"/>
-              <a:cs typeface="Times New Roman" panose="02020603050405020304" pitchFamily="18" charset="0"/>
-            </a:endParaRPr>
-          </a:p>
-        </p:txBody>
-      </p:sp>
-      <p:pic>
-        <p:nvPicPr>
-          <p:cNvPr id="6" name="Content Placeholder 5" descr="Chart, diagram&#10;&#10;Description automatically generated">
-            <a:extLst>
-              <a:ext uri="{FF2B5EF4-FFF2-40B4-BE49-F238E27FC236}">
-                <a16:creationId xmlns:a16="http://schemas.microsoft.com/office/drawing/2014/main" id="{2C1ADE5E-FB33-4C05-BCD8-BB510690C7F6}"/>
-              </a:ext>
-            </a:extLst>
-          </p:cNvPr>
-          <p:cNvPicPr>
-            <a:picLocks noGrp="1" noChangeAspect="1"/>
-          </p:cNvPicPr>
-          <p:nvPr>
-            <p:ph sz="half" idx="2"/>
-          </p:nvPr>
-        </p:nvPicPr>
-        <p:blipFill>
-          <a:blip r:embed="rId2"/>
-          <a:stretch>
-            <a:fillRect/>
-          </a:stretch>
-        </p:blipFill>
-        <p:spPr>
-          <a:xfrm>
-            <a:off x="6643391" y="2444620"/>
-            <a:ext cx="5184742" cy="2633149"/>
-          </a:xfrm>
-        </p:spPr>
-      </p:pic>
-    </p:spTree>
-    <p:extLst>
-      <p:ext uri="{BB962C8B-B14F-4D97-AF65-F5344CB8AC3E}">
-        <p14:creationId xmlns:p14="http://schemas.microsoft.com/office/powerpoint/2010/main" val="484848535"/>
-      </p:ext>
-    </p:extLst>
-  </p:cSld>
-  <p:clrMapOvr>
-    <a:masterClrMapping/>
-  </p:clrMapOvr>
-</p:sld>
-</file>
-
-<file path=ppt/slides/slide17.xml><?xml version="1.0" encoding="utf-8"?>
 <p:sld xmlns:a="http://schemas.openxmlformats.org/drawingml/2006/main" xmlns:r="http://schemas.openxmlformats.org/officeDocument/2006/relationships" xmlns:p="http://schemas.openxmlformats.org/presentationml/2006/main">
   <p:cSld>
     <p:bg>
@@ -19452,10 +20529,165 @@
   <p:clrMapOvr>
     <a:masterClrMapping/>
   </p:clrMapOvr>
+  <p:timing>
+    <p:tnLst>
+      <p:par>
+        <p:cTn id="1" dur="indefinite" restart="never" nodeType="tmRoot">
+          <p:childTnLst>
+            <p:seq concurrent="1" nextAc="seek">
+              <p:cTn id="2" dur="indefinite" nodeType="mainSeq">
+                <p:childTnLst>
+                  <p:par>
+                    <p:cTn id="3" fill="hold">
+                      <p:stCondLst>
+                        <p:cond delay="indefinite"/>
+                      </p:stCondLst>
+                      <p:childTnLst>
+                        <p:par>
+                          <p:cTn id="4" fill="hold">
+                            <p:stCondLst>
+                              <p:cond delay="0"/>
+                            </p:stCondLst>
+                            <p:childTnLst>
+                              <p:par>
+                                <p:cTn id="5" presetID="31" presetClass="entr" presetSubtype="0" fill="hold" grpId="0" nodeType="clickEffect">
+                                  <p:stCondLst>
+                                    <p:cond delay="0"/>
+                                  </p:stCondLst>
+                                  <p:childTnLst>
+                                    <p:set>
+                                      <p:cBhvr>
+                                        <p:cTn id="6" dur="1" fill="hold">
+                                          <p:stCondLst>
+                                            <p:cond delay="0"/>
+                                          </p:stCondLst>
+                                        </p:cTn>
+                                        <p:tgtEl>
+                                          <p:spTgt spid="5"/>
+                                        </p:tgtEl>
+                                        <p:attrNameLst>
+                                          <p:attrName>style.visibility</p:attrName>
+                                        </p:attrNameLst>
+                                      </p:cBhvr>
+                                      <p:to>
+                                        <p:strVal val="visible"/>
+                                      </p:to>
+                                    </p:set>
+                                    <p:anim calcmode="lin" valueType="num">
+                                      <p:cBhvr>
+                                        <p:cTn id="7" dur="1000" fill="hold"/>
+                                        <p:tgtEl>
+                                          <p:spTgt spid="5"/>
+                                        </p:tgtEl>
+                                        <p:attrNameLst>
+                                          <p:attrName>ppt_w</p:attrName>
+                                        </p:attrNameLst>
+                                      </p:cBhvr>
+                                      <p:tavLst>
+                                        <p:tav tm="0">
+                                          <p:val>
+                                            <p:fltVal val="0"/>
+                                          </p:val>
+                                        </p:tav>
+                                        <p:tav tm="100000">
+                                          <p:val>
+                                            <p:strVal val="#ppt_w"/>
+                                          </p:val>
+                                        </p:tav>
+                                      </p:tavLst>
+                                    </p:anim>
+                                    <p:anim calcmode="lin" valueType="num">
+                                      <p:cBhvr>
+                                        <p:cTn id="8" dur="1000" fill="hold"/>
+                                        <p:tgtEl>
+                                          <p:spTgt spid="5"/>
+                                        </p:tgtEl>
+                                        <p:attrNameLst>
+                                          <p:attrName>ppt_h</p:attrName>
+                                        </p:attrNameLst>
+                                      </p:cBhvr>
+                                      <p:tavLst>
+                                        <p:tav tm="0">
+                                          <p:val>
+                                            <p:fltVal val="0"/>
+                                          </p:val>
+                                        </p:tav>
+                                        <p:tav tm="100000">
+                                          <p:val>
+                                            <p:strVal val="#ppt_h"/>
+                                          </p:val>
+                                        </p:tav>
+                                      </p:tavLst>
+                                    </p:anim>
+                                    <p:anim calcmode="lin" valueType="num">
+                                      <p:cBhvr>
+                                        <p:cTn id="9" dur="1000" fill="hold"/>
+                                        <p:tgtEl>
+                                          <p:spTgt spid="5"/>
+                                        </p:tgtEl>
+                                        <p:attrNameLst>
+                                          <p:attrName>style.rotation</p:attrName>
+                                        </p:attrNameLst>
+                                      </p:cBhvr>
+                                      <p:tavLst>
+                                        <p:tav tm="0">
+                                          <p:val>
+                                            <p:fltVal val="90"/>
+                                          </p:val>
+                                        </p:tav>
+                                        <p:tav tm="100000">
+                                          <p:val>
+                                            <p:fltVal val="0"/>
+                                          </p:val>
+                                        </p:tav>
+                                      </p:tavLst>
+                                    </p:anim>
+                                    <p:animEffect transition="in" filter="fade">
+                                      <p:cBhvr>
+                                        <p:cTn id="10" dur="1000"/>
+                                        <p:tgtEl>
+                                          <p:spTgt spid="5"/>
+                                        </p:tgtEl>
+                                      </p:cBhvr>
+                                    </p:animEffect>
+                                  </p:childTnLst>
+                                </p:cTn>
+                              </p:par>
+                            </p:childTnLst>
+                          </p:cTn>
+                        </p:par>
+                      </p:childTnLst>
+                    </p:cTn>
+                  </p:par>
+                </p:childTnLst>
+              </p:cTn>
+              <p:prevCondLst>
+                <p:cond evt="onPrev" delay="0">
+                  <p:tgtEl>
+                    <p:sldTgt/>
+                  </p:tgtEl>
+                </p:cond>
+              </p:prevCondLst>
+              <p:nextCondLst>
+                <p:cond evt="onNext" delay="0">
+                  <p:tgtEl>
+                    <p:sldTgt/>
+                  </p:tgtEl>
+                </p:cond>
+              </p:nextCondLst>
+            </p:seq>
+          </p:childTnLst>
+        </p:cTn>
+      </p:par>
+    </p:tnLst>
+    <p:bldLst>
+      <p:bldP spid="5" grpId="0"/>
+    </p:bldLst>
+  </p:timing>
 </p:sld>
 </file>
 
-<file path=ppt/slides/slide18.xml><?xml version="1.0" encoding="utf-8"?>
+<file path=ppt/slides/slide17.xml><?xml version="1.0" encoding="utf-8"?>
 <p:sld xmlns:a="http://schemas.openxmlformats.org/drawingml/2006/main" xmlns:r="http://schemas.openxmlformats.org/officeDocument/2006/relationships" xmlns:p="http://schemas.openxmlformats.org/presentationml/2006/main">
   <p:cSld>
     <p:spTree>
@@ -19823,7 +21055,7 @@
                 <a:latin typeface="Times New Roman" panose="02020603050405020304" pitchFamily="18" charset="0"/>
                 <a:cs typeface="Times New Roman" panose="02020603050405020304" pitchFamily="18" charset="0"/>
               </a:rPr>
-              <a:t>Dựa</a:t>
+              <a:t>Nhận</a:t>
             </a:r>
             <a:r>
               <a:rPr lang="en-US" sz="2400" dirty="0">
@@ -19837,21 +21069,21 @@
                 <a:latin typeface="Times New Roman" panose="02020603050405020304" pitchFamily="18" charset="0"/>
                 <a:cs typeface="Times New Roman" panose="02020603050405020304" pitchFamily="18" charset="0"/>
               </a:rPr>
-              <a:t>vào</a:t>
+              <a:t>biết</a:t>
             </a:r>
             <a:r>
               <a:rPr lang="en-US" sz="2400" dirty="0">
                 <a:latin typeface="Times New Roman" panose="02020603050405020304" pitchFamily="18" charset="0"/>
                 <a:cs typeface="Times New Roman" panose="02020603050405020304" pitchFamily="18" charset="0"/>
               </a:rPr>
-              <a:t> Activity Diagram </a:t>
+              <a:t> </a:t>
             </a:r>
             <a:r>
               <a:rPr lang="en-US" sz="2400" dirty="0" err="1">
                 <a:latin typeface="Times New Roman" panose="02020603050405020304" pitchFamily="18" charset="0"/>
                 <a:cs typeface="Times New Roman" panose="02020603050405020304" pitchFamily="18" charset="0"/>
               </a:rPr>
-              <a:t>để</a:t>
+              <a:t>các</a:t>
             </a:r>
             <a:r>
               <a:rPr lang="en-US" sz="2400" dirty="0">
@@ -19865,7 +21097,7 @@
                 <a:latin typeface="Times New Roman" panose="02020603050405020304" pitchFamily="18" charset="0"/>
                 <a:cs typeface="Times New Roman" panose="02020603050405020304" pitchFamily="18" charset="0"/>
               </a:rPr>
-              <a:t>xác</a:t>
+              <a:t>tác</a:t>
             </a:r>
             <a:r>
               <a:rPr lang="en-US" sz="2400" dirty="0">
@@ -19879,7 +21111,7 @@
                 <a:latin typeface="Times New Roman" panose="02020603050405020304" pitchFamily="18" charset="0"/>
                 <a:cs typeface="Times New Roman" panose="02020603050405020304" pitchFamily="18" charset="0"/>
               </a:rPr>
-              <a:t>định</a:t>
+              <a:t>nhân</a:t>
             </a:r>
             <a:r>
               <a:rPr lang="en-US" sz="2400" dirty="0">
@@ -19893,7 +21125,7 @@
                 <a:latin typeface="Times New Roman" panose="02020603050405020304" pitchFamily="18" charset="0"/>
                 <a:cs typeface="Times New Roman" panose="02020603050405020304" pitchFamily="18" charset="0"/>
               </a:rPr>
-              <a:t>các</a:t>
+              <a:t>và</a:t>
             </a:r>
             <a:r>
               <a:rPr lang="en-US" sz="2400" dirty="0">
@@ -19907,7 +21139,7 @@
                 <a:latin typeface="Times New Roman" panose="02020603050405020304" pitchFamily="18" charset="0"/>
                 <a:cs typeface="Times New Roman" panose="02020603050405020304" pitchFamily="18" charset="0"/>
               </a:rPr>
-              <a:t>bước</a:t>
+              <a:t>đối</a:t>
             </a:r>
             <a:r>
               <a:rPr lang="en-US" sz="2400" dirty="0">
@@ -19921,7 +21153,7 @@
                 <a:latin typeface="Times New Roman" panose="02020603050405020304" pitchFamily="18" charset="0"/>
                 <a:cs typeface="Times New Roman" panose="02020603050405020304" pitchFamily="18" charset="0"/>
               </a:rPr>
-              <a:t>thực</a:t>
+              <a:t>tượng</a:t>
             </a:r>
             <a:r>
               <a:rPr lang="en-US" sz="2400" dirty="0">
@@ -19935,7 +21167,7 @@
                 <a:latin typeface="Times New Roman" panose="02020603050405020304" pitchFamily="18" charset="0"/>
                 <a:cs typeface="Times New Roman" panose="02020603050405020304" pitchFamily="18" charset="0"/>
               </a:rPr>
-              <a:t>hiện</a:t>
+              <a:t>tham</a:t>
             </a:r>
             <a:r>
               <a:rPr lang="en-US" sz="2400" dirty="0">
@@ -19949,6 +21181,20 @@
                 <a:latin typeface="Times New Roman" panose="02020603050405020304" pitchFamily="18" charset="0"/>
                 <a:cs typeface="Times New Roman" panose="02020603050405020304" pitchFamily="18" charset="0"/>
               </a:rPr>
+              <a:t>gia</a:t>
+            </a:r>
+            <a:r>
+              <a:rPr lang="en-US" sz="2400" dirty="0">
+                <a:latin typeface="Times New Roman" panose="02020603050405020304" pitchFamily="18" charset="0"/>
+                <a:cs typeface="Times New Roman" panose="02020603050405020304" pitchFamily="18" charset="0"/>
+              </a:rPr>
+              <a:t> </a:t>
+            </a:r>
+            <a:r>
+              <a:rPr lang="en-US" sz="2400" dirty="0" err="1">
+                <a:latin typeface="Times New Roman" panose="02020603050405020304" pitchFamily="18" charset="0"/>
+                <a:cs typeface="Times New Roman" panose="02020603050405020304" pitchFamily="18" charset="0"/>
+              </a:rPr>
               <a:t>theo</a:t>
             </a:r>
             <a:r>
@@ -19963,7 +21209,7 @@
                 <a:latin typeface="Times New Roman" panose="02020603050405020304" pitchFamily="18" charset="0"/>
                 <a:cs typeface="Times New Roman" panose="02020603050405020304" pitchFamily="18" charset="0"/>
               </a:rPr>
-              <a:t>nghiệp</a:t>
+              <a:t>trình</a:t>
             </a:r>
             <a:r>
               <a:rPr lang="en-US" sz="2400" dirty="0">
@@ -19977,7 +21223,63 @@
                 <a:latin typeface="Times New Roman" panose="02020603050405020304" pitchFamily="18" charset="0"/>
                 <a:cs typeface="Times New Roman" panose="02020603050405020304" pitchFamily="18" charset="0"/>
               </a:rPr>
-              <a:t>vụ</a:t>
+              <a:t>tự</a:t>
+            </a:r>
+            <a:r>
+              <a:rPr lang="en-US" sz="2400" dirty="0">
+                <a:latin typeface="Times New Roman" panose="02020603050405020304" pitchFamily="18" charset="0"/>
+                <a:cs typeface="Times New Roman" panose="02020603050405020304" pitchFamily="18" charset="0"/>
+              </a:rPr>
+              <a:t> </a:t>
+            </a:r>
+            <a:r>
+              <a:rPr lang="en-US" sz="2400" dirty="0" err="1">
+                <a:latin typeface="Times New Roman" panose="02020603050405020304" pitchFamily="18" charset="0"/>
+                <a:cs typeface="Times New Roman" panose="02020603050405020304" pitchFamily="18" charset="0"/>
+              </a:rPr>
+              <a:t>được</a:t>
+            </a:r>
+            <a:r>
+              <a:rPr lang="en-US" sz="2400" dirty="0">
+                <a:latin typeface="Times New Roman" panose="02020603050405020304" pitchFamily="18" charset="0"/>
+                <a:cs typeface="Times New Roman" panose="02020603050405020304" pitchFamily="18" charset="0"/>
+              </a:rPr>
+              <a:t> </a:t>
+            </a:r>
+            <a:r>
+              <a:rPr lang="en-US" sz="2400" dirty="0" err="1">
+                <a:latin typeface="Times New Roman" panose="02020603050405020304" pitchFamily="18" charset="0"/>
+                <a:cs typeface="Times New Roman" panose="02020603050405020304" pitchFamily="18" charset="0"/>
+              </a:rPr>
+              <a:t>mô</a:t>
+            </a:r>
+            <a:r>
+              <a:rPr lang="en-US" sz="2400" dirty="0">
+                <a:latin typeface="Times New Roman" panose="02020603050405020304" pitchFamily="18" charset="0"/>
+                <a:cs typeface="Times New Roman" panose="02020603050405020304" pitchFamily="18" charset="0"/>
+              </a:rPr>
+              <a:t> </a:t>
+            </a:r>
+            <a:r>
+              <a:rPr lang="en-US" sz="2400" dirty="0" err="1">
+                <a:latin typeface="Times New Roman" panose="02020603050405020304" pitchFamily="18" charset="0"/>
+                <a:cs typeface="Times New Roman" panose="02020603050405020304" pitchFamily="18" charset="0"/>
+              </a:rPr>
+              <a:t>hình</a:t>
+            </a:r>
+            <a:r>
+              <a:rPr lang="en-US" sz="2400" dirty="0">
+                <a:latin typeface="Times New Roman" panose="02020603050405020304" pitchFamily="18" charset="0"/>
+                <a:cs typeface="Times New Roman" panose="02020603050405020304" pitchFamily="18" charset="0"/>
+              </a:rPr>
+              <a:t> </a:t>
+            </a:r>
+            <a:r>
+              <a:rPr lang="en-US" sz="2400" dirty="0" err="1">
+                <a:latin typeface="Times New Roman" panose="02020603050405020304" pitchFamily="18" charset="0"/>
+                <a:cs typeface="Times New Roman" panose="02020603050405020304" pitchFamily="18" charset="0"/>
+              </a:rPr>
+              <a:t>hóa</a:t>
             </a:r>
             <a:r>
               <a:rPr lang="en-US" sz="2400" dirty="0">
@@ -20011,7 +21313,7 @@
                 <a:latin typeface="Times New Roman" panose="02020603050405020304" pitchFamily="18" charset="0"/>
                 <a:cs typeface="Times New Roman" panose="02020603050405020304" pitchFamily="18" charset="0"/>
               </a:rPr>
-              <a:t>Đối</a:t>
+              <a:t>Tạo</a:t>
             </a:r>
             <a:r>
               <a:rPr lang="en-US" sz="2400" dirty="0">
@@ -20025,35 +21327,35 @@
                 <a:latin typeface="Times New Roman" panose="02020603050405020304" pitchFamily="18" charset="0"/>
                 <a:cs typeface="Times New Roman" panose="02020603050405020304" pitchFamily="18" charset="0"/>
               </a:rPr>
-              <a:t>chiếu</a:t>
+              <a:t>LifeLines</a:t>
             </a:r>
             <a:r>
               <a:rPr lang="en-US" sz="2400" dirty="0">
                 <a:latin typeface="Times New Roman" panose="02020603050405020304" pitchFamily="18" charset="0"/>
                 <a:cs typeface="Times New Roman" panose="02020603050405020304" pitchFamily="18" charset="0"/>
               </a:rPr>
-              <a:t> </a:t>
+              <a:t> (</a:t>
             </a:r>
             <a:r>
               <a:rPr lang="en-US" sz="2400" dirty="0" err="1">
                 <a:latin typeface="Times New Roman" panose="02020603050405020304" pitchFamily="18" charset="0"/>
                 <a:cs typeface="Times New Roman" panose="02020603050405020304" pitchFamily="18" charset="0"/>
               </a:rPr>
-              <a:t>với</a:t>
+              <a:t>đường</a:t>
             </a:r>
             <a:r>
               <a:rPr lang="en-US" sz="2400" dirty="0">
                 <a:latin typeface="Times New Roman" panose="02020603050405020304" pitchFamily="18" charset="0"/>
                 <a:cs typeface="Times New Roman" panose="02020603050405020304" pitchFamily="18" charset="0"/>
               </a:rPr>
-              <a:t> Class Diagram </a:t>
+              <a:t> </a:t>
             </a:r>
             <a:r>
               <a:rPr lang="en-US" sz="2400" dirty="0" err="1">
                 <a:latin typeface="Times New Roman" panose="02020603050405020304" pitchFamily="18" charset="0"/>
                 <a:cs typeface="Times New Roman" panose="02020603050405020304" pitchFamily="18" charset="0"/>
               </a:rPr>
-              <a:t>để</a:t>
+              <a:t>sinh</a:t>
             </a:r>
             <a:r>
               <a:rPr lang="en-US" sz="2400" dirty="0">
@@ -20067,21 +21369,21 @@
                 <a:latin typeface="Times New Roman" panose="02020603050405020304" pitchFamily="18" charset="0"/>
                 <a:cs typeface="Times New Roman" panose="02020603050405020304" pitchFamily="18" charset="0"/>
               </a:rPr>
-              <a:t>xác</a:t>
+              <a:t>tồn</a:t>
             </a:r>
             <a:r>
               <a:rPr lang="en-US" sz="2400" dirty="0">
                 <a:latin typeface="Times New Roman" panose="02020603050405020304" pitchFamily="18" charset="0"/>
                 <a:cs typeface="Times New Roman" panose="02020603050405020304" pitchFamily="18" charset="0"/>
               </a:rPr>
-              <a:t> </a:t>
+              <a:t>) </a:t>
             </a:r>
             <a:r>
               <a:rPr lang="en-US" sz="2400" dirty="0" err="1">
                 <a:latin typeface="Times New Roman" panose="02020603050405020304" pitchFamily="18" charset="0"/>
                 <a:cs typeface="Times New Roman" panose="02020603050405020304" pitchFamily="18" charset="0"/>
               </a:rPr>
-              <a:t>định</a:t>
+              <a:t>cho</a:t>
             </a:r>
             <a:r>
               <a:rPr lang="en-US" sz="2400" dirty="0">
@@ -20095,7 +21397,7 @@
                 <a:latin typeface="Times New Roman" panose="02020603050405020304" pitchFamily="18" charset="0"/>
                 <a:cs typeface="Times New Roman" panose="02020603050405020304" pitchFamily="18" charset="0"/>
               </a:rPr>
-              <a:t>lớp</a:t>
+              <a:t>mỗi</a:t>
             </a:r>
             <a:r>
               <a:rPr lang="en-US" sz="2400" dirty="0">
@@ -20109,7 +21411,7 @@
                 <a:latin typeface="Times New Roman" panose="02020603050405020304" pitchFamily="18" charset="0"/>
                 <a:cs typeface="Times New Roman" panose="02020603050405020304" pitchFamily="18" charset="0"/>
               </a:rPr>
-              <a:t>trong</a:t>
+              <a:t>đối</a:t>
             </a:r>
             <a:r>
               <a:rPr lang="en-US" sz="2400" dirty="0">
@@ -20123,91 +21425,7 @@
                 <a:latin typeface="Times New Roman" panose="02020603050405020304" pitchFamily="18" charset="0"/>
                 <a:cs typeface="Times New Roman" panose="02020603050405020304" pitchFamily="18" charset="0"/>
               </a:rPr>
-              <a:t>hệ</a:t>
-            </a:r>
-            <a:r>
-              <a:rPr lang="en-US" sz="2400" dirty="0">
-                <a:latin typeface="Times New Roman" panose="02020603050405020304" pitchFamily="18" charset="0"/>
-                <a:cs typeface="Times New Roman" panose="02020603050405020304" pitchFamily="18" charset="0"/>
-              </a:rPr>
-              <a:t> </a:t>
-            </a:r>
-            <a:r>
-              <a:rPr lang="en-US" sz="2400" dirty="0" err="1">
-                <a:latin typeface="Times New Roman" panose="02020603050405020304" pitchFamily="18" charset="0"/>
-                <a:cs typeface="Times New Roman" panose="02020603050405020304" pitchFamily="18" charset="0"/>
-              </a:rPr>
-              <a:t>thống</a:t>
-            </a:r>
-            <a:r>
-              <a:rPr lang="en-US" sz="2400" dirty="0">
-                <a:latin typeface="Times New Roman" panose="02020603050405020304" pitchFamily="18" charset="0"/>
-                <a:cs typeface="Times New Roman" panose="02020603050405020304" pitchFamily="18" charset="0"/>
-              </a:rPr>
-              <a:t> </a:t>
-            </a:r>
-            <a:r>
-              <a:rPr lang="en-US" sz="2400" dirty="0" err="1">
-                <a:latin typeface="Times New Roman" panose="02020603050405020304" pitchFamily="18" charset="0"/>
-                <a:cs typeface="Times New Roman" panose="02020603050405020304" pitchFamily="18" charset="0"/>
-              </a:rPr>
-              <a:t>tham</a:t>
-            </a:r>
-            <a:r>
-              <a:rPr lang="en-US" sz="2400" dirty="0">
-                <a:latin typeface="Times New Roman" panose="02020603050405020304" pitchFamily="18" charset="0"/>
-                <a:cs typeface="Times New Roman" panose="02020603050405020304" pitchFamily="18" charset="0"/>
-              </a:rPr>
-              <a:t> </a:t>
-            </a:r>
-            <a:r>
-              <a:rPr lang="en-US" sz="2400" dirty="0" err="1">
-                <a:latin typeface="Times New Roman" panose="02020603050405020304" pitchFamily="18" charset="0"/>
-                <a:cs typeface="Times New Roman" panose="02020603050405020304" pitchFamily="18" charset="0"/>
-              </a:rPr>
-              <a:t>gia</a:t>
-            </a:r>
-            <a:r>
-              <a:rPr lang="en-US" sz="2400" dirty="0">
-                <a:latin typeface="Times New Roman" panose="02020603050405020304" pitchFamily="18" charset="0"/>
-                <a:cs typeface="Times New Roman" panose="02020603050405020304" pitchFamily="18" charset="0"/>
-              </a:rPr>
-              <a:t> </a:t>
-            </a:r>
-            <a:r>
-              <a:rPr lang="en-US" sz="2400" dirty="0" err="1">
-                <a:latin typeface="Times New Roman" panose="02020603050405020304" pitchFamily="18" charset="0"/>
-                <a:cs typeface="Times New Roman" panose="02020603050405020304" pitchFamily="18" charset="0"/>
-              </a:rPr>
-              <a:t>vào</a:t>
-            </a:r>
-            <a:r>
-              <a:rPr lang="en-US" sz="2400" dirty="0">
-                <a:latin typeface="Times New Roman" panose="02020603050405020304" pitchFamily="18" charset="0"/>
-                <a:cs typeface="Times New Roman" panose="02020603050405020304" pitchFamily="18" charset="0"/>
-              </a:rPr>
-              <a:t> </a:t>
-            </a:r>
-            <a:r>
-              <a:rPr lang="en-US" sz="2400" dirty="0" err="1">
-                <a:latin typeface="Times New Roman" panose="02020603050405020304" pitchFamily="18" charset="0"/>
-                <a:cs typeface="Times New Roman" panose="02020603050405020304" pitchFamily="18" charset="0"/>
-              </a:rPr>
-              <a:t>nghiệp</a:t>
-            </a:r>
-            <a:r>
-              <a:rPr lang="en-US" sz="2400" dirty="0">
-                <a:latin typeface="Times New Roman" panose="02020603050405020304" pitchFamily="18" charset="0"/>
-                <a:cs typeface="Times New Roman" panose="02020603050405020304" pitchFamily="18" charset="0"/>
-              </a:rPr>
-              <a:t> </a:t>
-            </a:r>
-            <a:r>
-              <a:rPr lang="en-US" sz="2400" dirty="0" err="1">
-                <a:latin typeface="Times New Roman" panose="02020603050405020304" pitchFamily="18" charset="0"/>
-                <a:cs typeface="Times New Roman" panose="02020603050405020304" pitchFamily="18" charset="0"/>
-              </a:rPr>
-              <a:t>vụ</a:t>
+              <a:t>tượng</a:t>
             </a:r>
             <a:r>
               <a:rPr lang="en-US" sz="2400" dirty="0">
@@ -20304,7 +21522,615 @@
                 <a:latin typeface="Times New Roman" panose="02020603050405020304" pitchFamily="18" charset="0"/>
                 <a:cs typeface="Times New Roman" panose="02020603050405020304" pitchFamily="18" charset="0"/>
               </a:rPr>
-              <a:t>).</a:t>
+              <a:t>) </a:t>
+            </a:r>
+            <a:r>
+              <a:rPr lang="en-US" sz="2400" dirty="0" err="1">
+                <a:latin typeface="Times New Roman" panose="02020603050405020304" pitchFamily="18" charset="0"/>
+                <a:cs typeface="Times New Roman" panose="02020603050405020304" pitchFamily="18" charset="0"/>
+              </a:rPr>
+              <a:t>bằng</a:t>
+            </a:r>
+            <a:r>
+              <a:rPr lang="en-US" sz="2400" dirty="0">
+                <a:latin typeface="Times New Roman" panose="02020603050405020304" pitchFamily="18" charset="0"/>
+                <a:cs typeface="Times New Roman" panose="02020603050405020304" pitchFamily="18" charset="0"/>
+              </a:rPr>
+              <a:t> </a:t>
+            </a:r>
+            <a:r>
+              <a:rPr lang="en-US" sz="2400" dirty="0" err="1">
+                <a:latin typeface="Times New Roman" panose="02020603050405020304" pitchFamily="18" charset="0"/>
+                <a:cs typeface="Times New Roman" panose="02020603050405020304" pitchFamily="18" charset="0"/>
+              </a:rPr>
+              <a:t>các</a:t>
+            </a:r>
+            <a:r>
+              <a:rPr lang="en-US" sz="2400" dirty="0">
+                <a:latin typeface="Times New Roman" panose="02020603050405020304" pitchFamily="18" charset="0"/>
+                <a:cs typeface="Times New Roman" panose="02020603050405020304" pitchFamily="18" charset="0"/>
+              </a:rPr>
+              <a:t> </a:t>
+            </a:r>
+            <a:r>
+              <a:rPr lang="en-US" sz="2400" dirty="0" err="1">
+                <a:latin typeface="Times New Roman" panose="02020603050405020304" pitchFamily="18" charset="0"/>
+                <a:cs typeface="Times New Roman" panose="02020603050405020304" pitchFamily="18" charset="0"/>
+              </a:rPr>
+              <a:t>ký</a:t>
+            </a:r>
+            <a:r>
+              <a:rPr lang="en-US" sz="2400" dirty="0">
+                <a:latin typeface="Times New Roman" panose="02020603050405020304" pitchFamily="18" charset="0"/>
+                <a:cs typeface="Times New Roman" panose="02020603050405020304" pitchFamily="18" charset="0"/>
+              </a:rPr>
+              <a:t> </a:t>
+            </a:r>
+            <a:r>
+              <a:rPr lang="en-US" sz="2400" dirty="0" err="1">
+                <a:latin typeface="Times New Roman" panose="02020603050405020304" pitchFamily="18" charset="0"/>
+                <a:cs typeface="Times New Roman" panose="02020603050405020304" pitchFamily="18" charset="0"/>
+              </a:rPr>
+              <a:t>hiệu</a:t>
+            </a:r>
+            <a:r>
+              <a:rPr lang="en-US" sz="2400" dirty="0">
+                <a:latin typeface="Times New Roman" panose="02020603050405020304" pitchFamily="18" charset="0"/>
+                <a:cs typeface="Times New Roman" panose="02020603050405020304" pitchFamily="18" charset="0"/>
+              </a:rPr>
+              <a:t>, </a:t>
+            </a:r>
+            <a:r>
+              <a:rPr lang="en-US" sz="2400" dirty="0" err="1">
+                <a:latin typeface="Times New Roman" panose="02020603050405020304" pitchFamily="18" charset="0"/>
+                <a:cs typeface="Times New Roman" panose="02020603050405020304" pitchFamily="18" charset="0"/>
+              </a:rPr>
+              <a:t>mũi</a:t>
+            </a:r>
+            <a:r>
+              <a:rPr lang="en-US" sz="2400" dirty="0">
+                <a:latin typeface="Times New Roman" panose="02020603050405020304" pitchFamily="18" charset="0"/>
+                <a:cs typeface="Times New Roman" panose="02020603050405020304" pitchFamily="18" charset="0"/>
+              </a:rPr>
+              <a:t> </a:t>
+            </a:r>
+            <a:r>
+              <a:rPr lang="en-US" sz="2400" dirty="0" err="1">
+                <a:latin typeface="Times New Roman" panose="02020603050405020304" pitchFamily="18" charset="0"/>
+                <a:cs typeface="Times New Roman" panose="02020603050405020304" pitchFamily="18" charset="0"/>
+              </a:rPr>
+              <a:t>tên</a:t>
+            </a:r>
+            <a:r>
+              <a:rPr lang="en-US" sz="2400" dirty="0">
+                <a:latin typeface="Times New Roman" panose="02020603050405020304" pitchFamily="18" charset="0"/>
+                <a:cs typeface="Times New Roman" panose="02020603050405020304" pitchFamily="18" charset="0"/>
+              </a:rPr>
+              <a:t> </a:t>
+            </a:r>
+            <a:r>
+              <a:rPr lang="en-US" sz="2400" dirty="0" err="1">
+                <a:latin typeface="Times New Roman" panose="02020603050405020304" pitchFamily="18" charset="0"/>
+                <a:cs typeface="Times New Roman" panose="02020603050405020304" pitchFamily="18" charset="0"/>
+              </a:rPr>
+              <a:t>biểu</a:t>
+            </a:r>
+            <a:r>
+              <a:rPr lang="en-US" sz="2400" dirty="0">
+                <a:latin typeface="Times New Roman" panose="02020603050405020304" pitchFamily="18" charset="0"/>
+                <a:cs typeface="Times New Roman" panose="02020603050405020304" pitchFamily="18" charset="0"/>
+              </a:rPr>
+              <a:t> </a:t>
+            </a:r>
+            <a:r>
+              <a:rPr lang="en-US" sz="2400" dirty="0" err="1">
+                <a:latin typeface="Times New Roman" panose="02020603050405020304" pitchFamily="18" charset="0"/>
+                <a:cs typeface="Times New Roman" panose="02020603050405020304" pitchFamily="18" charset="0"/>
+              </a:rPr>
+              <a:t>diễn</a:t>
+            </a:r>
+            <a:r>
+              <a:rPr lang="en-US" sz="2400" dirty="0">
+                <a:latin typeface="Times New Roman" panose="02020603050405020304" pitchFamily="18" charset="0"/>
+                <a:cs typeface="Times New Roman" panose="02020603050405020304" pitchFamily="18" charset="0"/>
+              </a:rPr>
+              <a:t>, </a:t>
+            </a:r>
+            <a:r>
+              <a:rPr lang="en-US" sz="2400" dirty="0" err="1">
+                <a:latin typeface="Times New Roman" panose="02020603050405020304" pitchFamily="18" charset="0"/>
+                <a:cs typeface="Times New Roman" panose="02020603050405020304" pitchFamily="18" charset="0"/>
+              </a:rPr>
+              <a:t>hướng</a:t>
+            </a:r>
+            <a:r>
+              <a:rPr lang="en-US" sz="2400" dirty="0">
+                <a:latin typeface="Times New Roman" panose="02020603050405020304" pitchFamily="18" charset="0"/>
+                <a:cs typeface="Times New Roman" panose="02020603050405020304" pitchFamily="18" charset="0"/>
+              </a:rPr>
+              <a:t> </a:t>
+            </a:r>
+            <a:r>
+              <a:rPr lang="en-US" sz="2400" dirty="0" err="1">
+                <a:latin typeface="Times New Roman" panose="02020603050405020304" pitchFamily="18" charset="0"/>
+                <a:cs typeface="Times New Roman" panose="02020603050405020304" pitchFamily="18" charset="0"/>
+              </a:rPr>
+              <a:t>từ</a:t>
+            </a:r>
+            <a:r>
+              <a:rPr lang="en-US" sz="2400" dirty="0">
+                <a:latin typeface="Times New Roman" panose="02020603050405020304" pitchFamily="18" charset="0"/>
+                <a:cs typeface="Times New Roman" panose="02020603050405020304" pitchFamily="18" charset="0"/>
+              </a:rPr>
+              <a:t> </a:t>
+            </a:r>
+            <a:r>
+              <a:rPr lang="en-US" sz="2400" dirty="0" err="1">
+                <a:latin typeface="Times New Roman" panose="02020603050405020304" pitchFamily="18" charset="0"/>
+                <a:cs typeface="Times New Roman" panose="02020603050405020304" pitchFamily="18" charset="0"/>
+              </a:rPr>
+              <a:t>đối</a:t>
+            </a:r>
+            <a:r>
+              <a:rPr lang="en-US" sz="2400" dirty="0">
+                <a:latin typeface="Times New Roman" panose="02020603050405020304" pitchFamily="18" charset="0"/>
+                <a:cs typeface="Times New Roman" panose="02020603050405020304" pitchFamily="18" charset="0"/>
+              </a:rPr>
+              <a:t> </a:t>
+            </a:r>
+            <a:r>
+              <a:rPr lang="en-US" sz="2400" dirty="0" err="1">
+                <a:latin typeface="Times New Roman" panose="02020603050405020304" pitchFamily="18" charset="0"/>
+                <a:cs typeface="Times New Roman" panose="02020603050405020304" pitchFamily="18" charset="0"/>
+              </a:rPr>
+              <a:t>tượng</a:t>
+            </a:r>
+            <a:r>
+              <a:rPr lang="en-US" sz="2400" dirty="0">
+                <a:latin typeface="Times New Roman" panose="02020603050405020304" pitchFamily="18" charset="0"/>
+                <a:cs typeface="Times New Roman" panose="02020603050405020304" pitchFamily="18" charset="0"/>
+              </a:rPr>
+              <a:t> </a:t>
+            </a:r>
+            <a:r>
+              <a:rPr lang="en-US" sz="2400" dirty="0" err="1">
+                <a:latin typeface="Times New Roman" panose="02020603050405020304" pitchFamily="18" charset="0"/>
+                <a:cs typeface="Times New Roman" panose="02020603050405020304" pitchFamily="18" charset="0"/>
+              </a:rPr>
+              <a:t>này</a:t>
+            </a:r>
+            <a:r>
+              <a:rPr lang="en-US" sz="2400" dirty="0">
+                <a:latin typeface="Times New Roman" panose="02020603050405020304" pitchFamily="18" charset="0"/>
+                <a:cs typeface="Times New Roman" panose="02020603050405020304" pitchFamily="18" charset="0"/>
+              </a:rPr>
+              <a:t> </a:t>
+            </a:r>
+            <a:r>
+              <a:rPr lang="en-US" sz="2400" dirty="0" err="1">
+                <a:latin typeface="Times New Roman" panose="02020603050405020304" pitchFamily="18" charset="0"/>
+                <a:cs typeface="Times New Roman" panose="02020603050405020304" pitchFamily="18" charset="0"/>
+              </a:rPr>
+              <a:t>đến</a:t>
+            </a:r>
+            <a:r>
+              <a:rPr lang="en-US" sz="2400" dirty="0">
+                <a:latin typeface="Times New Roman" panose="02020603050405020304" pitchFamily="18" charset="0"/>
+                <a:cs typeface="Times New Roman" panose="02020603050405020304" pitchFamily="18" charset="0"/>
+              </a:rPr>
+              <a:t> </a:t>
+            </a:r>
+            <a:r>
+              <a:rPr lang="en-US" sz="2400" dirty="0" err="1">
+                <a:latin typeface="Times New Roman" panose="02020603050405020304" pitchFamily="18" charset="0"/>
+                <a:cs typeface="Times New Roman" panose="02020603050405020304" pitchFamily="18" charset="0"/>
+              </a:rPr>
+              <a:t>đối</a:t>
+            </a:r>
+            <a:r>
+              <a:rPr lang="en-US" sz="2400" dirty="0">
+                <a:latin typeface="Times New Roman" panose="02020603050405020304" pitchFamily="18" charset="0"/>
+                <a:cs typeface="Times New Roman" panose="02020603050405020304" pitchFamily="18" charset="0"/>
+              </a:rPr>
+              <a:t> </a:t>
+            </a:r>
+            <a:r>
+              <a:rPr lang="en-US" sz="2400" dirty="0" err="1">
+                <a:latin typeface="Times New Roman" panose="02020603050405020304" pitchFamily="18" charset="0"/>
+                <a:cs typeface="Times New Roman" panose="02020603050405020304" pitchFamily="18" charset="0"/>
+              </a:rPr>
+              <a:t>tượng</a:t>
+            </a:r>
+            <a:r>
+              <a:rPr lang="en-US" sz="2400" dirty="0">
+                <a:latin typeface="Times New Roman" panose="02020603050405020304" pitchFamily="18" charset="0"/>
+                <a:cs typeface="Times New Roman" panose="02020603050405020304" pitchFamily="18" charset="0"/>
+              </a:rPr>
+              <a:t> </a:t>
+            </a:r>
+            <a:r>
+              <a:rPr lang="en-US" sz="2400" dirty="0" err="1">
+                <a:latin typeface="Times New Roman" panose="02020603050405020304" pitchFamily="18" charset="0"/>
+                <a:cs typeface="Times New Roman" panose="02020603050405020304" pitchFamily="18" charset="0"/>
+              </a:rPr>
+              <a:t>khác</a:t>
+            </a:r>
+            <a:r>
+              <a:rPr lang="en-US" sz="2400" dirty="0">
+                <a:latin typeface="Times New Roman" panose="02020603050405020304" pitchFamily="18" charset="0"/>
+                <a:cs typeface="Times New Roman" panose="02020603050405020304" pitchFamily="18" charset="0"/>
+              </a:rPr>
+              <a:t>.</a:t>
+            </a:r>
+          </a:p>
+          <a:p>
+            <a:pPr lvl="1">
+              <a:buFont typeface="Wingdings" panose="05000000000000000000" pitchFamily="2" charset="2"/>
+              <a:buChar char="ü"/>
+            </a:pPr>
+            <a:r>
+              <a:rPr lang="en-US" sz="2400" dirty="0" err="1">
+                <a:latin typeface="Times New Roman" panose="02020603050405020304" pitchFamily="18" charset="0"/>
+                <a:cs typeface="Times New Roman" panose="02020603050405020304" pitchFamily="18" charset="0"/>
+              </a:rPr>
+              <a:t>Bước</a:t>
+            </a:r>
+            <a:r>
+              <a:rPr lang="en-US" sz="2400" dirty="0">
+                <a:latin typeface="Times New Roman" panose="02020603050405020304" pitchFamily="18" charset="0"/>
+                <a:cs typeface="Times New Roman" panose="02020603050405020304" pitchFamily="18" charset="0"/>
+              </a:rPr>
+              <a:t> 5: </a:t>
+            </a:r>
+            <a:r>
+              <a:rPr lang="en-US" sz="2400" dirty="0" err="1">
+                <a:latin typeface="Times New Roman" panose="02020603050405020304" pitchFamily="18" charset="0"/>
+                <a:cs typeface="Times New Roman" panose="02020603050405020304" pitchFamily="18" charset="0"/>
+              </a:rPr>
+              <a:t>Đặt</a:t>
+            </a:r>
+            <a:r>
+              <a:rPr lang="en-US" sz="2400" dirty="0">
+                <a:latin typeface="Times New Roman" panose="02020603050405020304" pitchFamily="18" charset="0"/>
+                <a:cs typeface="Times New Roman" panose="02020603050405020304" pitchFamily="18" charset="0"/>
+              </a:rPr>
+              <a:t> </a:t>
+            </a:r>
+            <a:r>
+              <a:rPr lang="en-US" sz="2400" dirty="0" err="1">
+                <a:latin typeface="Times New Roman" panose="02020603050405020304" pitchFamily="18" charset="0"/>
+                <a:cs typeface="Times New Roman" panose="02020603050405020304" pitchFamily="18" charset="0"/>
+              </a:rPr>
+              <a:t>các</a:t>
+            </a:r>
+            <a:r>
+              <a:rPr lang="en-US" sz="2400" dirty="0">
+                <a:latin typeface="Times New Roman" panose="02020603050405020304" pitchFamily="18" charset="0"/>
+                <a:cs typeface="Times New Roman" panose="02020603050405020304" pitchFamily="18" charset="0"/>
+              </a:rPr>
+              <a:t> </a:t>
+            </a:r>
+            <a:r>
+              <a:rPr lang="en-US" sz="2400" dirty="0" err="1">
+                <a:latin typeface="Times New Roman" panose="02020603050405020304" pitchFamily="18" charset="0"/>
+                <a:cs typeface="Times New Roman" panose="02020603050405020304" pitchFamily="18" charset="0"/>
+              </a:rPr>
+              <a:t>đường</a:t>
+            </a:r>
+            <a:r>
+              <a:rPr lang="en-US" sz="2400" dirty="0">
+                <a:latin typeface="Times New Roman" panose="02020603050405020304" pitchFamily="18" charset="0"/>
+                <a:cs typeface="Times New Roman" panose="02020603050405020304" pitchFamily="18" charset="0"/>
+              </a:rPr>
+              <a:t> </a:t>
+            </a:r>
+            <a:r>
+              <a:rPr lang="en-US" sz="2400" dirty="0" err="1">
+                <a:latin typeface="Times New Roman" panose="02020603050405020304" pitchFamily="18" charset="0"/>
+                <a:cs typeface="Times New Roman" panose="02020603050405020304" pitchFamily="18" charset="0"/>
+              </a:rPr>
+              <a:t>thực</a:t>
+            </a:r>
+            <a:r>
+              <a:rPr lang="en-US" sz="2400" dirty="0">
+                <a:latin typeface="Times New Roman" panose="02020603050405020304" pitchFamily="18" charset="0"/>
+                <a:cs typeface="Times New Roman" panose="02020603050405020304" pitchFamily="18" charset="0"/>
+              </a:rPr>
+              <a:t> </a:t>
+            </a:r>
+            <a:r>
+              <a:rPr lang="en-US" sz="2400" dirty="0" err="1">
+                <a:latin typeface="Times New Roman" panose="02020603050405020304" pitchFamily="18" charset="0"/>
+                <a:cs typeface="Times New Roman" panose="02020603050405020304" pitchFamily="18" charset="0"/>
+              </a:rPr>
+              <a:t>thi</a:t>
+            </a:r>
+            <a:r>
+              <a:rPr lang="en-US" sz="2400" dirty="0">
+                <a:latin typeface="Times New Roman" panose="02020603050405020304" pitchFamily="18" charset="0"/>
+                <a:cs typeface="Times New Roman" panose="02020603050405020304" pitchFamily="18" charset="0"/>
+              </a:rPr>
+              <a:t> </a:t>
+            </a:r>
+            <a:r>
+              <a:rPr lang="en-US" sz="2400" dirty="0" err="1">
+                <a:latin typeface="Times New Roman" panose="02020603050405020304" pitchFamily="18" charset="0"/>
+                <a:cs typeface="Times New Roman" panose="02020603050405020304" pitchFamily="18" charset="0"/>
+              </a:rPr>
+              <a:t>nằm</a:t>
+            </a:r>
+            <a:r>
+              <a:rPr lang="en-US" sz="2400" dirty="0">
+                <a:latin typeface="Times New Roman" panose="02020603050405020304" pitchFamily="18" charset="0"/>
+                <a:cs typeface="Times New Roman" panose="02020603050405020304" pitchFamily="18" charset="0"/>
+              </a:rPr>
+              <a:t> </a:t>
+            </a:r>
+            <a:r>
+              <a:rPr lang="en-US" sz="2400" dirty="0" err="1">
+                <a:latin typeface="Times New Roman" panose="02020603050405020304" pitchFamily="18" charset="0"/>
+                <a:cs typeface="Times New Roman" panose="02020603050405020304" pitchFamily="18" charset="0"/>
+              </a:rPr>
+              <a:t>chồng</a:t>
+            </a:r>
+            <a:r>
+              <a:rPr lang="en-US" sz="2400" dirty="0">
+                <a:latin typeface="Times New Roman" panose="02020603050405020304" pitchFamily="18" charset="0"/>
+                <a:cs typeface="Times New Roman" panose="02020603050405020304" pitchFamily="18" charset="0"/>
+              </a:rPr>
+              <a:t> </a:t>
+            </a:r>
+            <a:r>
+              <a:rPr lang="en-US" sz="2400" dirty="0" err="1">
+                <a:latin typeface="Times New Roman" panose="02020603050405020304" pitchFamily="18" charset="0"/>
+                <a:cs typeface="Times New Roman" panose="02020603050405020304" pitchFamily="18" charset="0"/>
+              </a:rPr>
+              <a:t>lên</a:t>
+            </a:r>
+            <a:r>
+              <a:rPr lang="en-US" sz="2400" dirty="0">
+                <a:latin typeface="Times New Roman" panose="02020603050405020304" pitchFamily="18" charset="0"/>
+                <a:cs typeface="Times New Roman" panose="02020603050405020304" pitchFamily="18" charset="0"/>
+              </a:rPr>
+              <a:t> </a:t>
+            </a:r>
+            <a:r>
+              <a:rPr lang="en-US" sz="2400" dirty="0" err="1">
+                <a:latin typeface="Times New Roman" panose="02020603050405020304" pitchFamily="18" charset="0"/>
+                <a:cs typeface="Times New Roman" panose="02020603050405020304" pitchFamily="18" charset="0"/>
+              </a:rPr>
+              <a:t>đường</a:t>
+            </a:r>
+            <a:r>
+              <a:rPr lang="en-US" sz="2400" dirty="0">
+                <a:latin typeface="Times New Roman" panose="02020603050405020304" pitchFamily="18" charset="0"/>
+                <a:cs typeface="Times New Roman" panose="02020603050405020304" pitchFamily="18" charset="0"/>
+              </a:rPr>
+              <a:t> </a:t>
+            </a:r>
+            <a:r>
+              <a:rPr lang="en-US" sz="2400" dirty="0" err="1">
+                <a:latin typeface="Times New Roman" panose="02020603050405020304" pitchFamily="18" charset="0"/>
+                <a:cs typeface="Times New Roman" panose="02020603050405020304" pitchFamily="18" charset="0"/>
+              </a:rPr>
+              <a:t>sinh</a:t>
+            </a:r>
+            <a:r>
+              <a:rPr lang="en-US" sz="2400" dirty="0">
+                <a:latin typeface="Times New Roman" panose="02020603050405020304" pitchFamily="18" charset="0"/>
+                <a:cs typeface="Times New Roman" panose="02020603050405020304" pitchFamily="18" charset="0"/>
+              </a:rPr>
+              <a:t> </a:t>
+            </a:r>
+            <a:r>
+              <a:rPr lang="en-US" sz="2400" dirty="0" err="1">
+                <a:latin typeface="Times New Roman" panose="02020603050405020304" pitchFamily="18" charset="0"/>
+                <a:cs typeface="Times New Roman" panose="02020603050405020304" pitchFamily="18" charset="0"/>
+              </a:rPr>
+              <a:t>tồn</a:t>
+            </a:r>
+            <a:r>
+              <a:rPr lang="en-US" sz="2400" dirty="0">
+                <a:latin typeface="Times New Roman" panose="02020603050405020304" pitchFamily="18" charset="0"/>
+                <a:cs typeface="Times New Roman" panose="02020603050405020304" pitchFamily="18" charset="0"/>
+              </a:rPr>
+              <a:t> </a:t>
+            </a:r>
+            <a:r>
+              <a:rPr lang="en-US" sz="2400" dirty="0" err="1">
+                <a:latin typeface="Times New Roman" panose="02020603050405020304" pitchFamily="18" charset="0"/>
+                <a:cs typeface="Times New Roman" panose="02020603050405020304" pitchFamily="18" charset="0"/>
+              </a:rPr>
+              <a:t>của</a:t>
+            </a:r>
+            <a:r>
+              <a:rPr lang="en-US" sz="2400" dirty="0">
+                <a:latin typeface="Times New Roman" panose="02020603050405020304" pitchFamily="18" charset="0"/>
+                <a:cs typeface="Times New Roman" panose="02020603050405020304" pitchFamily="18" charset="0"/>
+              </a:rPr>
+              <a:t> </a:t>
+            </a:r>
+            <a:r>
+              <a:rPr lang="en-US" sz="2400" dirty="0" err="1">
+                <a:latin typeface="Times New Roman" panose="02020603050405020304" pitchFamily="18" charset="0"/>
+                <a:cs typeface="Times New Roman" panose="02020603050405020304" pitchFamily="18" charset="0"/>
+              </a:rPr>
+              <a:t>các</a:t>
+            </a:r>
+            <a:r>
+              <a:rPr lang="en-US" sz="2400" dirty="0">
+                <a:latin typeface="Times New Roman" panose="02020603050405020304" pitchFamily="18" charset="0"/>
+                <a:cs typeface="Times New Roman" panose="02020603050405020304" pitchFamily="18" charset="0"/>
+              </a:rPr>
+              <a:t> </a:t>
+            </a:r>
+            <a:r>
+              <a:rPr lang="en-US" sz="2400" dirty="0" err="1">
+                <a:latin typeface="Times New Roman" panose="02020603050405020304" pitchFamily="18" charset="0"/>
+                <a:cs typeface="Times New Roman" panose="02020603050405020304" pitchFamily="18" charset="0"/>
+              </a:rPr>
+              <a:t>đối</a:t>
+            </a:r>
+            <a:r>
+              <a:rPr lang="en-US" sz="2400" dirty="0">
+                <a:latin typeface="Times New Roman" panose="02020603050405020304" pitchFamily="18" charset="0"/>
+                <a:cs typeface="Times New Roman" panose="02020603050405020304" pitchFamily="18" charset="0"/>
+              </a:rPr>
+              <a:t> </a:t>
+            </a:r>
+            <a:r>
+              <a:rPr lang="en-US" sz="2400" dirty="0" err="1">
+                <a:latin typeface="Times New Roman" panose="02020603050405020304" pitchFamily="18" charset="0"/>
+                <a:cs typeface="Times New Roman" panose="02020603050405020304" pitchFamily="18" charset="0"/>
+              </a:rPr>
+              <a:t>tượng</a:t>
+            </a:r>
+            <a:r>
+              <a:rPr lang="en-US" sz="2400" dirty="0">
+                <a:latin typeface="Times New Roman" panose="02020603050405020304" pitchFamily="18" charset="0"/>
+                <a:cs typeface="Times New Roman" panose="02020603050405020304" pitchFamily="18" charset="0"/>
+              </a:rPr>
+              <a:t> </a:t>
+            </a:r>
+            <a:r>
+              <a:rPr lang="en-US" sz="2400" dirty="0" err="1">
+                <a:latin typeface="Times New Roman" panose="02020603050405020304" pitchFamily="18" charset="0"/>
+                <a:cs typeface="Times New Roman" panose="02020603050405020304" pitchFamily="18" charset="0"/>
+              </a:rPr>
+              <a:t>để</a:t>
+            </a:r>
+            <a:r>
+              <a:rPr lang="en-US" sz="2400" dirty="0">
+                <a:latin typeface="Times New Roman" panose="02020603050405020304" pitchFamily="18" charset="0"/>
+                <a:cs typeface="Times New Roman" panose="02020603050405020304" pitchFamily="18" charset="0"/>
+              </a:rPr>
+              <a:t> </a:t>
+            </a:r>
+            <a:r>
+              <a:rPr lang="en-US" sz="2400" dirty="0" err="1">
+                <a:latin typeface="Times New Roman" panose="02020603050405020304" pitchFamily="18" charset="0"/>
+                <a:cs typeface="Times New Roman" panose="02020603050405020304" pitchFamily="18" charset="0"/>
+              </a:rPr>
+              <a:t>biểu</a:t>
+            </a:r>
+            <a:r>
+              <a:rPr lang="en-US" sz="2400" dirty="0">
+                <a:latin typeface="Times New Roman" panose="02020603050405020304" pitchFamily="18" charset="0"/>
+                <a:cs typeface="Times New Roman" panose="02020603050405020304" pitchFamily="18" charset="0"/>
+              </a:rPr>
+              <a:t> </a:t>
+            </a:r>
+            <a:r>
+              <a:rPr lang="en-US" sz="2400" dirty="0" err="1">
+                <a:latin typeface="Times New Roman" panose="02020603050405020304" pitchFamily="18" charset="0"/>
+                <a:cs typeface="Times New Roman" panose="02020603050405020304" pitchFamily="18" charset="0"/>
+              </a:rPr>
+              <a:t>diễn</a:t>
+            </a:r>
+            <a:r>
+              <a:rPr lang="en-US" sz="2400" dirty="0">
+                <a:latin typeface="Times New Roman" panose="02020603050405020304" pitchFamily="18" charset="0"/>
+                <a:cs typeface="Times New Roman" panose="02020603050405020304" pitchFamily="18" charset="0"/>
+              </a:rPr>
+              <a:t> </a:t>
+            </a:r>
+            <a:r>
+              <a:rPr lang="en-US" sz="2400" dirty="0" err="1">
+                <a:latin typeface="Times New Roman" panose="02020603050405020304" pitchFamily="18" charset="0"/>
+                <a:cs typeface="Times New Roman" panose="02020603050405020304" pitchFamily="18" charset="0"/>
+              </a:rPr>
+              <a:t>thời</a:t>
+            </a:r>
+            <a:r>
+              <a:rPr lang="en-US" sz="2400" dirty="0">
+                <a:latin typeface="Times New Roman" panose="02020603050405020304" pitchFamily="18" charset="0"/>
+                <a:cs typeface="Times New Roman" panose="02020603050405020304" pitchFamily="18" charset="0"/>
+              </a:rPr>
+              <a:t> </a:t>
+            </a:r>
+            <a:r>
+              <a:rPr lang="en-US" sz="2400" dirty="0" err="1">
+                <a:latin typeface="Times New Roman" panose="02020603050405020304" pitchFamily="18" charset="0"/>
+                <a:cs typeface="Times New Roman" panose="02020603050405020304" pitchFamily="18" charset="0"/>
+              </a:rPr>
+              <a:t>gian</a:t>
+            </a:r>
+            <a:r>
+              <a:rPr lang="en-US" sz="2400" dirty="0">
+                <a:latin typeface="Times New Roman" panose="02020603050405020304" pitchFamily="18" charset="0"/>
+                <a:cs typeface="Times New Roman" panose="02020603050405020304" pitchFamily="18" charset="0"/>
+              </a:rPr>
+              <a:t> </a:t>
+            </a:r>
+            <a:r>
+              <a:rPr lang="en-US" sz="2400" dirty="0" err="1">
+                <a:latin typeface="Times New Roman" panose="02020603050405020304" pitchFamily="18" charset="0"/>
+                <a:cs typeface="Times New Roman" panose="02020603050405020304" pitchFamily="18" charset="0"/>
+              </a:rPr>
+              <a:t>gửi</a:t>
+            </a:r>
+            <a:r>
+              <a:rPr lang="en-US" sz="2400" dirty="0">
+                <a:latin typeface="Times New Roman" panose="02020603050405020304" pitchFamily="18" charset="0"/>
+                <a:cs typeface="Times New Roman" panose="02020603050405020304" pitchFamily="18" charset="0"/>
+              </a:rPr>
+              <a:t> </a:t>
+            </a:r>
+            <a:r>
+              <a:rPr lang="en-US" sz="2400" dirty="0" err="1">
+                <a:latin typeface="Times New Roman" panose="02020603050405020304" pitchFamily="18" charset="0"/>
+                <a:cs typeface="Times New Roman" panose="02020603050405020304" pitchFamily="18" charset="0"/>
+              </a:rPr>
+              <a:t>và</a:t>
+            </a:r>
+            <a:r>
+              <a:rPr lang="en-US" sz="2400" dirty="0">
+                <a:latin typeface="Times New Roman" panose="02020603050405020304" pitchFamily="18" charset="0"/>
+                <a:cs typeface="Times New Roman" panose="02020603050405020304" pitchFamily="18" charset="0"/>
+              </a:rPr>
+              <a:t> </a:t>
+            </a:r>
+            <a:r>
+              <a:rPr lang="en-US" sz="2400" dirty="0" err="1">
+                <a:latin typeface="Times New Roman" panose="02020603050405020304" pitchFamily="18" charset="0"/>
+                <a:cs typeface="Times New Roman" panose="02020603050405020304" pitchFamily="18" charset="0"/>
+              </a:rPr>
+              <a:t>nhận</a:t>
+            </a:r>
+            <a:r>
+              <a:rPr lang="en-US" sz="2400" dirty="0">
+                <a:latin typeface="Times New Roman" panose="02020603050405020304" pitchFamily="18" charset="0"/>
+                <a:cs typeface="Times New Roman" panose="02020603050405020304" pitchFamily="18" charset="0"/>
+              </a:rPr>
+              <a:t> </a:t>
+            </a:r>
+            <a:r>
+              <a:rPr lang="en-US" sz="2400" dirty="0" err="1">
+                <a:latin typeface="Times New Roman" panose="02020603050405020304" pitchFamily="18" charset="0"/>
+                <a:cs typeface="Times New Roman" panose="02020603050405020304" pitchFamily="18" charset="0"/>
+              </a:rPr>
+              <a:t>thông</a:t>
+            </a:r>
+            <a:r>
+              <a:rPr lang="en-US" sz="2400" dirty="0">
+                <a:latin typeface="Times New Roman" panose="02020603050405020304" pitchFamily="18" charset="0"/>
+                <a:cs typeface="Times New Roman" panose="02020603050405020304" pitchFamily="18" charset="0"/>
+              </a:rPr>
+              <a:t> </a:t>
+            </a:r>
+            <a:r>
+              <a:rPr lang="en-US" sz="2400" dirty="0" err="1">
+                <a:latin typeface="Times New Roman" panose="02020603050405020304" pitchFamily="18" charset="0"/>
+                <a:cs typeface="Times New Roman" panose="02020603050405020304" pitchFamily="18" charset="0"/>
+              </a:rPr>
+              <a:t>điệp</a:t>
+            </a:r>
+            <a:r>
+              <a:rPr lang="en-US" sz="2400" dirty="0">
+                <a:latin typeface="Times New Roman" panose="02020603050405020304" pitchFamily="18" charset="0"/>
+                <a:cs typeface="Times New Roman" panose="02020603050405020304" pitchFamily="18" charset="0"/>
+              </a:rPr>
+              <a:t>.</a:t>
             </a:r>
           </a:p>
           <a:p>
@@ -20409,6 +22235,609 @@
   <p:clrMapOvr>
     <a:masterClrMapping/>
   </p:clrMapOvr>
+  <p:timing>
+    <p:tnLst>
+      <p:par>
+        <p:cTn id="1" dur="indefinite" restart="never" nodeType="tmRoot">
+          <p:childTnLst>
+            <p:seq concurrent="1" nextAc="seek">
+              <p:cTn id="2" dur="indefinite" nodeType="mainSeq">
+                <p:childTnLst>
+                  <p:par>
+                    <p:cTn id="3" fill="hold">
+                      <p:stCondLst>
+                        <p:cond delay="indefinite"/>
+                      </p:stCondLst>
+                      <p:childTnLst>
+                        <p:par>
+                          <p:cTn id="4" fill="hold">
+                            <p:stCondLst>
+                              <p:cond delay="0"/>
+                            </p:stCondLst>
+                            <p:childTnLst>
+                              <p:par>
+                                <p:cTn id="5" presetID="14" presetClass="entr" presetSubtype="10" fill="hold" grpId="0" nodeType="clickEffect">
+                                  <p:stCondLst>
+                                    <p:cond delay="0"/>
+                                  </p:stCondLst>
+                                  <p:childTnLst>
+                                    <p:set>
+                                      <p:cBhvr>
+                                        <p:cTn id="6" dur="1" fill="hold">
+                                          <p:stCondLst>
+                                            <p:cond delay="0"/>
+                                          </p:stCondLst>
+                                        </p:cTn>
+                                        <p:tgtEl>
+                                          <p:spTgt spid="3">
+                                            <p:txEl>
+                                              <p:pRg st="0" end="0"/>
+                                            </p:txEl>
+                                          </p:spTgt>
+                                        </p:tgtEl>
+                                        <p:attrNameLst>
+                                          <p:attrName>style.visibility</p:attrName>
+                                        </p:attrNameLst>
+                                      </p:cBhvr>
+                                      <p:to>
+                                        <p:strVal val="visible"/>
+                                      </p:to>
+                                    </p:set>
+                                    <p:animEffect transition="in" filter="randombar(horizontal)">
+                                      <p:cBhvr>
+                                        <p:cTn id="7" dur="500"/>
+                                        <p:tgtEl>
+                                          <p:spTgt spid="3">
+                                            <p:txEl>
+                                              <p:pRg st="0" end="0"/>
+                                            </p:txEl>
+                                          </p:spTgt>
+                                        </p:tgtEl>
+                                      </p:cBhvr>
+                                    </p:animEffect>
+                                  </p:childTnLst>
+                                </p:cTn>
+                              </p:par>
+                              <p:par>
+                                <p:cTn id="8" presetID="14" presetClass="entr" presetSubtype="10" fill="hold" grpId="0" nodeType="withEffect">
+                                  <p:stCondLst>
+                                    <p:cond delay="0"/>
+                                  </p:stCondLst>
+                                  <p:childTnLst>
+                                    <p:set>
+                                      <p:cBhvr>
+                                        <p:cTn id="9" dur="1" fill="hold">
+                                          <p:stCondLst>
+                                            <p:cond delay="0"/>
+                                          </p:stCondLst>
+                                        </p:cTn>
+                                        <p:tgtEl>
+                                          <p:spTgt spid="3">
+                                            <p:txEl>
+                                              <p:pRg st="1" end="1"/>
+                                            </p:txEl>
+                                          </p:spTgt>
+                                        </p:tgtEl>
+                                        <p:attrNameLst>
+                                          <p:attrName>style.visibility</p:attrName>
+                                        </p:attrNameLst>
+                                      </p:cBhvr>
+                                      <p:to>
+                                        <p:strVal val="visible"/>
+                                      </p:to>
+                                    </p:set>
+                                    <p:animEffect transition="in" filter="randombar(horizontal)">
+                                      <p:cBhvr>
+                                        <p:cTn id="10" dur="500"/>
+                                        <p:tgtEl>
+                                          <p:spTgt spid="3">
+                                            <p:txEl>
+                                              <p:pRg st="1" end="1"/>
+                                            </p:txEl>
+                                          </p:spTgt>
+                                        </p:tgtEl>
+                                      </p:cBhvr>
+                                    </p:animEffect>
+                                  </p:childTnLst>
+                                </p:cTn>
+                              </p:par>
+                              <p:par>
+                                <p:cTn id="11" presetID="14" presetClass="entr" presetSubtype="10" fill="hold" grpId="0" nodeType="withEffect">
+                                  <p:stCondLst>
+                                    <p:cond delay="0"/>
+                                  </p:stCondLst>
+                                  <p:childTnLst>
+                                    <p:set>
+                                      <p:cBhvr>
+                                        <p:cTn id="12" dur="1" fill="hold">
+                                          <p:stCondLst>
+                                            <p:cond delay="0"/>
+                                          </p:stCondLst>
+                                        </p:cTn>
+                                        <p:tgtEl>
+                                          <p:spTgt spid="3">
+                                            <p:txEl>
+                                              <p:pRg st="2" end="2"/>
+                                            </p:txEl>
+                                          </p:spTgt>
+                                        </p:tgtEl>
+                                        <p:attrNameLst>
+                                          <p:attrName>style.visibility</p:attrName>
+                                        </p:attrNameLst>
+                                      </p:cBhvr>
+                                      <p:to>
+                                        <p:strVal val="visible"/>
+                                      </p:to>
+                                    </p:set>
+                                    <p:animEffect transition="in" filter="randombar(horizontal)">
+                                      <p:cBhvr>
+                                        <p:cTn id="13" dur="500"/>
+                                        <p:tgtEl>
+                                          <p:spTgt spid="3">
+                                            <p:txEl>
+                                              <p:pRg st="2" end="2"/>
+                                            </p:txEl>
+                                          </p:spTgt>
+                                        </p:tgtEl>
+                                      </p:cBhvr>
+                                    </p:animEffect>
+                                  </p:childTnLst>
+                                </p:cTn>
+                              </p:par>
+                              <p:par>
+                                <p:cTn id="14" presetID="14" presetClass="entr" presetSubtype="10" fill="hold" grpId="0" nodeType="withEffect">
+                                  <p:stCondLst>
+                                    <p:cond delay="0"/>
+                                  </p:stCondLst>
+                                  <p:childTnLst>
+                                    <p:set>
+                                      <p:cBhvr>
+                                        <p:cTn id="15" dur="1" fill="hold">
+                                          <p:stCondLst>
+                                            <p:cond delay="0"/>
+                                          </p:stCondLst>
+                                        </p:cTn>
+                                        <p:tgtEl>
+                                          <p:spTgt spid="3">
+                                            <p:txEl>
+                                              <p:pRg st="3" end="3"/>
+                                            </p:txEl>
+                                          </p:spTgt>
+                                        </p:tgtEl>
+                                        <p:attrNameLst>
+                                          <p:attrName>style.visibility</p:attrName>
+                                        </p:attrNameLst>
+                                      </p:cBhvr>
+                                      <p:to>
+                                        <p:strVal val="visible"/>
+                                      </p:to>
+                                    </p:set>
+                                    <p:animEffect transition="in" filter="randombar(horizontal)">
+                                      <p:cBhvr>
+                                        <p:cTn id="16" dur="500"/>
+                                        <p:tgtEl>
+                                          <p:spTgt spid="3">
+                                            <p:txEl>
+                                              <p:pRg st="3" end="3"/>
+                                            </p:txEl>
+                                          </p:spTgt>
+                                        </p:tgtEl>
+                                      </p:cBhvr>
+                                    </p:animEffect>
+                                  </p:childTnLst>
+                                </p:cTn>
+                              </p:par>
+                              <p:par>
+                                <p:cTn id="17" presetID="14" presetClass="entr" presetSubtype="10" fill="hold" grpId="0" nodeType="withEffect">
+                                  <p:stCondLst>
+                                    <p:cond delay="0"/>
+                                  </p:stCondLst>
+                                  <p:childTnLst>
+                                    <p:set>
+                                      <p:cBhvr>
+                                        <p:cTn id="18" dur="1" fill="hold">
+                                          <p:stCondLst>
+                                            <p:cond delay="0"/>
+                                          </p:stCondLst>
+                                        </p:cTn>
+                                        <p:tgtEl>
+                                          <p:spTgt spid="3">
+                                            <p:txEl>
+                                              <p:pRg st="4" end="4"/>
+                                            </p:txEl>
+                                          </p:spTgt>
+                                        </p:tgtEl>
+                                        <p:attrNameLst>
+                                          <p:attrName>style.visibility</p:attrName>
+                                        </p:attrNameLst>
+                                      </p:cBhvr>
+                                      <p:to>
+                                        <p:strVal val="visible"/>
+                                      </p:to>
+                                    </p:set>
+                                    <p:animEffect transition="in" filter="randombar(horizontal)">
+                                      <p:cBhvr>
+                                        <p:cTn id="19" dur="500"/>
+                                        <p:tgtEl>
+                                          <p:spTgt spid="3">
+                                            <p:txEl>
+                                              <p:pRg st="4" end="4"/>
+                                            </p:txEl>
+                                          </p:spTgt>
+                                        </p:tgtEl>
+                                      </p:cBhvr>
+                                    </p:animEffect>
+                                  </p:childTnLst>
+                                </p:cTn>
+                              </p:par>
+                              <p:par>
+                                <p:cTn id="20" presetID="14" presetClass="entr" presetSubtype="10" fill="hold" grpId="0" nodeType="withEffect">
+                                  <p:stCondLst>
+                                    <p:cond delay="0"/>
+                                  </p:stCondLst>
+                                  <p:childTnLst>
+                                    <p:set>
+                                      <p:cBhvr>
+                                        <p:cTn id="21" dur="1" fill="hold">
+                                          <p:stCondLst>
+                                            <p:cond delay="0"/>
+                                          </p:stCondLst>
+                                        </p:cTn>
+                                        <p:tgtEl>
+                                          <p:spTgt spid="3">
+                                            <p:txEl>
+                                              <p:pRg st="5" end="5"/>
+                                            </p:txEl>
+                                          </p:spTgt>
+                                        </p:tgtEl>
+                                        <p:attrNameLst>
+                                          <p:attrName>style.visibility</p:attrName>
+                                        </p:attrNameLst>
+                                      </p:cBhvr>
+                                      <p:to>
+                                        <p:strVal val="visible"/>
+                                      </p:to>
+                                    </p:set>
+                                    <p:animEffect transition="in" filter="randombar(horizontal)">
+                                      <p:cBhvr>
+                                        <p:cTn id="22" dur="500"/>
+                                        <p:tgtEl>
+                                          <p:spTgt spid="3">
+                                            <p:txEl>
+                                              <p:pRg st="5" end="5"/>
+                                            </p:txEl>
+                                          </p:spTgt>
+                                        </p:tgtEl>
+                                      </p:cBhvr>
+                                    </p:animEffect>
+                                  </p:childTnLst>
+                                </p:cTn>
+                              </p:par>
+                              <p:par>
+                                <p:cTn id="23" presetID="14" presetClass="entr" presetSubtype="10" fill="hold" grpId="0" nodeType="withEffect">
+                                  <p:stCondLst>
+                                    <p:cond delay="0"/>
+                                  </p:stCondLst>
+                                  <p:childTnLst>
+                                    <p:set>
+                                      <p:cBhvr>
+                                        <p:cTn id="24" dur="1" fill="hold">
+                                          <p:stCondLst>
+                                            <p:cond delay="0"/>
+                                          </p:stCondLst>
+                                        </p:cTn>
+                                        <p:tgtEl>
+                                          <p:spTgt spid="3">
+                                            <p:txEl>
+                                              <p:pRg st="6" end="6"/>
+                                            </p:txEl>
+                                          </p:spTgt>
+                                        </p:tgtEl>
+                                        <p:attrNameLst>
+                                          <p:attrName>style.visibility</p:attrName>
+                                        </p:attrNameLst>
+                                      </p:cBhvr>
+                                      <p:to>
+                                        <p:strVal val="visible"/>
+                                      </p:to>
+                                    </p:set>
+                                    <p:animEffect transition="in" filter="randombar(horizontal)">
+                                      <p:cBhvr>
+                                        <p:cTn id="25" dur="500"/>
+                                        <p:tgtEl>
+                                          <p:spTgt spid="3">
+                                            <p:txEl>
+                                              <p:pRg st="6" end="6"/>
+                                            </p:txEl>
+                                          </p:spTgt>
+                                        </p:tgtEl>
+                                      </p:cBhvr>
+                                    </p:animEffect>
+                                  </p:childTnLst>
+                                </p:cTn>
+                              </p:par>
+                            </p:childTnLst>
+                          </p:cTn>
+                        </p:par>
+                      </p:childTnLst>
+                    </p:cTn>
+                  </p:par>
+                </p:childTnLst>
+              </p:cTn>
+              <p:prevCondLst>
+                <p:cond evt="onPrev" delay="0">
+                  <p:tgtEl>
+                    <p:sldTgt/>
+                  </p:tgtEl>
+                </p:cond>
+              </p:prevCondLst>
+              <p:nextCondLst>
+                <p:cond evt="onNext" delay="0">
+                  <p:tgtEl>
+                    <p:sldTgt/>
+                  </p:tgtEl>
+                </p:cond>
+              </p:nextCondLst>
+            </p:seq>
+          </p:childTnLst>
+        </p:cTn>
+      </p:par>
+    </p:tnLst>
+    <p:bldLst>
+      <p:bldP spid="3" grpId="0" build="p"/>
+    </p:bldLst>
+  </p:timing>
+</p:sld>
+</file>
+
+<file path=ppt/slides/slide18.xml><?xml version="1.0" encoding="utf-8"?>
+<p:sld xmlns:a="http://schemas.openxmlformats.org/drawingml/2006/main" xmlns:r="http://schemas.openxmlformats.org/officeDocument/2006/relationships" xmlns:p="http://schemas.openxmlformats.org/presentationml/2006/main">
+  <p:cSld>
+    <p:spTree>
+      <p:nvGrpSpPr>
+        <p:cNvPr id="1" name=""/>
+        <p:cNvGrpSpPr/>
+        <p:nvPr/>
+      </p:nvGrpSpPr>
+      <p:grpSpPr>
+        <a:xfrm>
+          <a:off x="0" y="0"/>
+          <a:ext cx="0" cy="0"/>
+          <a:chOff x="0" y="0"/>
+          <a:chExt cx="0" cy="0"/>
+        </a:xfrm>
+      </p:grpSpPr>
+      <p:sp>
+        <p:nvSpPr>
+          <p:cNvPr id="2" name="Title 1">
+            <a:extLst>
+              <a:ext uri="{FF2B5EF4-FFF2-40B4-BE49-F238E27FC236}">
+                <a16:creationId xmlns:a16="http://schemas.microsoft.com/office/drawing/2014/main" id="{A1E3CC4F-E6F7-4BD6-B1D2-E661E2A80160}"/>
+              </a:ext>
+            </a:extLst>
+          </p:cNvPr>
+          <p:cNvSpPr>
+            <a:spLocks noGrp="1"/>
+          </p:cNvSpPr>
+          <p:nvPr>
+            <p:ph type="title"/>
+          </p:nvPr>
+        </p:nvSpPr>
+        <p:spPr/>
+        <p:txBody>
+          <a:bodyPr/>
+          <a:lstStyle/>
+          <a:p>
+            <a:r>
+              <a:rPr lang="en-US" dirty="0" err="1"/>
+              <a:t>Ví</a:t>
+            </a:r>
+            <a:r>
+              <a:rPr lang="en-US" dirty="0"/>
+              <a:t> </a:t>
+            </a:r>
+            <a:r>
+              <a:rPr lang="en-US" dirty="0" err="1"/>
+              <a:t>dụ</a:t>
+            </a:r>
+            <a:r>
+              <a:rPr lang="en-US" dirty="0"/>
+              <a:t> </a:t>
+            </a:r>
+            <a:r>
+              <a:rPr lang="en-US" dirty="0" err="1"/>
+              <a:t>minh</a:t>
+            </a:r>
+            <a:r>
+              <a:rPr lang="en-US" dirty="0"/>
+              <a:t> </a:t>
+            </a:r>
+            <a:r>
+              <a:rPr lang="en-US" dirty="0" err="1"/>
+              <a:t>họa</a:t>
+            </a:r>
+            <a:endParaRPr lang="en-US" dirty="0"/>
+          </a:p>
+        </p:txBody>
+      </p:sp>
+      <p:pic>
+        <p:nvPicPr>
+          <p:cNvPr id="5" name="Content Placeholder 4">
+            <a:extLst>
+              <a:ext uri="{FF2B5EF4-FFF2-40B4-BE49-F238E27FC236}">
+                <a16:creationId xmlns:a16="http://schemas.microsoft.com/office/drawing/2014/main" id="{47BF80BE-6471-4EB4-9DDF-76CA4E257C97}"/>
+              </a:ext>
+            </a:extLst>
+          </p:cNvPr>
+          <p:cNvPicPr>
+            <a:picLocks noGrp="1" noChangeAspect="1"/>
+          </p:cNvPicPr>
+          <p:nvPr>
+            <p:ph idx="1"/>
+          </p:nvPr>
+        </p:nvPicPr>
+        <p:blipFill>
+          <a:blip r:embed="rId2"/>
+          <a:stretch>
+            <a:fillRect/>
+          </a:stretch>
+        </p:blipFill>
+        <p:spPr>
+          <a:xfrm>
+            <a:off x="3469823" y="1825625"/>
+            <a:ext cx="5274579" cy="4351338"/>
+          </a:xfrm>
+        </p:spPr>
+      </p:pic>
+    </p:spTree>
+    <p:extLst>
+      <p:ext uri="{BB962C8B-B14F-4D97-AF65-F5344CB8AC3E}">
+        <p14:creationId xmlns:p14="http://schemas.microsoft.com/office/powerpoint/2010/main" val="1351296394"/>
+      </p:ext>
+    </p:extLst>
+  </p:cSld>
+  <p:clrMapOvr>
+    <a:masterClrMapping/>
+  </p:clrMapOvr>
+  <p:timing>
+    <p:tnLst>
+      <p:par>
+        <p:cTn id="1" dur="indefinite" restart="never" nodeType="tmRoot">
+          <p:childTnLst>
+            <p:seq concurrent="1" nextAc="seek">
+              <p:cTn id="2" dur="indefinite" nodeType="mainSeq">
+                <p:childTnLst>
+                  <p:par>
+                    <p:cTn id="3" fill="hold">
+                      <p:stCondLst>
+                        <p:cond delay="indefinite"/>
+                      </p:stCondLst>
+                      <p:childTnLst>
+                        <p:par>
+                          <p:cTn id="4" fill="hold">
+                            <p:stCondLst>
+                              <p:cond delay="0"/>
+                            </p:stCondLst>
+                            <p:childTnLst>
+                              <p:par>
+                                <p:cTn id="5" presetID="14" presetClass="entr" presetSubtype="10" fill="hold" grpId="0" nodeType="clickEffect">
+                                  <p:stCondLst>
+                                    <p:cond delay="0"/>
+                                  </p:stCondLst>
+                                  <p:childTnLst>
+                                    <p:set>
+                                      <p:cBhvr>
+                                        <p:cTn id="6" dur="1" fill="hold">
+                                          <p:stCondLst>
+                                            <p:cond delay="0"/>
+                                          </p:stCondLst>
+                                        </p:cTn>
+                                        <p:tgtEl>
+                                          <p:spTgt spid="2"/>
+                                        </p:tgtEl>
+                                        <p:attrNameLst>
+                                          <p:attrName>style.visibility</p:attrName>
+                                        </p:attrNameLst>
+                                      </p:cBhvr>
+                                      <p:to>
+                                        <p:strVal val="visible"/>
+                                      </p:to>
+                                    </p:set>
+                                    <p:animEffect transition="in" filter="randombar(horizontal)">
+                                      <p:cBhvr>
+                                        <p:cTn id="7" dur="500"/>
+                                        <p:tgtEl>
+                                          <p:spTgt spid="2"/>
+                                        </p:tgtEl>
+                                      </p:cBhvr>
+                                    </p:animEffect>
+                                  </p:childTnLst>
+                                </p:cTn>
+                              </p:par>
+                            </p:childTnLst>
+                          </p:cTn>
+                        </p:par>
+                      </p:childTnLst>
+                    </p:cTn>
+                  </p:par>
+                  <p:par>
+                    <p:cTn id="8" fill="hold">
+                      <p:stCondLst>
+                        <p:cond delay="indefinite"/>
+                      </p:stCondLst>
+                      <p:childTnLst>
+                        <p:par>
+                          <p:cTn id="9" fill="hold">
+                            <p:stCondLst>
+                              <p:cond delay="0"/>
+                            </p:stCondLst>
+                            <p:childTnLst>
+                              <p:par>
+                                <p:cTn id="10" presetID="14" presetClass="entr" presetSubtype="10" fill="hold" nodeType="clickEffect">
+                                  <p:stCondLst>
+                                    <p:cond delay="0"/>
+                                  </p:stCondLst>
+                                  <p:childTnLst>
+                                    <p:set>
+                                      <p:cBhvr>
+                                        <p:cTn id="11" dur="1" fill="hold">
+                                          <p:stCondLst>
+                                            <p:cond delay="0"/>
+                                          </p:stCondLst>
+                                        </p:cTn>
+                                        <p:tgtEl>
+                                          <p:spTgt spid="5"/>
+                                        </p:tgtEl>
+                                        <p:attrNameLst>
+                                          <p:attrName>style.visibility</p:attrName>
+                                        </p:attrNameLst>
+                                      </p:cBhvr>
+                                      <p:to>
+                                        <p:strVal val="visible"/>
+                                      </p:to>
+                                    </p:set>
+                                    <p:animEffect transition="in" filter="randombar(horizontal)">
+                                      <p:cBhvr>
+                                        <p:cTn id="12" dur="500"/>
+                                        <p:tgtEl>
+                                          <p:spTgt spid="5"/>
+                                        </p:tgtEl>
+                                      </p:cBhvr>
+                                    </p:animEffect>
+                                  </p:childTnLst>
+                                </p:cTn>
+                              </p:par>
+                            </p:childTnLst>
+                          </p:cTn>
+                        </p:par>
+                      </p:childTnLst>
+                    </p:cTn>
+                  </p:par>
+                </p:childTnLst>
+              </p:cTn>
+              <p:prevCondLst>
+                <p:cond evt="onPrev" delay="0">
+                  <p:tgtEl>
+                    <p:sldTgt/>
+                  </p:tgtEl>
+                </p:cond>
+              </p:prevCondLst>
+              <p:nextCondLst>
+                <p:cond evt="onNext" delay="0">
+                  <p:tgtEl>
+                    <p:sldTgt/>
+                  </p:tgtEl>
+                </p:cond>
+              </p:nextCondLst>
+            </p:seq>
+          </p:childTnLst>
+        </p:cTn>
+      </p:par>
+    </p:tnLst>
+    <p:bldLst>
+      <p:bldP spid="2" grpId="0"/>
+    </p:bldLst>
+  </p:timing>
 </p:sld>
 </file>
 
@@ -23132,6 +25561,161 @@
   <p:clrMapOvr>
     <a:masterClrMapping/>
   </p:clrMapOvr>
+  <p:timing>
+    <p:tnLst>
+      <p:par>
+        <p:cTn id="1" dur="indefinite" restart="never" nodeType="tmRoot">
+          <p:childTnLst>
+            <p:seq concurrent="1" nextAc="seek">
+              <p:cTn id="2" dur="indefinite" nodeType="mainSeq">
+                <p:childTnLst>
+                  <p:par>
+                    <p:cTn id="3" fill="hold">
+                      <p:stCondLst>
+                        <p:cond delay="indefinite"/>
+                      </p:stCondLst>
+                      <p:childTnLst>
+                        <p:par>
+                          <p:cTn id="4" fill="hold">
+                            <p:stCondLst>
+                              <p:cond delay="0"/>
+                            </p:stCondLst>
+                            <p:childTnLst>
+                              <p:par>
+                                <p:cTn id="5" presetID="31" presetClass="entr" presetSubtype="0" fill="hold" grpId="0" nodeType="clickEffect">
+                                  <p:stCondLst>
+                                    <p:cond delay="0"/>
+                                  </p:stCondLst>
+                                  <p:childTnLst>
+                                    <p:set>
+                                      <p:cBhvr>
+                                        <p:cTn id="6" dur="1" fill="hold">
+                                          <p:stCondLst>
+                                            <p:cond delay="0"/>
+                                          </p:stCondLst>
+                                        </p:cTn>
+                                        <p:tgtEl>
+                                          <p:spTgt spid="2"/>
+                                        </p:tgtEl>
+                                        <p:attrNameLst>
+                                          <p:attrName>style.visibility</p:attrName>
+                                        </p:attrNameLst>
+                                      </p:cBhvr>
+                                      <p:to>
+                                        <p:strVal val="visible"/>
+                                      </p:to>
+                                    </p:set>
+                                    <p:anim calcmode="lin" valueType="num">
+                                      <p:cBhvr>
+                                        <p:cTn id="7" dur="1000" fill="hold"/>
+                                        <p:tgtEl>
+                                          <p:spTgt spid="2"/>
+                                        </p:tgtEl>
+                                        <p:attrNameLst>
+                                          <p:attrName>ppt_w</p:attrName>
+                                        </p:attrNameLst>
+                                      </p:cBhvr>
+                                      <p:tavLst>
+                                        <p:tav tm="0">
+                                          <p:val>
+                                            <p:fltVal val="0"/>
+                                          </p:val>
+                                        </p:tav>
+                                        <p:tav tm="100000">
+                                          <p:val>
+                                            <p:strVal val="#ppt_w"/>
+                                          </p:val>
+                                        </p:tav>
+                                      </p:tavLst>
+                                    </p:anim>
+                                    <p:anim calcmode="lin" valueType="num">
+                                      <p:cBhvr>
+                                        <p:cTn id="8" dur="1000" fill="hold"/>
+                                        <p:tgtEl>
+                                          <p:spTgt spid="2"/>
+                                        </p:tgtEl>
+                                        <p:attrNameLst>
+                                          <p:attrName>ppt_h</p:attrName>
+                                        </p:attrNameLst>
+                                      </p:cBhvr>
+                                      <p:tavLst>
+                                        <p:tav tm="0">
+                                          <p:val>
+                                            <p:fltVal val="0"/>
+                                          </p:val>
+                                        </p:tav>
+                                        <p:tav tm="100000">
+                                          <p:val>
+                                            <p:strVal val="#ppt_h"/>
+                                          </p:val>
+                                        </p:tav>
+                                      </p:tavLst>
+                                    </p:anim>
+                                    <p:anim calcmode="lin" valueType="num">
+                                      <p:cBhvr>
+                                        <p:cTn id="9" dur="1000" fill="hold"/>
+                                        <p:tgtEl>
+                                          <p:spTgt spid="2"/>
+                                        </p:tgtEl>
+                                        <p:attrNameLst>
+                                          <p:attrName>style.rotation</p:attrName>
+                                        </p:attrNameLst>
+                                      </p:cBhvr>
+                                      <p:tavLst>
+                                        <p:tav tm="0">
+                                          <p:val>
+                                            <p:fltVal val="90"/>
+                                          </p:val>
+                                        </p:tav>
+                                        <p:tav tm="100000">
+                                          <p:val>
+                                            <p:fltVal val="0"/>
+                                          </p:val>
+                                        </p:tav>
+                                      </p:tavLst>
+                                    </p:anim>
+                                    <p:animEffect transition="in" filter="fade">
+                                      <p:cBhvr>
+                                        <p:cTn id="10" dur="1000"/>
+                                        <p:tgtEl>
+                                          <p:spTgt spid="2"/>
+                                        </p:tgtEl>
+                                      </p:cBhvr>
+                                    </p:animEffect>
+                                  </p:childTnLst>
+                                </p:cTn>
+                              </p:par>
+                            </p:childTnLst>
+                          </p:cTn>
+                        </p:par>
+                      </p:childTnLst>
+                    </p:cTn>
+                  </p:par>
+                </p:childTnLst>
+              </p:cTn>
+              <p:prevCondLst>
+                <p:cond evt="onPrev" delay="0">
+                  <p:tgtEl>
+                    <p:sldTgt/>
+                  </p:tgtEl>
+                </p:cond>
+              </p:prevCondLst>
+              <p:nextCondLst>
+                <p:cond evt="onNext" delay="0">
+                  <p:tgtEl>
+                    <p:sldTgt/>
+                  </p:tgtEl>
+                </p:cond>
+              </p:nextCondLst>
+            </p:seq>
+          </p:childTnLst>
+        </p:cTn>
+      </p:par>
+    </p:tnLst>
+    <p:bldLst>
+      <p:bldP spid="2" grpId="0"/>
+    </p:bldLst>
+  </p:timing>
 </p:sld>
 </file>
 
@@ -23918,6 +26502,94 @@
   <p:clrMapOvr>
     <a:masterClrMapping/>
   </p:clrMapOvr>
+  <p:timing>
+    <p:tnLst>
+      <p:par>
+        <p:cTn id="1" dur="indefinite" restart="never" nodeType="tmRoot">
+          <p:childTnLst>
+            <p:seq concurrent="1" nextAc="seek">
+              <p:cTn id="2" dur="indefinite" nodeType="mainSeq">
+                <p:childTnLst>
+                  <p:par>
+                    <p:cTn id="3" fill="hold">
+                      <p:stCondLst>
+                        <p:cond delay="indefinite"/>
+                      </p:stCondLst>
+                      <p:childTnLst>
+                        <p:par>
+                          <p:cTn id="4" fill="hold">
+                            <p:stCondLst>
+                              <p:cond delay="0"/>
+                            </p:stCondLst>
+                            <p:childTnLst>
+                              <p:par>
+                                <p:cTn id="5" presetID="14" presetClass="entr" presetSubtype="10" fill="hold" grpId="0" nodeType="clickEffect">
+                                  <p:stCondLst>
+                                    <p:cond delay="0"/>
+                                  </p:stCondLst>
+                                  <p:childTnLst>
+                                    <p:set>
+                                      <p:cBhvr>
+                                        <p:cTn id="6" dur="1" fill="hold">
+                                          <p:stCondLst>
+                                            <p:cond delay="0"/>
+                                          </p:stCondLst>
+                                        </p:cTn>
+                                        <p:tgtEl>
+                                          <p:spTgt spid="6"/>
+                                        </p:tgtEl>
+                                        <p:attrNameLst>
+                                          <p:attrName>style.visibility</p:attrName>
+                                        </p:attrNameLst>
+                                      </p:cBhvr>
+                                      <p:to>
+                                        <p:strVal val="visible"/>
+                                      </p:to>
+                                    </p:set>
+                                    <p:animEffect transition="in" filter="randombar(horizontal)">
+                                      <p:cBhvr>
+                                        <p:cTn id="7" dur="500"/>
+                                        <p:tgtEl>
+                                          <p:spTgt spid="6"/>
+                                        </p:tgtEl>
+                                      </p:cBhvr>
+                                    </p:animEffect>
+                                  </p:childTnLst>
+                                </p:cTn>
+                              </p:par>
+                            </p:childTnLst>
+                          </p:cTn>
+                        </p:par>
+                      </p:childTnLst>
+                    </p:cTn>
+                  </p:par>
+                </p:childTnLst>
+              </p:cTn>
+              <p:prevCondLst>
+                <p:cond evt="onPrev" delay="0">
+                  <p:tgtEl>
+                    <p:sldTgt/>
+                  </p:tgtEl>
+                </p:cond>
+              </p:prevCondLst>
+              <p:nextCondLst>
+                <p:cond evt="onNext" delay="0">
+                  <p:tgtEl>
+                    <p:sldTgt/>
+                  </p:tgtEl>
+                </p:cond>
+              </p:nextCondLst>
+            </p:seq>
+          </p:childTnLst>
+        </p:cTn>
+      </p:par>
+    </p:tnLst>
+    <p:bldLst>
+      <p:bldGraphic spid="6" grpId="0">
+        <p:bldAsOne/>
+      </p:bldGraphic>
+    </p:bldLst>
+  </p:timing>
 </p:sld>
 </file>
 
@@ -24401,6 +27073,229 @@
   <p:clrMapOvr>
     <a:masterClrMapping/>
   </p:clrMapOvr>
+  <p:timing>
+    <p:tnLst>
+      <p:par>
+        <p:cTn id="1" dur="indefinite" restart="never" nodeType="tmRoot">
+          <p:childTnLst>
+            <p:seq concurrent="1" nextAc="seek">
+              <p:cTn id="2" dur="indefinite" nodeType="mainSeq">
+                <p:childTnLst>
+                  <p:par>
+                    <p:cTn id="3" fill="hold">
+                      <p:stCondLst>
+                        <p:cond delay="indefinite"/>
+                      </p:stCondLst>
+                      <p:childTnLst>
+                        <p:par>
+                          <p:cTn id="4" fill="hold">
+                            <p:stCondLst>
+                              <p:cond delay="0"/>
+                            </p:stCondLst>
+                            <p:childTnLst>
+                              <p:par>
+                                <p:cTn id="5" presetID="14" presetClass="entr" presetSubtype="10" fill="hold" grpId="0" nodeType="clickEffect">
+                                  <p:stCondLst>
+                                    <p:cond delay="0"/>
+                                  </p:stCondLst>
+                                  <p:childTnLst>
+                                    <p:set>
+                                      <p:cBhvr>
+                                        <p:cTn id="6" dur="1" fill="hold">
+                                          <p:stCondLst>
+                                            <p:cond delay="0"/>
+                                          </p:stCondLst>
+                                        </p:cTn>
+                                        <p:tgtEl>
+                                          <p:spTgt spid="3">
+                                            <p:txEl>
+                                              <p:pRg st="0" end="0"/>
+                                            </p:txEl>
+                                          </p:spTgt>
+                                        </p:tgtEl>
+                                        <p:attrNameLst>
+                                          <p:attrName>style.visibility</p:attrName>
+                                        </p:attrNameLst>
+                                      </p:cBhvr>
+                                      <p:to>
+                                        <p:strVal val="visible"/>
+                                      </p:to>
+                                    </p:set>
+                                    <p:animEffect transition="in" filter="randombar(horizontal)">
+                                      <p:cBhvr>
+                                        <p:cTn id="7" dur="500"/>
+                                        <p:tgtEl>
+                                          <p:spTgt spid="3">
+                                            <p:txEl>
+                                              <p:pRg st="0" end="0"/>
+                                            </p:txEl>
+                                          </p:spTgt>
+                                        </p:tgtEl>
+                                      </p:cBhvr>
+                                    </p:animEffect>
+                                  </p:childTnLst>
+                                </p:cTn>
+                              </p:par>
+                              <p:par>
+                                <p:cTn id="8" presetID="14" presetClass="entr" presetSubtype="10" fill="hold" grpId="0" nodeType="withEffect">
+                                  <p:stCondLst>
+                                    <p:cond delay="0"/>
+                                  </p:stCondLst>
+                                  <p:childTnLst>
+                                    <p:set>
+                                      <p:cBhvr>
+                                        <p:cTn id="9" dur="1" fill="hold">
+                                          <p:stCondLst>
+                                            <p:cond delay="0"/>
+                                          </p:stCondLst>
+                                        </p:cTn>
+                                        <p:tgtEl>
+                                          <p:spTgt spid="3">
+                                            <p:txEl>
+                                              <p:pRg st="1" end="1"/>
+                                            </p:txEl>
+                                          </p:spTgt>
+                                        </p:tgtEl>
+                                        <p:attrNameLst>
+                                          <p:attrName>style.visibility</p:attrName>
+                                        </p:attrNameLst>
+                                      </p:cBhvr>
+                                      <p:to>
+                                        <p:strVal val="visible"/>
+                                      </p:to>
+                                    </p:set>
+                                    <p:animEffect transition="in" filter="randombar(horizontal)">
+                                      <p:cBhvr>
+                                        <p:cTn id="10" dur="500"/>
+                                        <p:tgtEl>
+                                          <p:spTgt spid="3">
+                                            <p:txEl>
+                                              <p:pRg st="1" end="1"/>
+                                            </p:txEl>
+                                          </p:spTgt>
+                                        </p:tgtEl>
+                                      </p:cBhvr>
+                                    </p:animEffect>
+                                  </p:childTnLst>
+                                </p:cTn>
+                              </p:par>
+                              <p:par>
+                                <p:cTn id="11" presetID="14" presetClass="entr" presetSubtype="10" fill="hold" grpId="0" nodeType="withEffect">
+                                  <p:stCondLst>
+                                    <p:cond delay="0"/>
+                                  </p:stCondLst>
+                                  <p:childTnLst>
+                                    <p:set>
+                                      <p:cBhvr>
+                                        <p:cTn id="12" dur="1" fill="hold">
+                                          <p:stCondLst>
+                                            <p:cond delay="0"/>
+                                          </p:stCondLst>
+                                        </p:cTn>
+                                        <p:tgtEl>
+                                          <p:spTgt spid="3">
+                                            <p:txEl>
+                                              <p:pRg st="2" end="2"/>
+                                            </p:txEl>
+                                          </p:spTgt>
+                                        </p:tgtEl>
+                                        <p:attrNameLst>
+                                          <p:attrName>style.visibility</p:attrName>
+                                        </p:attrNameLst>
+                                      </p:cBhvr>
+                                      <p:to>
+                                        <p:strVal val="visible"/>
+                                      </p:to>
+                                    </p:set>
+                                    <p:animEffect transition="in" filter="randombar(horizontal)">
+                                      <p:cBhvr>
+                                        <p:cTn id="13" dur="500"/>
+                                        <p:tgtEl>
+                                          <p:spTgt spid="3">
+                                            <p:txEl>
+                                              <p:pRg st="2" end="2"/>
+                                            </p:txEl>
+                                          </p:spTgt>
+                                        </p:tgtEl>
+                                      </p:cBhvr>
+                                    </p:animEffect>
+                                  </p:childTnLst>
+                                </p:cTn>
+                              </p:par>
+                              <p:par>
+                                <p:cTn id="14" presetID="14" presetClass="entr" presetSubtype="10" fill="hold" grpId="0" nodeType="withEffect">
+                                  <p:stCondLst>
+                                    <p:cond delay="0"/>
+                                  </p:stCondLst>
+                                  <p:childTnLst>
+                                    <p:set>
+                                      <p:cBhvr>
+                                        <p:cTn id="15" dur="1" fill="hold">
+                                          <p:stCondLst>
+                                            <p:cond delay="0"/>
+                                          </p:stCondLst>
+                                        </p:cTn>
+                                        <p:tgtEl>
+                                          <p:spTgt spid="3">
+                                            <p:txEl>
+                                              <p:pRg st="3" end="3"/>
+                                            </p:txEl>
+                                          </p:spTgt>
+                                        </p:tgtEl>
+                                        <p:attrNameLst>
+                                          <p:attrName>style.visibility</p:attrName>
+                                        </p:attrNameLst>
+                                      </p:cBhvr>
+                                      <p:to>
+                                        <p:strVal val="visible"/>
+                                      </p:to>
+                                    </p:set>
+                                    <p:animEffect transition="in" filter="randombar(horizontal)">
+                                      <p:cBhvr>
+                                        <p:cTn id="16" dur="500"/>
+                                        <p:tgtEl>
+                                          <p:spTgt spid="3">
+                                            <p:txEl>
+                                              <p:pRg st="3" end="3"/>
+                                            </p:txEl>
+                                          </p:spTgt>
+                                        </p:tgtEl>
+                                      </p:cBhvr>
+                                    </p:animEffect>
+                                  </p:childTnLst>
+                                </p:cTn>
+                              </p:par>
+                            </p:childTnLst>
+                          </p:cTn>
+                        </p:par>
+                      </p:childTnLst>
+                    </p:cTn>
+                  </p:par>
+                </p:childTnLst>
+              </p:cTn>
+              <p:prevCondLst>
+                <p:cond evt="onPrev" delay="0">
+                  <p:tgtEl>
+                    <p:sldTgt/>
+                  </p:tgtEl>
+                </p:cond>
+              </p:prevCondLst>
+              <p:nextCondLst>
+                <p:cond evt="onNext" delay="0">
+                  <p:tgtEl>
+                    <p:sldTgt/>
+                  </p:tgtEl>
+                </p:cond>
+              </p:nextCondLst>
+            </p:seq>
+          </p:childTnLst>
+        </p:cTn>
+      </p:par>
+    </p:tnLst>
+    <p:bldLst>
+      <p:bldP spid="3" grpId="0" build="p"/>
+    </p:bldLst>
+  </p:timing>
 </p:sld>
 </file>
 
@@ -27073,6 +29968,138 @@
   <p:clrMapOvr>
     <a:masterClrMapping/>
   </p:clrMapOvr>
+  <p:timing>
+    <p:tnLst>
+      <p:par>
+        <p:cTn id="1" dur="indefinite" restart="never" nodeType="tmRoot">
+          <p:childTnLst>
+            <p:seq concurrent="1" nextAc="seek">
+              <p:cTn id="2" dur="indefinite" nodeType="mainSeq">
+                <p:childTnLst>
+                  <p:par>
+                    <p:cTn id="3" fill="hold">
+                      <p:stCondLst>
+                        <p:cond delay="indefinite"/>
+                      </p:stCondLst>
+                      <p:childTnLst>
+                        <p:par>
+                          <p:cTn id="4" fill="hold">
+                            <p:stCondLst>
+                              <p:cond delay="0"/>
+                            </p:stCondLst>
+                            <p:childTnLst>
+                              <p:par>
+                                <p:cTn id="5" presetID="53" presetClass="entr" presetSubtype="16" fill="hold" grpId="0" nodeType="clickEffect">
+                                  <p:stCondLst>
+                                    <p:cond delay="0"/>
+                                  </p:stCondLst>
+                                  <p:childTnLst>
+                                    <p:set>
+                                      <p:cBhvr>
+                                        <p:cTn id="6" dur="1" fill="hold">
+                                          <p:stCondLst>
+                                            <p:cond delay="0"/>
+                                          </p:stCondLst>
+                                        </p:cTn>
+                                        <p:tgtEl>
+                                          <p:spTgt spid="2"/>
+                                        </p:tgtEl>
+                                        <p:attrNameLst>
+                                          <p:attrName>style.visibility</p:attrName>
+                                        </p:attrNameLst>
+                                      </p:cBhvr>
+                                      <p:to>
+                                        <p:strVal val="visible"/>
+                                      </p:to>
+                                    </p:set>
+                                    <p:anim calcmode="lin" valueType="num">
+                                      <p:cBhvr>
+                                        <p:cTn id="7" dur="500" fill="hold"/>
+                                        <p:tgtEl>
+                                          <p:spTgt spid="2"/>
+                                        </p:tgtEl>
+                                        <p:attrNameLst>
+                                          <p:attrName>ppt_w</p:attrName>
+                                        </p:attrNameLst>
+                                      </p:cBhvr>
+                                      <p:tavLst>
+                                        <p:tav tm="0">
+                                          <p:val>
+                                            <p:fltVal val="0"/>
+                                          </p:val>
+                                        </p:tav>
+                                        <p:tav tm="100000">
+                                          <p:val>
+                                            <p:strVal val="#ppt_w"/>
+                                          </p:val>
+                                        </p:tav>
+                                      </p:tavLst>
+                                    </p:anim>
+                                    <p:anim calcmode="lin" valueType="num">
+                                      <p:cBhvr>
+                                        <p:cTn id="8" dur="500" fill="hold"/>
+                                        <p:tgtEl>
+                                          <p:spTgt spid="2"/>
+                                        </p:tgtEl>
+                                        <p:attrNameLst>
+                                          <p:attrName>ppt_h</p:attrName>
+                                        </p:attrNameLst>
+                                      </p:cBhvr>
+                                      <p:tavLst>
+                                        <p:tav tm="0">
+                                          <p:val>
+                                            <p:fltVal val="0"/>
+                                          </p:val>
+                                        </p:tav>
+                                        <p:tav tm="100000">
+                                          <p:val>
+                                            <p:strVal val="#ppt_h"/>
+                                          </p:val>
+                                        </p:tav>
+                                      </p:tavLst>
+                                    </p:anim>
+                                    <p:animEffect transition="in" filter="fade">
+                                      <p:cBhvr>
+                                        <p:cTn id="9" dur="500"/>
+                                        <p:tgtEl>
+                                          <p:spTgt spid="2"/>
+                                        </p:tgtEl>
+                                      </p:cBhvr>
+                                    </p:animEffect>
+                                  </p:childTnLst>
+                                </p:cTn>
+                              </p:par>
+                            </p:childTnLst>
+                          </p:cTn>
+                        </p:par>
+                      </p:childTnLst>
+                    </p:cTn>
+                  </p:par>
+                </p:childTnLst>
+              </p:cTn>
+              <p:prevCondLst>
+                <p:cond evt="onPrev" delay="0">
+                  <p:tgtEl>
+                    <p:sldTgt/>
+                  </p:tgtEl>
+                </p:cond>
+              </p:prevCondLst>
+              <p:nextCondLst>
+                <p:cond evt="onNext" delay="0">
+                  <p:tgtEl>
+                    <p:sldTgt/>
+                  </p:tgtEl>
+                </p:cond>
+              </p:nextCondLst>
+            </p:seq>
+          </p:childTnLst>
+        </p:cTn>
+      </p:par>
+    </p:tnLst>
+    <p:bldLst>
+      <p:bldP spid="2" grpId="0"/>
+    </p:bldLst>
+  </p:timing>
 </p:sld>
 </file>
 
@@ -29797,6 +32824,138 @@
   <p:clrMapOvr>
     <a:masterClrMapping/>
   </p:clrMapOvr>
+  <p:timing>
+    <p:tnLst>
+      <p:par>
+        <p:cTn id="1" dur="indefinite" restart="never" nodeType="tmRoot">
+          <p:childTnLst>
+            <p:seq concurrent="1" nextAc="seek">
+              <p:cTn id="2" dur="indefinite" nodeType="mainSeq">
+                <p:childTnLst>
+                  <p:par>
+                    <p:cTn id="3" fill="hold">
+                      <p:stCondLst>
+                        <p:cond delay="indefinite"/>
+                      </p:stCondLst>
+                      <p:childTnLst>
+                        <p:par>
+                          <p:cTn id="4" fill="hold">
+                            <p:stCondLst>
+                              <p:cond delay="0"/>
+                            </p:stCondLst>
+                            <p:childTnLst>
+                              <p:par>
+                                <p:cTn id="5" presetID="53" presetClass="entr" presetSubtype="16" fill="hold" grpId="0" nodeType="clickEffect">
+                                  <p:stCondLst>
+                                    <p:cond delay="0"/>
+                                  </p:stCondLst>
+                                  <p:childTnLst>
+                                    <p:set>
+                                      <p:cBhvr>
+                                        <p:cTn id="6" dur="1" fill="hold">
+                                          <p:stCondLst>
+                                            <p:cond delay="0"/>
+                                          </p:stCondLst>
+                                        </p:cTn>
+                                        <p:tgtEl>
+                                          <p:spTgt spid="2"/>
+                                        </p:tgtEl>
+                                        <p:attrNameLst>
+                                          <p:attrName>style.visibility</p:attrName>
+                                        </p:attrNameLst>
+                                      </p:cBhvr>
+                                      <p:to>
+                                        <p:strVal val="visible"/>
+                                      </p:to>
+                                    </p:set>
+                                    <p:anim calcmode="lin" valueType="num">
+                                      <p:cBhvr>
+                                        <p:cTn id="7" dur="500" fill="hold"/>
+                                        <p:tgtEl>
+                                          <p:spTgt spid="2"/>
+                                        </p:tgtEl>
+                                        <p:attrNameLst>
+                                          <p:attrName>ppt_w</p:attrName>
+                                        </p:attrNameLst>
+                                      </p:cBhvr>
+                                      <p:tavLst>
+                                        <p:tav tm="0">
+                                          <p:val>
+                                            <p:fltVal val="0"/>
+                                          </p:val>
+                                        </p:tav>
+                                        <p:tav tm="100000">
+                                          <p:val>
+                                            <p:strVal val="#ppt_w"/>
+                                          </p:val>
+                                        </p:tav>
+                                      </p:tavLst>
+                                    </p:anim>
+                                    <p:anim calcmode="lin" valueType="num">
+                                      <p:cBhvr>
+                                        <p:cTn id="8" dur="500" fill="hold"/>
+                                        <p:tgtEl>
+                                          <p:spTgt spid="2"/>
+                                        </p:tgtEl>
+                                        <p:attrNameLst>
+                                          <p:attrName>ppt_h</p:attrName>
+                                        </p:attrNameLst>
+                                      </p:cBhvr>
+                                      <p:tavLst>
+                                        <p:tav tm="0">
+                                          <p:val>
+                                            <p:fltVal val="0"/>
+                                          </p:val>
+                                        </p:tav>
+                                        <p:tav tm="100000">
+                                          <p:val>
+                                            <p:strVal val="#ppt_h"/>
+                                          </p:val>
+                                        </p:tav>
+                                      </p:tavLst>
+                                    </p:anim>
+                                    <p:animEffect transition="in" filter="fade">
+                                      <p:cBhvr>
+                                        <p:cTn id="9" dur="500"/>
+                                        <p:tgtEl>
+                                          <p:spTgt spid="2"/>
+                                        </p:tgtEl>
+                                      </p:cBhvr>
+                                    </p:animEffect>
+                                  </p:childTnLst>
+                                </p:cTn>
+                              </p:par>
+                            </p:childTnLst>
+                          </p:cTn>
+                        </p:par>
+                      </p:childTnLst>
+                    </p:cTn>
+                  </p:par>
+                </p:childTnLst>
+              </p:cTn>
+              <p:prevCondLst>
+                <p:cond evt="onPrev" delay="0">
+                  <p:tgtEl>
+                    <p:sldTgt/>
+                  </p:tgtEl>
+                </p:cond>
+              </p:prevCondLst>
+              <p:nextCondLst>
+                <p:cond evt="onNext" delay="0">
+                  <p:tgtEl>
+                    <p:sldTgt/>
+                  </p:tgtEl>
+                </p:cond>
+              </p:nextCondLst>
+            </p:seq>
+          </p:childTnLst>
+        </p:cTn>
+      </p:par>
+    </p:tnLst>
+    <p:bldLst>
+      <p:bldP spid="2" grpId="0"/>
+    </p:bldLst>
+  </p:timing>
 </p:sld>
 </file>
 
@@ -30953,6 +34112,344 @@
   <p:clrMapOvr>
     <a:masterClrMapping/>
   </p:clrMapOvr>
+  <p:timing>
+    <p:tnLst>
+      <p:par>
+        <p:cTn id="1" dur="indefinite" restart="never" nodeType="tmRoot">
+          <p:childTnLst>
+            <p:seq concurrent="1" nextAc="seek">
+              <p:cTn id="2" dur="indefinite" nodeType="mainSeq">
+                <p:childTnLst>
+                  <p:par>
+                    <p:cTn id="3" fill="hold">
+                      <p:stCondLst>
+                        <p:cond delay="indefinite"/>
+                      </p:stCondLst>
+                      <p:childTnLst>
+                        <p:par>
+                          <p:cTn id="4" fill="hold">
+                            <p:stCondLst>
+                              <p:cond delay="0"/>
+                            </p:stCondLst>
+                            <p:childTnLst>
+                              <p:par>
+                                <p:cTn id="5" presetID="14" presetClass="entr" presetSubtype="10" fill="hold" grpId="0" nodeType="clickEffect">
+                                  <p:stCondLst>
+                                    <p:cond delay="0"/>
+                                  </p:stCondLst>
+                                  <p:childTnLst>
+                                    <p:set>
+                                      <p:cBhvr>
+                                        <p:cTn id="6" dur="1" fill="hold">
+                                          <p:stCondLst>
+                                            <p:cond delay="0"/>
+                                          </p:stCondLst>
+                                        </p:cTn>
+                                        <p:tgtEl>
+                                          <p:spTgt spid="4">
+                                            <p:txEl>
+                                              <p:pRg st="0" end="0"/>
+                                            </p:txEl>
+                                          </p:spTgt>
+                                        </p:tgtEl>
+                                        <p:attrNameLst>
+                                          <p:attrName>style.visibility</p:attrName>
+                                        </p:attrNameLst>
+                                      </p:cBhvr>
+                                      <p:to>
+                                        <p:strVal val="visible"/>
+                                      </p:to>
+                                    </p:set>
+                                    <p:animEffect transition="in" filter="randombar(horizontal)">
+                                      <p:cBhvr>
+                                        <p:cTn id="7" dur="500"/>
+                                        <p:tgtEl>
+                                          <p:spTgt spid="4">
+                                            <p:txEl>
+                                              <p:pRg st="0" end="0"/>
+                                            </p:txEl>
+                                          </p:spTgt>
+                                        </p:tgtEl>
+                                      </p:cBhvr>
+                                    </p:animEffect>
+                                  </p:childTnLst>
+                                </p:cTn>
+                              </p:par>
+                            </p:childTnLst>
+                          </p:cTn>
+                        </p:par>
+                      </p:childTnLst>
+                    </p:cTn>
+                  </p:par>
+                  <p:par>
+                    <p:cTn id="8" fill="hold">
+                      <p:stCondLst>
+                        <p:cond delay="indefinite"/>
+                      </p:stCondLst>
+                      <p:childTnLst>
+                        <p:par>
+                          <p:cTn id="9" fill="hold">
+                            <p:stCondLst>
+                              <p:cond delay="0"/>
+                            </p:stCondLst>
+                            <p:childTnLst>
+                              <p:par>
+                                <p:cTn id="10" presetID="14" presetClass="entr" presetSubtype="10" fill="hold" grpId="0" nodeType="clickEffect">
+                                  <p:stCondLst>
+                                    <p:cond delay="0"/>
+                                  </p:stCondLst>
+                                  <p:childTnLst>
+                                    <p:set>
+                                      <p:cBhvr>
+                                        <p:cTn id="11" dur="1" fill="hold">
+                                          <p:stCondLst>
+                                            <p:cond delay="0"/>
+                                          </p:stCondLst>
+                                        </p:cTn>
+                                        <p:tgtEl>
+                                          <p:spTgt spid="4">
+                                            <p:txEl>
+                                              <p:pRg st="1" end="1"/>
+                                            </p:txEl>
+                                          </p:spTgt>
+                                        </p:tgtEl>
+                                        <p:attrNameLst>
+                                          <p:attrName>style.visibility</p:attrName>
+                                        </p:attrNameLst>
+                                      </p:cBhvr>
+                                      <p:to>
+                                        <p:strVal val="visible"/>
+                                      </p:to>
+                                    </p:set>
+                                    <p:animEffect transition="in" filter="randombar(horizontal)">
+                                      <p:cBhvr>
+                                        <p:cTn id="12" dur="500"/>
+                                        <p:tgtEl>
+                                          <p:spTgt spid="4">
+                                            <p:txEl>
+                                              <p:pRg st="1" end="1"/>
+                                            </p:txEl>
+                                          </p:spTgt>
+                                        </p:tgtEl>
+                                      </p:cBhvr>
+                                    </p:animEffect>
+                                  </p:childTnLst>
+                                </p:cTn>
+                              </p:par>
+                            </p:childTnLst>
+                          </p:cTn>
+                        </p:par>
+                      </p:childTnLst>
+                    </p:cTn>
+                  </p:par>
+                  <p:par>
+                    <p:cTn id="13" fill="hold">
+                      <p:stCondLst>
+                        <p:cond delay="indefinite"/>
+                      </p:stCondLst>
+                      <p:childTnLst>
+                        <p:par>
+                          <p:cTn id="14" fill="hold">
+                            <p:stCondLst>
+                              <p:cond delay="0"/>
+                            </p:stCondLst>
+                            <p:childTnLst>
+                              <p:par>
+                                <p:cTn id="15" presetID="14" presetClass="entr" presetSubtype="10" fill="hold" grpId="0" nodeType="clickEffect">
+                                  <p:stCondLst>
+                                    <p:cond delay="0"/>
+                                  </p:stCondLst>
+                                  <p:childTnLst>
+                                    <p:set>
+                                      <p:cBhvr>
+                                        <p:cTn id="16" dur="1" fill="hold">
+                                          <p:stCondLst>
+                                            <p:cond delay="0"/>
+                                          </p:stCondLst>
+                                        </p:cTn>
+                                        <p:tgtEl>
+                                          <p:spTgt spid="4">
+                                            <p:txEl>
+                                              <p:pRg st="2" end="2"/>
+                                            </p:txEl>
+                                          </p:spTgt>
+                                        </p:tgtEl>
+                                        <p:attrNameLst>
+                                          <p:attrName>style.visibility</p:attrName>
+                                        </p:attrNameLst>
+                                      </p:cBhvr>
+                                      <p:to>
+                                        <p:strVal val="visible"/>
+                                      </p:to>
+                                    </p:set>
+                                    <p:animEffect transition="in" filter="randombar(horizontal)">
+                                      <p:cBhvr>
+                                        <p:cTn id="17" dur="500"/>
+                                        <p:tgtEl>
+                                          <p:spTgt spid="4">
+                                            <p:txEl>
+                                              <p:pRg st="2" end="2"/>
+                                            </p:txEl>
+                                          </p:spTgt>
+                                        </p:tgtEl>
+                                      </p:cBhvr>
+                                    </p:animEffect>
+                                  </p:childTnLst>
+                                </p:cTn>
+                              </p:par>
+                            </p:childTnLst>
+                          </p:cTn>
+                        </p:par>
+                      </p:childTnLst>
+                    </p:cTn>
+                  </p:par>
+                  <p:par>
+                    <p:cTn id="18" fill="hold">
+                      <p:stCondLst>
+                        <p:cond delay="indefinite"/>
+                      </p:stCondLst>
+                      <p:childTnLst>
+                        <p:par>
+                          <p:cTn id="19" fill="hold">
+                            <p:stCondLst>
+                              <p:cond delay="0"/>
+                            </p:stCondLst>
+                            <p:childTnLst>
+                              <p:par>
+                                <p:cTn id="20" presetID="31" presetClass="entr" presetSubtype="0" fill="hold" nodeType="clickEffect">
+                                  <p:stCondLst>
+                                    <p:cond delay="0"/>
+                                  </p:stCondLst>
+                                  <p:childTnLst>
+                                    <p:set>
+                                      <p:cBhvr>
+                                        <p:cTn id="21" dur="1" fill="hold">
+                                          <p:stCondLst>
+                                            <p:cond delay="0"/>
+                                          </p:stCondLst>
+                                        </p:cTn>
+                                        <p:tgtEl>
+                                          <p:spTgt spid="7"/>
+                                        </p:tgtEl>
+                                        <p:attrNameLst>
+                                          <p:attrName>style.visibility</p:attrName>
+                                        </p:attrNameLst>
+                                      </p:cBhvr>
+                                      <p:to>
+                                        <p:strVal val="visible"/>
+                                      </p:to>
+                                    </p:set>
+                                    <p:anim calcmode="lin" valueType="num">
+                                      <p:cBhvr>
+                                        <p:cTn id="22" dur="1000" fill="hold"/>
+                                        <p:tgtEl>
+                                          <p:spTgt spid="7"/>
+                                        </p:tgtEl>
+                                        <p:attrNameLst>
+                                          <p:attrName>ppt_w</p:attrName>
+                                        </p:attrNameLst>
+                                      </p:cBhvr>
+                                      <p:tavLst>
+                                        <p:tav tm="0">
+                                          <p:val>
+                                            <p:fltVal val="0"/>
+                                          </p:val>
+                                        </p:tav>
+                                        <p:tav tm="100000">
+                                          <p:val>
+                                            <p:strVal val="#ppt_w"/>
+                                          </p:val>
+                                        </p:tav>
+                                      </p:tavLst>
+                                    </p:anim>
+                                    <p:anim calcmode="lin" valueType="num">
+                                      <p:cBhvr>
+                                        <p:cTn id="23" dur="1000" fill="hold"/>
+                                        <p:tgtEl>
+                                          <p:spTgt spid="7"/>
+                                        </p:tgtEl>
+                                        <p:attrNameLst>
+                                          <p:attrName>ppt_h</p:attrName>
+                                        </p:attrNameLst>
+                                      </p:cBhvr>
+                                      <p:tavLst>
+                                        <p:tav tm="0">
+                                          <p:val>
+                                            <p:fltVal val="0"/>
+                                          </p:val>
+                                        </p:tav>
+                                        <p:tav tm="100000">
+                                          <p:val>
+                                            <p:strVal val="#ppt_h"/>
+                                          </p:val>
+                                        </p:tav>
+                                      </p:tavLst>
+                                    </p:anim>
+                                    <p:anim calcmode="lin" valueType="num">
+                                      <p:cBhvr>
+                                        <p:cTn id="24" dur="1000" fill="hold"/>
+                                        <p:tgtEl>
+                                          <p:spTgt spid="7"/>
+                                        </p:tgtEl>
+                                        <p:attrNameLst>
+                                          <p:attrName>style.rotation</p:attrName>
+                                        </p:attrNameLst>
+                                      </p:cBhvr>
+                                      <p:tavLst>
+                                        <p:tav tm="0">
+                                          <p:val>
+                                            <p:fltVal val="90"/>
+                                          </p:val>
+                                        </p:tav>
+                                        <p:tav tm="100000">
+                                          <p:val>
+                                            <p:fltVal val="0"/>
+                                          </p:val>
+                                        </p:tav>
+                                      </p:tavLst>
+                                    </p:anim>
+                                    <p:animEffect transition="in" filter="fade">
+                                      <p:cBhvr>
+                                        <p:cTn id="25" dur="1000"/>
+                                        <p:tgtEl>
+                                          <p:spTgt spid="7"/>
+                                        </p:tgtEl>
+                                      </p:cBhvr>
+                                    </p:animEffect>
+                                  </p:childTnLst>
+                                </p:cTn>
+                              </p:par>
+                            </p:childTnLst>
+                          </p:cTn>
+                        </p:par>
+                      </p:childTnLst>
+                    </p:cTn>
+                  </p:par>
+                </p:childTnLst>
+              </p:cTn>
+              <p:prevCondLst>
+                <p:cond evt="onPrev" delay="0">
+                  <p:tgtEl>
+                    <p:sldTgt/>
+                  </p:tgtEl>
+                </p:cond>
+              </p:prevCondLst>
+              <p:nextCondLst>
+                <p:cond evt="onNext" delay="0">
+                  <p:tgtEl>
+                    <p:sldTgt/>
+                  </p:tgtEl>
+                </p:cond>
+              </p:nextCondLst>
+            </p:seq>
+          </p:childTnLst>
+        </p:cTn>
+      </p:par>
+    </p:tnLst>
+    <p:bldLst>
+      <p:bldP spid="4" grpId="0" build="p"/>
+    </p:bldLst>
+  </p:timing>
 </p:sld>
 </file>
 
@@ -33676,6 +37173,161 @@
   <p:clrMapOvr>
     <a:masterClrMapping/>
   </p:clrMapOvr>
+  <p:timing>
+    <p:tnLst>
+      <p:par>
+        <p:cTn id="1" dur="indefinite" restart="never" nodeType="tmRoot">
+          <p:childTnLst>
+            <p:seq concurrent="1" nextAc="seek">
+              <p:cTn id="2" dur="indefinite" nodeType="mainSeq">
+                <p:childTnLst>
+                  <p:par>
+                    <p:cTn id="3" fill="hold">
+                      <p:stCondLst>
+                        <p:cond delay="indefinite"/>
+                      </p:stCondLst>
+                      <p:childTnLst>
+                        <p:par>
+                          <p:cTn id="4" fill="hold">
+                            <p:stCondLst>
+                              <p:cond delay="0"/>
+                            </p:stCondLst>
+                            <p:childTnLst>
+                              <p:par>
+                                <p:cTn id="5" presetID="31" presetClass="entr" presetSubtype="0" fill="hold" grpId="0" nodeType="clickEffect">
+                                  <p:stCondLst>
+                                    <p:cond delay="0"/>
+                                  </p:stCondLst>
+                                  <p:childTnLst>
+                                    <p:set>
+                                      <p:cBhvr>
+                                        <p:cTn id="6" dur="1" fill="hold">
+                                          <p:stCondLst>
+                                            <p:cond delay="0"/>
+                                          </p:stCondLst>
+                                        </p:cTn>
+                                        <p:tgtEl>
+                                          <p:spTgt spid="5"/>
+                                        </p:tgtEl>
+                                        <p:attrNameLst>
+                                          <p:attrName>style.visibility</p:attrName>
+                                        </p:attrNameLst>
+                                      </p:cBhvr>
+                                      <p:to>
+                                        <p:strVal val="visible"/>
+                                      </p:to>
+                                    </p:set>
+                                    <p:anim calcmode="lin" valueType="num">
+                                      <p:cBhvr>
+                                        <p:cTn id="7" dur="1000" fill="hold"/>
+                                        <p:tgtEl>
+                                          <p:spTgt spid="5"/>
+                                        </p:tgtEl>
+                                        <p:attrNameLst>
+                                          <p:attrName>ppt_w</p:attrName>
+                                        </p:attrNameLst>
+                                      </p:cBhvr>
+                                      <p:tavLst>
+                                        <p:tav tm="0">
+                                          <p:val>
+                                            <p:fltVal val="0"/>
+                                          </p:val>
+                                        </p:tav>
+                                        <p:tav tm="100000">
+                                          <p:val>
+                                            <p:strVal val="#ppt_w"/>
+                                          </p:val>
+                                        </p:tav>
+                                      </p:tavLst>
+                                    </p:anim>
+                                    <p:anim calcmode="lin" valueType="num">
+                                      <p:cBhvr>
+                                        <p:cTn id="8" dur="1000" fill="hold"/>
+                                        <p:tgtEl>
+                                          <p:spTgt spid="5"/>
+                                        </p:tgtEl>
+                                        <p:attrNameLst>
+                                          <p:attrName>ppt_h</p:attrName>
+                                        </p:attrNameLst>
+                                      </p:cBhvr>
+                                      <p:tavLst>
+                                        <p:tav tm="0">
+                                          <p:val>
+                                            <p:fltVal val="0"/>
+                                          </p:val>
+                                        </p:tav>
+                                        <p:tav tm="100000">
+                                          <p:val>
+                                            <p:strVal val="#ppt_h"/>
+                                          </p:val>
+                                        </p:tav>
+                                      </p:tavLst>
+                                    </p:anim>
+                                    <p:anim calcmode="lin" valueType="num">
+                                      <p:cBhvr>
+                                        <p:cTn id="9" dur="1000" fill="hold"/>
+                                        <p:tgtEl>
+                                          <p:spTgt spid="5"/>
+                                        </p:tgtEl>
+                                        <p:attrNameLst>
+                                          <p:attrName>style.rotation</p:attrName>
+                                        </p:attrNameLst>
+                                      </p:cBhvr>
+                                      <p:tavLst>
+                                        <p:tav tm="0">
+                                          <p:val>
+                                            <p:fltVal val="90"/>
+                                          </p:val>
+                                        </p:tav>
+                                        <p:tav tm="100000">
+                                          <p:val>
+                                            <p:fltVal val="0"/>
+                                          </p:val>
+                                        </p:tav>
+                                      </p:tavLst>
+                                    </p:anim>
+                                    <p:animEffect transition="in" filter="fade">
+                                      <p:cBhvr>
+                                        <p:cTn id="10" dur="1000"/>
+                                        <p:tgtEl>
+                                          <p:spTgt spid="5"/>
+                                        </p:tgtEl>
+                                      </p:cBhvr>
+                                    </p:animEffect>
+                                  </p:childTnLst>
+                                </p:cTn>
+                              </p:par>
+                            </p:childTnLst>
+                          </p:cTn>
+                        </p:par>
+                      </p:childTnLst>
+                    </p:cTn>
+                  </p:par>
+                </p:childTnLst>
+              </p:cTn>
+              <p:prevCondLst>
+                <p:cond evt="onPrev" delay="0">
+                  <p:tgtEl>
+                    <p:sldTgt/>
+                  </p:tgtEl>
+                </p:cond>
+              </p:prevCondLst>
+              <p:nextCondLst>
+                <p:cond evt="onNext" delay="0">
+                  <p:tgtEl>
+                    <p:sldTgt/>
+                  </p:tgtEl>
+                </p:cond>
+              </p:nextCondLst>
+            </p:seq>
+          </p:childTnLst>
+        </p:cTn>
+      </p:par>
+    </p:tnLst>
+    <p:bldLst>
+      <p:bldP spid="5" grpId="0"/>
+    </p:bldLst>
+  </p:timing>
 </p:sld>
 </file>
 
@@ -34742,6 +38394,283 @@
   <p:clrMapOvr>
     <a:masterClrMapping/>
   </p:clrMapOvr>
+  <p:timing>
+    <p:tnLst>
+      <p:par>
+        <p:cTn id="1" dur="indefinite" restart="never" nodeType="tmRoot">
+          <p:childTnLst>
+            <p:seq concurrent="1" nextAc="seek">
+              <p:cTn id="2" dur="indefinite" nodeType="mainSeq">
+                <p:childTnLst>
+                  <p:par>
+                    <p:cTn id="3" fill="hold">
+                      <p:stCondLst>
+                        <p:cond delay="indefinite"/>
+                      </p:stCondLst>
+                      <p:childTnLst>
+                        <p:par>
+                          <p:cTn id="4" fill="hold">
+                            <p:stCondLst>
+                              <p:cond delay="0"/>
+                            </p:stCondLst>
+                            <p:childTnLst>
+                              <p:par>
+                                <p:cTn id="5" presetID="14" presetClass="entr" presetSubtype="10" fill="hold" grpId="0" nodeType="clickEffect">
+                                  <p:stCondLst>
+                                    <p:cond delay="0"/>
+                                  </p:stCondLst>
+                                  <p:childTnLst>
+                                    <p:set>
+                                      <p:cBhvr>
+                                        <p:cTn id="6" dur="1" fill="hold">
+                                          <p:stCondLst>
+                                            <p:cond delay="0"/>
+                                          </p:stCondLst>
+                                        </p:cTn>
+                                        <p:tgtEl>
+                                          <p:spTgt spid="2"/>
+                                        </p:tgtEl>
+                                        <p:attrNameLst>
+                                          <p:attrName>style.visibility</p:attrName>
+                                        </p:attrNameLst>
+                                      </p:cBhvr>
+                                      <p:to>
+                                        <p:strVal val="visible"/>
+                                      </p:to>
+                                    </p:set>
+                                    <p:animEffect transition="in" filter="randombar(horizontal)">
+                                      <p:cBhvr>
+                                        <p:cTn id="7" dur="500"/>
+                                        <p:tgtEl>
+                                          <p:spTgt spid="2"/>
+                                        </p:tgtEl>
+                                      </p:cBhvr>
+                                    </p:animEffect>
+                                  </p:childTnLst>
+                                </p:cTn>
+                              </p:par>
+                            </p:childTnLst>
+                          </p:cTn>
+                        </p:par>
+                      </p:childTnLst>
+                    </p:cTn>
+                  </p:par>
+                  <p:par>
+                    <p:cTn id="8" fill="hold">
+                      <p:stCondLst>
+                        <p:cond delay="indefinite"/>
+                      </p:stCondLst>
+                      <p:childTnLst>
+                        <p:par>
+                          <p:cTn id="9" fill="hold">
+                            <p:stCondLst>
+                              <p:cond delay="0"/>
+                            </p:stCondLst>
+                            <p:childTnLst>
+                              <p:par>
+                                <p:cTn id="10" presetID="14" presetClass="entr" presetSubtype="10" fill="hold" grpId="0" nodeType="clickEffect">
+                                  <p:stCondLst>
+                                    <p:cond delay="0"/>
+                                  </p:stCondLst>
+                                  <p:childTnLst>
+                                    <p:set>
+                                      <p:cBhvr>
+                                        <p:cTn id="11" dur="1" fill="hold">
+                                          <p:stCondLst>
+                                            <p:cond delay="0"/>
+                                          </p:stCondLst>
+                                        </p:cTn>
+                                        <p:tgtEl>
+                                          <p:spTgt spid="3">
+                                            <p:txEl>
+                                              <p:pRg st="0" end="0"/>
+                                            </p:txEl>
+                                          </p:spTgt>
+                                        </p:tgtEl>
+                                        <p:attrNameLst>
+                                          <p:attrName>style.visibility</p:attrName>
+                                        </p:attrNameLst>
+                                      </p:cBhvr>
+                                      <p:to>
+                                        <p:strVal val="visible"/>
+                                      </p:to>
+                                    </p:set>
+                                    <p:animEffect transition="in" filter="randombar(horizontal)">
+                                      <p:cBhvr>
+                                        <p:cTn id="12" dur="500"/>
+                                        <p:tgtEl>
+                                          <p:spTgt spid="3">
+                                            <p:txEl>
+                                              <p:pRg st="0" end="0"/>
+                                            </p:txEl>
+                                          </p:spTgt>
+                                        </p:tgtEl>
+                                      </p:cBhvr>
+                                    </p:animEffect>
+                                  </p:childTnLst>
+                                </p:cTn>
+                              </p:par>
+                              <p:par>
+                                <p:cTn id="13" presetID="14" presetClass="entr" presetSubtype="10" fill="hold" grpId="0" nodeType="withEffect">
+                                  <p:stCondLst>
+                                    <p:cond delay="0"/>
+                                  </p:stCondLst>
+                                  <p:childTnLst>
+                                    <p:set>
+                                      <p:cBhvr>
+                                        <p:cTn id="14" dur="1" fill="hold">
+                                          <p:stCondLst>
+                                            <p:cond delay="0"/>
+                                          </p:stCondLst>
+                                        </p:cTn>
+                                        <p:tgtEl>
+                                          <p:spTgt spid="3">
+                                            <p:txEl>
+                                              <p:pRg st="1" end="1"/>
+                                            </p:txEl>
+                                          </p:spTgt>
+                                        </p:tgtEl>
+                                        <p:attrNameLst>
+                                          <p:attrName>style.visibility</p:attrName>
+                                        </p:attrNameLst>
+                                      </p:cBhvr>
+                                      <p:to>
+                                        <p:strVal val="visible"/>
+                                      </p:to>
+                                    </p:set>
+                                    <p:animEffect transition="in" filter="randombar(horizontal)">
+                                      <p:cBhvr>
+                                        <p:cTn id="15" dur="500"/>
+                                        <p:tgtEl>
+                                          <p:spTgt spid="3">
+                                            <p:txEl>
+                                              <p:pRg st="1" end="1"/>
+                                            </p:txEl>
+                                          </p:spTgt>
+                                        </p:tgtEl>
+                                      </p:cBhvr>
+                                    </p:animEffect>
+                                  </p:childTnLst>
+                                </p:cTn>
+                              </p:par>
+                              <p:par>
+                                <p:cTn id="16" presetID="14" presetClass="entr" presetSubtype="10" fill="hold" grpId="0" nodeType="withEffect">
+                                  <p:stCondLst>
+                                    <p:cond delay="0"/>
+                                  </p:stCondLst>
+                                  <p:childTnLst>
+                                    <p:set>
+                                      <p:cBhvr>
+                                        <p:cTn id="17" dur="1" fill="hold">
+                                          <p:stCondLst>
+                                            <p:cond delay="0"/>
+                                          </p:stCondLst>
+                                        </p:cTn>
+                                        <p:tgtEl>
+                                          <p:spTgt spid="3">
+                                            <p:txEl>
+                                              <p:pRg st="2" end="2"/>
+                                            </p:txEl>
+                                          </p:spTgt>
+                                        </p:tgtEl>
+                                        <p:attrNameLst>
+                                          <p:attrName>style.visibility</p:attrName>
+                                        </p:attrNameLst>
+                                      </p:cBhvr>
+                                      <p:to>
+                                        <p:strVal val="visible"/>
+                                      </p:to>
+                                    </p:set>
+                                    <p:animEffect transition="in" filter="randombar(horizontal)">
+                                      <p:cBhvr>
+                                        <p:cTn id="18" dur="500"/>
+                                        <p:tgtEl>
+                                          <p:spTgt spid="3">
+                                            <p:txEl>
+                                              <p:pRg st="2" end="2"/>
+                                            </p:txEl>
+                                          </p:spTgt>
+                                        </p:tgtEl>
+                                      </p:cBhvr>
+                                    </p:animEffect>
+                                  </p:childTnLst>
+                                </p:cTn>
+                              </p:par>
+                              <p:par>
+                                <p:cTn id="19" presetID="14" presetClass="entr" presetSubtype="10" fill="hold" grpId="0" nodeType="withEffect">
+                                  <p:stCondLst>
+                                    <p:cond delay="0"/>
+                                  </p:stCondLst>
+                                  <p:childTnLst>
+                                    <p:set>
+                                      <p:cBhvr>
+                                        <p:cTn id="20" dur="1" fill="hold">
+                                          <p:stCondLst>
+                                            <p:cond delay="0"/>
+                                          </p:stCondLst>
+                                        </p:cTn>
+                                        <p:tgtEl>
+                                          <p:spTgt spid="3">
+                                            <p:txEl>
+                                              <p:pRg st="3" end="3"/>
+                                            </p:txEl>
+                                          </p:spTgt>
+                                        </p:tgtEl>
+                                        <p:attrNameLst>
+                                          <p:attrName>style.visibility</p:attrName>
+                                        </p:attrNameLst>
+                                      </p:cBhvr>
+                                      <p:to>
+                                        <p:strVal val="visible"/>
+                                      </p:to>
+                                    </p:set>
+                                    <p:animEffect transition="in" filter="randombar(horizontal)">
+                                      <p:cBhvr>
+                                        <p:cTn id="21" dur="500"/>
+                                        <p:tgtEl>
+                                          <p:spTgt spid="3">
+                                            <p:txEl>
+                                              <p:pRg st="3" end="3"/>
+                                            </p:txEl>
+                                          </p:spTgt>
+                                        </p:tgtEl>
+                                      </p:cBhvr>
+                                    </p:animEffect>
+                                  </p:childTnLst>
+                                </p:cTn>
+                              </p:par>
+                            </p:childTnLst>
+                          </p:cTn>
+                        </p:par>
+                      </p:childTnLst>
+                    </p:cTn>
+                  </p:par>
+                </p:childTnLst>
+              </p:cTn>
+              <p:prevCondLst>
+                <p:cond evt="onPrev" delay="0">
+                  <p:tgtEl>
+                    <p:sldTgt/>
+                  </p:tgtEl>
+                </p:cond>
+              </p:prevCondLst>
+              <p:nextCondLst>
+                <p:cond evt="onNext" delay="0">
+                  <p:tgtEl>
+                    <p:sldTgt/>
+                  </p:tgtEl>
+                </p:cond>
+              </p:nextCondLst>
+            </p:seq>
+          </p:childTnLst>
+        </p:cTn>
+      </p:par>
+    </p:tnLst>
+    <p:bldLst>
+      <p:bldP spid="2" grpId="0"/>
+      <p:bldP spid="3" grpId="0" build="p"/>
+    </p:bldLst>
+  </p:timing>
 </p:sld>
 </file>
 
@@ -35693,6 +39622,143 @@
   <p:clrMapOvr>
     <a:masterClrMapping/>
   </p:clrMapOvr>
+  <p:timing>
+    <p:tnLst>
+      <p:par>
+        <p:cTn id="1" dur="indefinite" restart="never" nodeType="tmRoot">
+          <p:childTnLst>
+            <p:seq concurrent="1" nextAc="seek">
+              <p:cTn id="2" dur="indefinite" nodeType="mainSeq">
+                <p:childTnLst>
+                  <p:par>
+                    <p:cTn id="3" fill="hold">
+                      <p:stCondLst>
+                        <p:cond delay="indefinite"/>
+                      </p:stCondLst>
+                      <p:childTnLst>
+                        <p:par>
+                          <p:cTn id="4" fill="hold">
+                            <p:stCondLst>
+                              <p:cond delay="0"/>
+                            </p:stCondLst>
+                            <p:childTnLst>
+                              <p:par>
+                                <p:cTn id="5" presetID="14" presetClass="entr" presetSubtype="10" fill="hold" grpId="0" nodeType="clickEffect">
+                                  <p:stCondLst>
+                                    <p:cond delay="0"/>
+                                  </p:stCondLst>
+                                  <p:childTnLst>
+                                    <p:set>
+                                      <p:cBhvr>
+                                        <p:cTn id="6" dur="1" fill="hold">
+                                          <p:stCondLst>
+                                            <p:cond delay="0"/>
+                                          </p:stCondLst>
+                                        </p:cTn>
+                                        <p:tgtEl>
+                                          <p:spTgt spid="3">
+                                            <p:txEl>
+                                              <p:pRg st="0" end="0"/>
+                                            </p:txEl>
+                                          </p:spTgt>
+                                        </p:tgtEl>
+                                        <p:attrNameLst>
+                                          <p:attrName>style.visibility</p:attrName>
+                                        </p:attrNameLst>
+                                      </p:cBhvr>
+                                      <p:to>
+                                        <p:strVal val="visible"/>
+                                      </p:to>
+                                    </p:set>
+                                    <p:animEffect transition="in" filter="randombar(horizontal)">
+                                      <p:cBhvr>
+                                        <p:cTn id="7" dur="500"/>
+                                        <p:tgtEl>
+                                          <p:spTgt spid="3">
+                                            <p:txEl>
+                                              <p:pRg st="0" end="0"/>
+                                            </p:txEl>
+                                          </p:spTgt>
+                                        </p:tgtEl>
+                                      </p:cBhvr>
+                                    </p:animEffect>
+                                  </p:childTnLst>
+                                </p:cTn>
+                              </p:par>
+                              <p:par>
+                                <p:cTn id="8" presetID="14" presetClass="entr" presetSubtype="10" fill="hold" grpId="0" nodeType="withEffect">
+                                  <p:stCondLst>
+                                    <p:cond delay="0"/>
+                                  </p:stCondLst>
+                                  <p:childTnLst>
+                                    <p:set>
+                                      <p:cBhvr>
+                                        <p:cTn id="9" dur="1" fill="hold">
+                                          <p:stCondLst>
+                                            <p:cond delay="0"/>
+                                          </p:stCondLst>
+                                        </p:cTn>
+                                        <p:tgtEl>
+                                          <p:spTgt spid="3">
+                                            <p:txEl>
+                                              <p:pRg st="1" end="1"/>
+                                            </p:txEl>
+                                          </p:spTgt>
+                                        </p:tgtEl>
+                                        <p:attrNameLst>
+                                          <p:attrName>style.visibility</p:attrName>
+                                        </p:attrNameLst>
+                                      </p:cBhvr>
+                                      <p:to>
+                                        <p:strVal val="visible"/>
+                                      </p:to>
+                                    </p:set>
+                                    <p:animEffect transition="in" filter="randombar(horizontal)">
+                                      <p:cBhvr>
+                                        <p:cTn id="10" dur="500"/>
+                                        <p:tgtEl>
+                                          <p:spTgt spid="3">
+                                            <p:txEl>
+                                              <p:pRg st="1" end="1"/>
+                                            </p:txEl>
+                                          </p:spTgt>
+                                        </p:tgtEl>
+                                      </p:cBhvr>
+                                    </p:animEffect>
+                                  </p:childTnLst>
+                                </p:cTn>
+                              </p:par>
+                            </p:childTnLst>
+                          </p:cTn>
+                        </p:par>
+                      </p:childTnLst>
+                    </p:cTn>
+                  </p:par>
+                </p:childTnLst>
+              </p:cTn>
+              <p:prevCondLst>
+                <p:cond evt="onPrev" delay="0">
+                  <p:tgtEl>
+                    <p:sldTgt/>
+                  </p:tgtEl>
+                </p:cond>
+              </p:prevCondLst>
+              <p:nextCondLst>
+                <p:cond evt="onNext" delay="0">
+                  <p:tgtEl>
+                    <p:sldTgt/>
+                  </p:tgtEl>
+                </p:cond>
+              </p:nextCondLst>
+            </p:seq>
+          </p:childTnLst>
+        </p:cTn>
+      </p:par>
+    </p:tnLst>
+    <p:bldLst>
+      <p:bldP spid="3" grpId="0" build="p"/>
+    </p:bldLst>
+  </p:timing>
 </p:sld>
 </file>
 
@@ -38416,6 +42482,161 @@
   <p:clrMapOvr>
     <a:masterClrMapping/>
   </p:clrMapOvr>
+  <p:timing>
+    <p:tnLst>
+      <p:par>
+        <p:cTn id="1" dur="indefinite" restart="never" nodeType="tmRoot">
+          <p:childTnLst>
+            <p:seq concurrent="1" nextAc="seek">
+              <p:cTn id="2" dur="indefinite" nodeType="mainSeq">
+                <p:childTnLst>
+                  <p:par>
+                    <p:cTn id="3" fill="hold">
+                      <p:stCondLst>
+                        <p:cond delay="indefinite"/>
+                      </p:stCondLst>
+                      <p:childTnLst>
+                        <p:par>
+                          <p:cTn id="4" fill="hold">
+                            <p:stCondLst>
+                              <p:cond delay="0"/>
+                            </p:stCondLst>
+                            <p:childTnLst>
+                              <p:par>
+                                <p:cTn id="5" presetID="31" presetClass="entr" presetSubtype="0" fill="hold" grpId="0" nodeType="clickEffect">
+                                  <p:stCondLst>
+                                    <p:cond delay="0"/>
+                                  </p:stCondLst>
+                                  <p:childTnLst>
+                                    <p:set>
+                                      <p:cBhvr>
+                                        <p:cTn id="6" dur="1" fill="hold">
+                                          <p:stCondLst>
+                                            <p:cond delay="0"/>
+                                          </p:stCondLst>
+                                        </p:cTn>
+                                        <p:tgtEl>
+                                          <p:spTgt spid="5"/>
+                                        </p:tgtEl>
+                                        <p:attrNameLst>
+                                          <p:attrName>style.visibility</p:attrName>
+                                        </p:attrNameLst>
+                                      </p:cBhvr>
+                                      <p:to>
+                                        <p:strVal val="visible"/>
+                                      </p:to>
+                                    </p:set>
+                                    <p:anim calcmode="lin" valueType="num">
+                                      <p:cBhvr>
+                                        <p:cTn id="7" dur="1000" fill="hold"/>
+                                        <p:tgtEl>
+                                          <p:spTgt spid="5"/>
+                                        </p:tgtEl>
+                                        <p:attrNameLst>
+                                          <p:attrName>ppt_w</p:attrName>
+                                        </p:attrNameLst>
+                                      </p:cBhvr>
+                                      <p:tavLst>
+                                        <p:tav tm="0">
+                                          <p:val>
+                                            <p:fltVal val="0"/>
+                                          </p:val>
+                                        </p:tav>
+                                        <p:tav tm="100000">
+                                          <p:val>
+                                            <p:strVal val="#ppt_w"/>
+                                          </p:val>
+                                        </p:tav>
+                                      </p:tavLst>
+                                    </p:anim>
+                                    <p:anim calcmode="lin" valueType="num">
+                                      <p:cBhvr>
+                                        <p:cTn id="8" dur="1000" fill="hold"/>
+                                        <p:tgtEl>
+                                          <p:spTgt spid="5"/>
+                                        </p:tgtEl>
+                                        <p:attrNameLst>
+                                          <p:attrName>ppt_h</p:attrName>
+                                        </p:attrNameLst>
+                                      </p:cBhvr>
+                                      <p:tavLst>
+                                        <p:tav tm="0">
+                                          <p:val>
+                                            <p:fltVal val="0"/>
+                                          </p:val>
+                                        </p:tav>
+                                        <p:tav tm="100000">
+                                          <p:val>
+                                            <p:strVal val="#ppt_h"/>
+                                          </p:val>
+                                        </p:tav>
+                                      </p:tavLst>
+                                    </p:anim>
+                                    <p:anim calcmode="lin" valueType="num">
+                                      <p:cBhvr>
+                                        <p:cTn id="9" dur="1000" fill="hold"/>
+                                        <p:tgtEl>
+                                          <p:spTgt spid="5"/>
+                                        </p:tgtEl>
+                                        <p:attrNameLst>
+                                          <p:attrName>style.rotation</p:attrName>
+                                        </p:attrNameLst>
+                                      </p:cBhvr>
+                                      <p:tavLst>
+                                        <p:tav tm="0">
+                                          <p:val>
+                                            <p:fltVal val="90"/>
+                                          </p:val>
+                                        </p:tav>
+                                        <p:tav tm="100000">
+                                          <p:val>
+                                            <p:fltVal val="0"/>
+                                          </p:val>
+                                        </p:tav>
+                                      </p:tavLst>
+                                    </p:anim>
+                                    <p:animEffect transition="in" filter="fade">
+                                      <p:cBhvr>
+                                        <p:cTn id="10" dur="1000"/>
+                                        <p:tgtEl>
+                                          <p:spTgt spid="5"/>
+                                        </p:tgtEl>
+                                      </p:cBhvr>
+                                    </p:animEffect>
+                                  </p:childTnLst>
+                                </p:cTn>
+                              </p:par>
+                            </p:childTnLst>
+                          </p:cTn>
+                        </p:par>
+                      </p:childTnLst>
+                    </p:cTn>
+                  </p:par>
+                </p:childTnLst>
+              </p:cTn>
+              <p:prevCondLst>
+                <p:cond evt="onPrev" delay="0">
+                  <p:tgtEl>
+                    <p:sldTgt/>
+                  </p:tgtEl>
+                </p:cond>
+              </p:prevCondLst>
+              <p:nextCondLst>
+                <p:cond evt="onNext" delay="0">
+                  <p:tgtEl>
+                    <p:sldTgt/>
+                  </p:tgtEl>
+                </p:cond>
+              </p:nextCondLst>
+            </p:seq>
+          </p:childTnLst>
+        </p:cTn>
+      </p:par>
+    </p:tnLst>
+    <p:bldLst>
+      <p:bldP spid="5" grpId="0"/>
+    </p:bldLst>
+  </p:timing>
 </p:sld>
 </file>
 
@@ -39177,7 +43398,7 @@
             <p:ph idx="1"/>
             <p:extLst>
               <p:ext uri="{D42A27DB-BD31-4B8C-83A1-F6EECF244321}">
-                <p14:modId xmlns:p14="http://schemas.microsoft.com/office/powerpoint/2010/main" val="2319545452"/>
+                <p14:modId xmlns:p14="http://schemas.microsoft.com/office/powerpoint/2010/main" val="3639013879"/>
               </p:ext>
             </p:extLst>
           </p:nvPr>
@@ -39202,6 +43423,94 @@
   <p:clrMapOvr>
     <a:masterClrMapping/>
   </p:clrMapOvr>
+  <p:timing>
+    <p:tnLst>
+      <p:par>
+        <p:cTn id="1" dur="indefinite" restart="never" nodeType="tmRoot">
+          <p:childTnLst>
+            <p:seq concurrent="1" nextAc="seek">
+              <p:cTn id="2" dur="indefinite" nodeType="mainSeq">
+                <p:childTnLst>
+                  <p:par>
+                    <p:cTn id="3" fill="hold">
+                      <p:stCondLst>
+                        <p:cond delay="indefinite"/>
+                      </p:stCondLst>
+                      <p:childTnLst>
+                        <p:par>
+                          <p:cTn id="4" fill="hold">
+                            <p:stCondLst>
+                              <p:cond delay="0"/>
+                            </p:stCondLst>
+                            <p:childTnLst>
+                              <p:par>
+                                <p:cTn id="5" presetID="14" presetClass="entr" presetSubtype="10" fill="hold" grpId="0" nodeType="clickEffect">
+                                  <p:stCondLst>
+                                    <p:cond delay="0"/>
+                                  </p:stCondLst>
+                                  <p:childTnLst>
+                                    <p:set>
+                                      <p:cBhvr>
+                                        <p:cTn id="6" dur="1" fill="hold">
+                                          <p:stCondLst>
+                                            <p:cond delay="0"/>
+                                          </p:stCondLst>
+                                        </p:cTn>
+                                        <p:tgtEl>
+                                          <p:spTgt spid="8"/>
+                                        </p:tgtEl>
+                                        <p:attrNameLst>
+                                          <p:attrName>style.visibility</p:attrName>
+                                        </p:attrNameLst>
+                                      </p:cBhvr>
+                                      <p:to>
+                                        <p:strVal val="visible"/>
+                                      </p:to>
+                                    </p:set>
+                                    <p:animEffect transition="in" filter="randombar(horizontal)">
+                                      <p:cBhvr>
+                                        <p:cTn id="7" dur="500"/>
+                                        <p:tgtEl>
+                                          <p:spTgt spid="8"/>
+                                        </p:tgtEl>
+                                      </p:cBhvr>
+                                    </p:animEffect>
+                                  </p:childTnLst>
+                                </p:cTn>
+                              </p:par>
+                            </p:childTnLst>
+                          </p:cTn>
+                        </p:par>
+                      </p:childTnLst>
+                    </p:cTn>
+                  </p:par>
+                </p:childTnLst>
+              </p:cTn>
+              <p:prevCondLst>
+                <p:cond evt="onPrev" delay="0">
+                  <p:tgtEl>
+                    <p:sldTgt/>
+                  </p:tgtEl>
+                </p:cond>
+              </p:prevCondLst>
+              <p:nextCondLst>
+                <p:cond evt="onNext" delay="0">
+                  <p:tgtEl>
+                    <p:sldTgt/>
+                  </p:tgtEl>
+                </p:cond>
+              </p:nextCondLst>
+            </p:seq>
+          </p:childTnLst>
+        </p:cTn>
+      </p:par>
+    </p:tnLst>
+    <p:bldLst>
+      <p:bldGraphic spid="8" grpId="0">
+        <p:bldAsOne/>
+      </p:bldGraphic>
+    </p:bldLst>
+  </p:timing>
 </p:sld>
 </file>
 
